--- a/DOCUMENTACION/presentacion/presentacionPFC27.pptx
+++ b/DOCUMENTACION/presentacion/presentacionPFC27.pptx
@@ -5,7 +5,7 @@
     <p:sldMasterId id="2147483661" r:id="rId1"/>
   </p:sldMasterIdLst>
   <p:notesMasterIdLst>
-    <p:notesMasterId r:id="rId30"/>
+    <p:notesMasterId r:id="rId31"/>
   </p:notesMasterIdLst>
   <p:sldIdLst>
     <p:sldId id="256" r:id="rId2"/>
@@ -28,14 +28,15 @@
     <p:sldId id="329" r:id="rId19"/>
     <p:sldId id="330" r:id="rId20"/>
     <p:sldId id="315" r:id="rId21"/>
-    <p:sldId id="316" r:id="rId22"/>
-    <p:sldId id="325" r:id="rId23"/>
-    <p:sldId id="326" r:id="rId24"/>
-    <p:sldId id="318" r:id="rId25"/>
-    <p:sldId id="319" r:id="rId26"/>
-    <p:sldId id="322" r:id="rId27"/>
-    <p:sldId id="321" r:id="rId28"/>
-    <p:sldId id="324" r:id="rId29"/>
+    <p:sldId id="331" r:id="rId22"/>
+    <p:sldId id="316" r:id="rId23"/>
+    <p:sldId id="325" r:id="rId24"/>
+    <p:sldId id="326" r:id="rId25"/>
+    <p:sldId id="318" r:id="rId26"/>
+    <p:sldId id="319" r:id="rId27"/>
+    <p:sldId id="322" r:id="rId28"/>
+    <p:sldId id="321" r:id="rId29"/>
+    <p:sldId id="324" r:id="rId30"/>
   </p:sldIdLst>
   <p:sldSz cx="9144000" cy="6858000" type="screen4x3"/>
   <p:notesSz cx="6858000" cy="9144000"/>
@@ -2440,6 +2441,88 @@
 </p:notes>
 </file>
 
+<file path=ppt/notesSlides/notesSlide29.xml><?xml version="1.0" encoding="utf-8"?>
+<p:notes xmlns:a="http://schemas.openxmlformats.org/drawingml/2006/main" xmlns:r="http://schemas.openxmlformats.org/officeDocument/2006/relationships" xmlns:p="http://schemas.openxmlformats.org/presentationml/2006/main">
+  <p:cSld>
+    <p:spTree>
+      <p:nvGrpSpPr>
+        <p:cNvPr id="1" name=""/>
+        <p:cNvGrpSpPr/>
+        <p:nvPr/>
+      </p:nvGrpSpPr>
+      <p:grpSpPr>
+        <a:xfrm>
+          <a:off x="0" y="0"/>
+          <a:ext cx="0" cy="0"/>
+          <a:chOff x="0" y="0"/>
+          <a:chExt cx="0" cy="0"/>
+        </a:xfrm>
+      </p:grpSpPr>
+      <p:sp>
+        <p:nvSpPr>
+          <p:cNvPr id="2" name="1 Marcador de imagen de diapositiva"/>
+          <p:cNvSpPr>
+            <a:spLocks noGrp="1" noRot="1" noChangeAspect="1"/>
+          </p:cNvSpPr>
+          <p:nvPr>
+            <p:ph type="sldImg"/>
+          </p:nvPr>
+        </p:nvSpPr>
+        <p:spPr/>
+      </p:sp>
+      <p:sp>
+        <p:nvSpPr>
+          <p:cNvPr id="3" name="2 Marcador de notas"/>
+          <p:cNvSpPr>
+            <a:spLocks noGrp="1"/>
+          </p:cNvSpPr>
+          <p:nvPr>
+            <p:ph type="body" idx="1"/>
+          </p:nvPr>
+        </p:nvSpPr>
+        <p:spPr/>
+        <p:txBody>
+          <a:bodyPr>
+            <a:normAutofit/>
+          </a:bodyPr>
+          <a:lstStyle/>
+          <a:p>
+            <a:endParaRPr lang="es-ES"/>
+          </a:p>
+        </p:txBody>
+      </p:sp>
+      <p:sp>
+        <p:nvSpPr>
+          <p:cNvPr id="4" name="3 Marcador de número de diapositiva"/>
+          <p:cNvSpPr>
+            <a:spLocks noGrp="1"/>
+          </p:cNvSpPr>
+          <p:nvPr>
+            <p:ph type="sldNum" sz="quarter" idx="10"/>
+          </p:nvPr>
+        </p:nvSpPr>
+        <p:spPr/>
+        <p:txBody>
+          <a:bodyPr/>
+          <a:lstStyle/>
+          <a:p>
+            <a:fld id="{7BC95077-3C82-4E14-A4E7-10CB5BCD1D7F}" type="slidenum">
+              <a:rPr lang="es-ES" smtClean="0"/>
+              <a:pPr/>
+              <a:t>29</a:t>
+            </a:fld>
+            <a:endParaRPr lang="es-ES"/>
+          </a:p>
+        </p:txBody>
+      </p:sp>
+    </p:spTree>
+  </p:cSld>
+  <p:clrMapOvr>
+    <a:masterClrMapping/>
+  </p:clrMapOvr>
+</p:notes>
+</file>
+
 <file path=ppt/notesSlides/notesSlide3.xml><?xml version="1.0" encoding="utf-8"?>
 <p:notes xmlns:a="http://schemas.openxmlformats.org/drawingml/2006/main" xmlns:r="http://schemas.openxmlformats.org/officeDocument/2006/relationships" xmlns:p="http://schemas.openxmlformats.org/presentationml/2006/main">
   <p:cSld>
@@ -3234,7 +3317,7 @@
             <a:fld id="{0106B4A3-4212-4E39-93DE-E053E8F69C28}" type="datetimeFigureOut">
               <a:rPr lang="en-US" smtClean="0"/>
               <a:pPr/>
-              <a:t>11/3/2009</a:t>
+              <a:t>11/6/2009</a:t>
             </a:fld>
             <a:endParaRPr lang="en-US"/>
           </a:p>
@@ -3433,7 +3516,7 @@
             <a:fld id="{0106B4A3-4212-4E39-93DE-E053E8F69C28}" type="datetimeFigureOut">
               <a:rPr lang="en-US" smtClean="0"/>
               <a:pPr/>
-              <a:t>11/3/2009</a:t>
+              <a:t>11/6/2009</a:t>
             </a:fld>
             <a:endParaRPr lang="en-US"/>
           </a:p>
@@ -3620,7 +3703,7 @@
             <a:fld id="{0106B4A3-4212-4E39-93DE-E053E8F69C28}" type="datetimeFigureOut">
               <a:rPr lang="en-US" smtClean="0"/>
               <a:pPr/>
-              <a:t>11/3/2009</a:t>
+              <a:t>11/6/2009</a:t>
             </a:fld>
             <a:endParaRPr lang="en-US"/>
           </a:p>
@@ -3933,7 +4016,7 @@
             <a:fld id="{0106B4A3-4212-4E39-93DE-E053E8F69C28}" type="datetimeFigureOut">
               <a:rPr lang="en-US" smtClean="0"/>
               <a:pPr/>
-              <a:t>11/3/2009</a:t>
+              <a:t>11/6/2009</a:t>
             </a:fld>
             <a:endParaRPr lang="en-US"/>
           </a:p>
@@ -4192,7 +4275,7 @@
             <a:fld id="{0106B4A3-4212-4E39-93DE-E053E8F69C28}" type="datetimeFigureOut">
               <a:rPr lang="en-US" smtClean="0"/>
               <a:pPr/>
-              <a:t>11/3/2009</a:t>
+              <a:t>11/6/2009</a:t>
             </a:fld>
             <a:endParaRPr lang="en-US"/>
           </a:p>
@@ -4678,7 +4761,7 @@
             <a:fld id="{0106B4A3-4212-4E39-93DE-E053E8F69C28}" type="datetimeFigureOut">
               <a:rPr lang="en-US" smtClean="0"/>
               <a:pPr/>
-              <a:t>11/3/2009</a:t>
+              <a:t>11/6/2009</a:t>
             </a:fld>
             <a:endParaRPr lang="en-US"/>
           </a:p>
@@ -5105,7 +5188,7 @@
             <a:fld id="{0106B4A3-4212-4E39-93DE-E053E8F69C28}" type="datetimeFigureOut">
               <a:rPr lang="en-US" smtClean="0"/>
               <a:pPr/>
-              <a:t>11/3/2009</a:t>
+              <a:t>11/6/2009</a:t>
             </a:fld>
             <a:endParaRPr lang="en-US"/>
           </a:p>
@@ -5248,7 +5331,7 @@
             <a:fld id="{0106B4A3-4212-4E39-93DE-E053E8F69C28}" type="datetimeFigureOut">
               <a:rPr lang="en-US" smtClean="0"/>
               <a:pPr/>
-              <a:t>11/3/2009</a:t>
+              <a:t>11/6/2009</a:t>
             </a:fld>
             <a:endParaRPr lang="en-US"/>
           </a:p>
@@ -5355,7 +5438,7 @@
             <a:fld id="{0106B4A3-4212-4E39-93DE-E053E8F69C28}" type="datetimeFigureOut">
               <a:rPr lang="en-US" smtClean="0"/>
               <a:pPr/>
-              <a:t>11/3/2009</a:t>
+              <a:t>11/6/2009</a:t>
             </a:fld>
             <a:endParaRPr lang="en-US"/>
           </a:p>
@@ -5645,7 +5728,7 @@
             <a:fld id="{0106B4A3-4212-4E39-93DE-E053E8F69C28}" type="datetimeFigureOut">
               <a:rPr lang="en-US" smtClean="0"/>
               <a:pPr/>
-              <a:t>11/3/2009</a:t>
+              <a:t>11/6/2009</a:t>
             </a:fld>
             <a:endParaRPr lang="en-US"/>
           </a:p>
@@ -5909,7 +5992,7 @@
             <a:fld id="{0106B4A3-4212-4E39-93DE-E053E8F69C28}" type="datetimeFigureOut">
               <a:rPr lang="en-US" smtClean="0"/>
               <a:pPr/>
-              <a:t>11/3/2009</a:t>
+              <a:t>11/6/2009</a:t>
             </a:fld>
             <a:endParaRPr lang="en-US"/>
           </a:p>
@@ -6293,7 +6376,7 @@
             <a:fld id="{0106B4A3-4212-4E39-93DE-E053E8F69C28}" type="datetimeFigureOut">
               <a:rPr lang="en-US" smtClean="0"/>
               <a:pPr/>
-              <a:t>11/3/2009</a:t>
+              <a:t>11/6/2009</a:t>
             </a:fld>
             <a:endParaRPr lang="en-US"/>
           </a:p>
@@ -7537,17 +7620,7 @@
                 <a:effectLst/>
                 <a:latin typeface="Arial" charset="0"/>
               </a:rPr>
-              <a:t> motivación, </a:t>
-            </a:r>
-            <a:r>
-              <a:rPr lang="es-ES" sz="1800" dirty="0" smtClean="0">
-                <a:solidFill>
-                  <a:srgbClr val="FFFFD5"/>
-                </a:solidFill>
-                <a:effectLst/>
-                <a:latin typeface="Arial" charset="0"/>
-              </a:rPr>
-              <a:t>concentración  de usuario</a:t>
+              <a:t> motivación, concentración  de usuario</a:t>
             </a:r>
             <a:r>
               <a:rPr lang="es-ES" sz="1800" dirty="0" smtClean="0">
@@ -7715,18 +7788,7 @@
                 <a:latin typeface="Arial" charset="0"/>
                 <a:sym typeface="Wingdings" pitchFamily="2" charset="2"/>
               </a:rPr>
-              <a:t>Ambientes reales, familiares </a:t>
-            </a:r>
-            <a:r>
-              <a:rPr lang="es-ES" sz="1800" dirty="0" smtClean="0">
-                <a:solidFill>
-                  <a:srgbClr val="FFFFD5"/>
-                </a:solidFill>
-                <a:effectLst/>
-                <a:latin typeface="Arial" charset="0"/>
-                <a:sym typeface="Wingdings" pitchFamily="2" charset="2"/>
-              </a:rPr>
-              <a:t>o conocidas	</a:t>
+              <a:t>Ambientes reales, familiares o conocidas	</a:t>
             </a:r>
             <a:endParaRPr lang="es-ES" sz="1800" dirty="0" smtClean="0">
               <a:solidFill>
@@ -10337,6 +10399,932 @@
           </a:fontRef>
         </p:style>
       </p:cxnSp>
+      <p:sp>
+        <p:nvSpPr>
+          <p:cNvPr id="6" name="5 Rectángulo"/>
+          <p:cNvSpPr/>
+          <p:nvPr/>
+        </p:nvSpPr>
+        <p:spPr>
+          <a:xfrm>
+            <a:off x="357158" y="1071546"/>
+            <a:ext cx="4000528" cy="1052596"/>
+          </a:xfrm>
+          <a:prstGeom prst="rect">
+            <a:avLst/>
+          </a:prstGeom>
+          <a:noFill/>
+        </p:spPr>
+        <p:txBody>
+          <a:bodyPr wrap="square" lIns="91440" tIns="45720" rIns="91440" bIns="45720">
+            <a:spAutoFit/>
+          </a:bodyPr>
+          <a:lstStyle/>
+          <a:p>
+            <a:r>
+              <a:rPr lang="es-ES" sz="2400" b="1" dirty="0" smtClean="0">
+                <a:effectLst>
+                  <a:outerShdw blurRad="38100" dist="38100" dir="2700000" algn="tl">
+                    <a:srgbClr val="000000"/>
+                  </a:outerShdw>
+                </a:effectLst>
+                <a:latin typeface="Tahoma" charset="0"/>
+                <a:sym typeface="Wingdings" pitchFamily="2" charset="2"/>
+              </a:rPr>
+              <a:t>Software de desarrollo</a:t>
+            </a:r>
+          </a:p>
+          <a:p>
+            <a:endParaRPr lang="es-ES" sz="3200" dirty="0">
+              <a:ln w="18415" cmpd="sng">
+                <a:solidFill>
+                  <a:srgbClr val="FFFFFF"/>
+                </a:solidFill>
+                <a:prstDash val="solid"/>
+              </a:ln>
+              <a:solidFill>
+                <a:srgbClr val="FFFFFF"/>
+              </a:solidFill>
+              <a:effectLst>
+                <a:outerShdw blurRad="63500" dir="3600000" algn="tl" rotWithShape="0">
+                  <a:srgbClr val="000000">
+                    <a:alpha val="70000"/>
+                  </a:srgbClr>
+                </a:outerShdw>
+              </a:effectLst>
+            </a:endParaRPr>
+          </a:p>
+        </p:txBody>
+      </p:sp>
+      <p:sp>
+        <p:nvSpPr>
+          <p:cNvPr id="7" name="AutoShape 72"/>
+          <p:cNvSpPr>
+            <a:spLocks noChangeArrowheads="1"/>
+          </p:cNvSpPr>
+          <p:nvPr/>
+        </p:nvSpPr>
+        <p:spPr bwMode="auto">
+          <a:xfrm>
+            <a:off x="714348" y="1857364"/>
+            <a:ext cx="228600" cy="152400"/>
+          </a:xfrm>
+          <a:prstGeom prst="rightArrow">
+            <a:avLst>
+              <a:gd name="adj1" fmla="val 50000"/>
+              <a:gd name="adj2" fmla="val 37500"/>
+            </a:avLst>
+          </a:prstGeom>
+          <a:solidFill>
+            <a:srgbClr val="FDF49B"/>
+          </a:solidFill>
+          <a:ln w="9525">
+            <a:solidFill>
+              <a:srgbClr val="FDF49B"/>
+            </a:solidFill>
+            <a:miter lim="800000"/>
+            <a:headEnd/>
+            <a:tailEnd/>
+          </a:ln>
+          <a:effectLst>
+            <a:outerShdw dist="28398" dir="3806097" algn="ctr" rotWithShape="0">
+              <a:schemeClr val="tx1"/>
+            </a:outerShdw>
+          </a:effectLst>
+        </p:spPr>
+        <p:txBody>
+          <a:bodyPr wrap="none" anchor="ctr"/>
+          <a:lstStyle/>
+          <a:p>
+            <a:endParaRPr lang="es-ES"/>
+          </a:p>
+        </p:txBody>
+      </p:sp>
+      <p:sp>
+        <p:nvSpPr>
+          <p:cNvPr id="9" name="Text Box 73"/>
+          <p:cNvSpPr txBox="1">
+            <a:spLocks noChangeArrowheads="1"/>
+          </p:cNvSpPr>
+          <p:nvPr/>
+        </p:nvSpPr>
+        <p:spPr bwMode="auto">
+          <a:xfrm>
+            <a:off x="1000100" y="1714488"/>
+            <a:ext cx="5072098" cy="646331"/>
+          </a:xfrm>
+          <a:prstGeom prst="rect">
+            <a:avLst/>
+          </a:prstGeom>
+          <a:noFill/>
+          <a:ln w="9525">
+            <a:noFill/>
+            <a:miter lim="800000"/>
+            <a:headEnd/>
+            <a:tailEnd/>
+          </a:ln>
+          <a:effectLst/>
+        </p:spPr>
+        <p:txBody>
+          <a:bodyPr wrap="square">
+            <a:spAutoFit/>
+          </a:bodyPr>
+          <a:lstStyle/>
+          <a:p>
+            <a:pPr>
+              <a:spcBef>
+                <a:spcPct val="0"/>
+              </a:spcBef>
+            </a:pPr>
+            <a:r>
+              <a:rPr lang="es-ES" sz="1800" dirty="0" smtClean="0">
+                <a:solidFill>
+                  <a:srgbClr val="FFFFD5"/>
+                </a:solidFill>
+                <a:effectLst/>
+                <a:latin typeface="Arial" charset="0"/>
+                <a:sym typeface="Wingdings" pitchFamily="2" charset="2"/>
+              </a:rPr>
+              <a:t>Herramienta CAD: 3D Studio Max 9</a:t>
+            </a:r>
+            <a:r>
+              <a:rPr lang="es-ES" sz="1800" dirty="0" smtClean="0">
+                <a:solidFill>
+                  <a:srgbClr val="FFFFD5"/>
+                </a:solidFill>
+                <a:effectLst/>
+                <a:latin typeface="Arial" charset="0"/>
+                <a:sym typeface="Wingdings" pitchFamily="2" charset="2"/>
+              </a:rPr>
+              <a:t>	</a:t>
+            </a:r>
+            <a:endParaRPr lang="es-ES" sz="1800" dirty="0" smtClean="0">
+              <a:solidFill>
+                <a:srgbClr val="FFFFD5"/>
+              </a:solidFill>
+              <a:effectLst/>
+              <a:latin typeface="Arial" charset="0"/>
+            </a:endParaRPr>
+          </a:p>
+          <a:p>
+            <a:pPr>
+              <a:spcBef>
+                <a:spcPct val="0"/>
+              </a:spcBef>
+            </a:pPr>
+            <a:r>
+              <a:rPr lang="es-ES" sz="1800" dirty="0" smtClean="0">
+                <a:solidFill>
+                  <a:srgbClr val="FFFFD5"/>
+                </a:solidFill>
+                <a:effectLst/>
+                <a:latin typeface="Arial" charset="0"/>
+                <a:sym typeface="Wingdings" pitchFamily="2" charset="2"/>
+              </a:rPr>
+              <a:t> 	</a:t>
+            </a:r>
+            <a:endParaRPr lang="es-ES" sz="1800" dirty="0">
+              <a:solidFill>
+                <a:srgbClr val="FFFFD5"/>
+              </a:solidFill>
+              <a:effectLst/>
+              <a:latin typeface="Arial" charset="0"/>
+            </a:endParaRPr>
+          </a:p>
+        </p:txBody>
+      </p:sp>
+      <p:sp>
+        <p:nvSpPr>
+          <p:cNvPr id="11" name="Text Box 14"/>
+          <p:cNvSpPr txBox="1">
+            <a:spLocks noChangeArrowheads="1"/>
+          </p:cNvSpPr>
+          <p:nvPr/>
+        </p:nvSpPr>
+        <p:spPr bwMode="auto">
+          <a:xfrm>
+            <a:off x="5286380" y="1571612"/>
+            <a:ext cx="3500462" cy="338554"/>
+          </a:xfrm>
+          <a:prstGeom prst="rect">
+            <a:avLst/>
+          </a:prstGeom>
+          <a:noFill/>
+          <a:ln w="9525">
+            <a:noFill/>
+            <a:miter lim="800000"/>
+            <a:headEnd/>
+            <a:tailEnd/>
+          </a:ln>
+          <a:effectLst/>
+        </p:spPr>
+        <p:txBody>
+          <a:bodyPr wrap="square">
+            <a:spAutoFit/>
+          </a:bodyPr>
+          <a:lstStyle/>
+          <a:p>
+            <a:pPr>
+              <a:spcBef>
+                <a:spcPct val="0"/>
+              </a:spcBef>
+            </a:pPr>
+            <a:r>
+              <a:rPr lang="es-ES" sz="1600" dirty="0" smtClean="0">
+                <a:effectLst/>
+                <a:latin typeface="Arial" charset="0"/>
+              </a:rPr>
+              <a:t>- Minimizan tiempo de modelado</a:t>
+            </a:r>
+            <a:endParaRPr lang="es-ES" sz="1600" dirty="0">
+              <a:effectLst/>
+              <a:latin typeface="Arial" charset="0"/>
+            </a:endParaRPr>
+          </a:p>
+        </p:txBody>
+      </p:sp>
+      <p:sp>
+        <p:nvSpPr>
+          <p:cNvPr id="12" name="Text Box 14"/>
+          <p:cNvSpPr txBox="1">
+            <a:spLocks noChangeArrowheads="1"/>
+          </p:cNvSpPr>
+          <p:nvPr/>
+        </p:nvSpPr>
+        <p:spPr bwMode="auto">
+          <a:xfrm>
+            <a:off x="5286380" y="2000240"/>
+            <a:ext cx="3857620" cy="338554"/>
+          </a:xfrm>
+          <a:prstGeom prst="rect">
+            <a:avLst/>
+          </a:prstGeom>
+          <a:noFill/>
+          <a:ln w="9525">
+            <a:noFill/>
+            <a:miter lim="800000"/>
+            <a:headEnd/>
+            <a:tailEnd/>
+          </a:ln>
+          <a:effectLst/>
+        </p:spPr>
+        <p:txBody>
+          <a:bodyPr wrap="square">
+            <a:spAutoFit/>
+          </a:bodyPr>
+          <a:lstStyle/>
+          <a:p>
+            <a:pPr>
+              <a:spcBef>
+                <a:spcPct val="0"/>
+              </a:spcBef>
+            </a:pPr>
+            <a:r>
+              <a:rPr lang="es-ES" sz="1600" dirty="0" smtClean="0">
+                <a:effectLst/>
+                <a:latin typeface="Arial" charset="0"/>
+              </a:rPr>
+              <a:t>- Modelos detallados y mejor acabados</a:t>
+            </a:r>
+            <a:endParaRPr lang="es-ES" sz="1600" dirty="0">
+              <a:effectLst/>
+              <a:latin typeface="Arial" charset="0"/>
+            </a:endParaRPr>
+          </a:p>
+        </p:txBody>
+      </p:sp>
+      <p:sp>
+        <p:nvSpPr>
+          <p:cNvPr id="13" name="AutoShape 72"/>
+          <p:cNvSpPr>
+            <a:spLocks noChangeArrowheads="1"/>
+          </p:cNvSpPr>
+          <p:nvPr/>
+        </p:nvSpPr>
+        <p:spPr bwMode="auto">
+          <a:xfrm>
+            <a:off x="684187" y="2930521"/>
+            <a:ext cx="228600" cy="152400"/>
+          </a:xfrm>
+          <a:prstGeom prst="rightArrow">
+            <a:avLst>
+              <a:gd name="adj1" fmla="val 50000"/>
+              <a:gd name="adj2" fmla="val 37500"/>
+            </a:avLst>
+          </a:prstGeom>
+          <a:solidFill>
+            <a:srgbClr val="FDF49B"/>
+          </a:solidFill>
+          <a:ln w="9525">
+            <a:solidFill>
+              <a:srgbClr val="FDF49B"/>
+            </a:solidFill>
+            <a:miter lim="800000"/>
+            <a:headEnd/>
+            <a:tailEnd/>
+          </a:ln>
+          <a:effectLst>
+            <a:outerShdw dist="28398" dir="3806097" algn="ctr" rotWithShape="0">
+              <a:schemeClr val="tx1"/>
+            </a:outerShdw>
+          </a:effectLst>
+        </p:spPr>
+        <p:txBody>
+          <a:bodyPr wrap="none" anchor="ctr"/>
+          <a:lstStyle/>
+          <a:p>
+            <a:endParaRPr lang="es-ES"/>
+          </a:p>
+        </p:txBody>
+      </p:sp>
+      <p:sp>
+        <p:nvSpPr>
+          <p:cNvPr id="14" name="Text Box 73"/>
+          <p:cNvSpPr txBox="1">
+            <a:spLocks noChangeArrowheads="1"/>
+          </p:cNvSpPr>
+          <p:nvPr/>
+        </p:nvSpPr>
+        <p:spPr bwMode="auto">
+          <a:xfrm>
+            <a:off x="1000100" y="2786058"/>
+            <a:ext cx="5072098" cy="646331"/>
+          </a:xfrm>
+          <a:prstGeom prst="rect">
+            <a:avLst/>
+          </a:prstGeom>
+          <a:noFill/>
+          <a:ln w="9525">
+            <a:noFill/>
+            <a:miter lim="800000"/>
+            <a:headEnd/>
+            <a:tailEnd/>
+          </a:ln>
+          <a:effectLst/>
+        </p:spPr>
+        <p:txBody>
+          <a:bodyPr wrap="square">
+            <a:spAutoFit/>
+          </a:bodyPr>
+          <a:lstStyle/>
+          <a:p>
+            <a:pPr>
+              <a:spcBef>
+                <a:spcPct val="0"/>
+              </a:spcBef>
+            </a:pPr>
+            <a:r>
+              <a:rPr lang="es-ES" sz="1800" dirty="0" smtClean="0">
+                <a:solidFill>
+                  <a:srgbClr val="FFFFD5"/>
+                </a:solidFill>
+                <a:effectLst/>
+                <a:latin typeface="Arial" charset="0"/>
+                <a:sym typeface="Wingdings" pitchFamily="2" charset="2"/>
+              </a:rPr>
+              <a:t>Virtual </a:t>
+            </a:r>
+            <a:r>
+              <a:rPr lang="es-ES" sz="1800" dirty="0" err="1" smtClean="0">
+                <a:solidFill>
+                  <a:srgbClr val="FFFFD5"/>
+                </a:solidFill>
+                <a:effectLst/>
+                <a:latin typeface="Arial" charset="0"/>
+                <a:sym typeface="Wingdings" pitchFamily="2" charset="2"/>
+              </a:rPr>
+              <a:t>Reality</a:t>
+            </a:r>
+            <a:r>
+              <a:rPr lang="es-ES" sz="1800" dirty="0" smtClean="0">
+                <a:solidFill>
+                  <a:srgbClr val="FFFFD5"/>
+                </a:solidFill>
+                <a:effectLst/>
+                <a:latin typeface="Arial" charset="0"/>
+                <a:sym typeface="Wingdings" pitchFamily="2" charset="2"/>
+              </a:rPr>
+              <a:t> </a:t>
+            </a:r>
+            <a:r>
+              <a:rPr lang="es-ES" sz="1800" dirty="0" err="1" smtClean="0">
+                <a:solidFill>
+                  <a:srgbClr val="FFFFD5"/>
+                </a:solidFill>
+                <a:effectLst/>
+                <a:latin typeface="Arial" charset="0"/>
+                <a:sym typeface="Wingdings" pitchFamily="2" charset="2"/>
+              </a:rPr>
+              <a:t>Toolbox</a:t>
+            </a:r>
+            <a:r>
+              <a:rPr lang="es-ES" sz="1800" dirty="0" smtClean="0">
+                <a:solidFill>
+                  <a:srgbClr val="FFFFD5"/>
+                </a:solidFill>
+                <a:effectLst/>
+                <a:latin typeface="Arial" charset="0"/>
+                <a:sym typeface="Wingdings" pitchFamily="2" charset="2"/>
+              </a:rPr>
+              <a:t> (</a:t>
+            </a:r>
+            <a:r>
+              <a:rPr lang="es-ES" sz="1800" dirty="0" err="1" smtClean="0">
+                <a:solidFill>
+                  <a:srgbClr val="FFFFD5"/>
+                </a:solidFill>
+                <a:effectLst/>
+                <a:latin typeface="Arial" charset="0"/>
+                <a:sym typeface="Wingdings" pitchFamily="2" charset="2"/>
+              </a:rPr>
+              <a:t>Matlab</a:t>
+            </a:r>
+            <a:r>
+              <a:rPr lang="es-ES" sz="1800" dirty="0" smtClean="0">
+                <a:solidFill>
+                  <a:srgbClr val="FFFFD5"/>
+                </a:solidFill>
+                <a:effectLst/>
+                <a:latin typeface="Arial" charset="0"/>
+                <a:sym typeface="Wingdings" pitchFamily="2" charset="2"/>
+              </a:rPr>
+              <a:t>)</a:t>
+            </a:r>
+            <a:r>
+              <a:rPr lang="es-ES" sz="1800" dirty="0" smtClean="0">
+                <a:solidFill>
+                  <a:srgbClr val="FFFFD5"/>
+                </a:solidFill>
+                <a:effectLst/>
+                <a:latin typeface="Arial" charset="0"/>
+                <a:sym typeface="Wingdings" pitchFamily="2" charset="2"/>
+              </a:rPr>
+              <a:t>	</a:t>
+            </a:r>
+            <a:endParaRPr lang="es-ES" sz="1800" dirty="0" smtClean="0">
+              <a:solidFill>
+                <a:srgbClr val="FFFFD5"/>
+              </a:solidFill>
+              <a:effectLst/>
+              <a:latin typeface="Arial" charset="0"/>
+            </a:endParaRPr>
+          </a:p>
+          <a:p>
+            <a:pPr>
+              <a:spcBef>
+                <a:spcPct val="0"/>
+              </a:spcBef>
+            </a:pPr>
+            <a:r>
+              <a:rPr lang="es-ES" sz="1800" dirty="0" smtClean="0">
+                <a:solidFill>
+                  <a:srgbClr val="FFFFD5"/>
+                </a:solidFill>
+                <a:effectLst/>
+                <a:latin typeface="Arial" charset="0"/>
+                <a:sym typeface="Wingdings" pitchFamily="2" charset="2"/>
+              </a:rPr>
+              <a:t> 	</a:t>
+            </a:r>
+            <a:endParaRPr lang="es-ES" sz="1800" dirty="0">
+              <a:solidFill>
+                <a:srgbClr val="FFFFD5"/>
+              </a:solidFill>
+              <a:effectLst/>
+              <a:latin typeface="Arial" charset="0"/>
+            </a:endParaRPr>
+          </a:p>
+        </p:txBody>
+      </p:sp>
+      <p:sp>
+        <p:nvSpPr>
+          <p:cNvPr id="15" name="14 Rectángulo"/>
+          <p:cNvSpPr/>
+          <p:nvPr/>
+        </p:nvSpPr>
+        <p:spPr>
+          <a:xfrm>
+            <a:off x="357158" y="3429000"/>
+            <a:ext cx="4643470" cy="1052596"/>
+          </a:xfrm>
+          <a:prstGeom prst="rect">
+            <a:avLst/>
+          </a:prstGeom>
+          <a:noFill/>
+        </p:spPr>
+        <p:txBody>
+          <a:bodyPr wrap="square" lIns="91440" tIns="45720" rIns="91440" bIns="45720">
+            <a:spAutoFit/>
+          </a:bodyPr>
+          <a:lstStyle/>
+          <a:p>
+            <a:r>
+              <a:rPr lang="es-ES" sz="2400" b="1" dirty="0" smtClean="0">
+                <a:effectLst>
+                  <a:outerShdw blurRad="38100" dist="38100" dir="2700000" algn="tl">
+                    <a:srgbClr val="000000"/>
+                  </a:outerShdw>
+                </a:effectLst>
+                <a:latin typeface="Tahoma" charset="0"/>
+                <a:sym typeface="Wingdings" pitchFamily="2" charset="2"/>
+              </a:rPr>
+              <a:t>Equipamiento hardware</a:t>
+            </a:r>
+          </a:p>
+          <a:p>
+            <a:endParaRPr lang="es-ES" sz="3200" dirty="0">
+              <a:ln w="18415" cmpd="sng">
+                <a:solidFill>
+                  <a:srgbClr val="FFFFFF"/>
+                </a:solidFill>
+                <a:prstDash val="solid"/>
+              </a:ln>
+              <a:solidFill>
+                <a:srgbClr val="FFFFFF"/>
+              </a:solidFill>
+              <a:effectLst>
+                <a:outerShdw blurRad="63500" dir="3600000" algn="tl" rotWithShape="0">
+                  <a:srgbClr val="000000">
+                    <a:alpha val="70000"/>
+                  </a:srgbClr>
+                </a:outerShdw>
+              </a:effectLst>
+            </a:endParaRPr>
+          </a:p>
+        </p:txBody>
+      </p:sp>
+      <p:sp>
+        <p:nvSpPr>
+          <p:cNvPr id="16" name="Text Box 14"/>
+          <p:cNvSpPr txBox="1">
+            <a:spLocks noChangeArrowheads="1"/>
+          </p:cNvSpPr>
+          <p:nvPr/>
+        </p:nvSpPr>
+        <p:spPr bwMode="auto">
+          <a:xfrm>
+            <a:off x="4857752" y="2857496"/>
+            <a:ext cx="3500462" cy="338554"/>
+          </a:xfrm>
+          <a:prstGeom prst="rect">
+            <a:avLst/>
+          </a:prstGeom>
+          <a:noFill/>
+          <a:ln w="9525">
+            <a:noFill/>
+            <a:miter lim="800000"/>
+            <a:headEnd/>
+            <a:tailEnd/>
+          </a:ln>
+          <a:effectLst/>
+        </p:spPr>
+        <p:txBody>
+          <a:bodyPr wrap="square">
+            <a:spAutoFit/>
+          </a:bodyPr>
+          <a:lstStyle/>
+          <a:p>
+            <a:pPr>
+              <a:spcBef>
+                <a:spcPct val="0"/>
+              </a:spcBef>
+            </a:pPr>
+            <a:r>
+              <a:rPr lang="es-ES" sz="1600" dirty="0" smtClean="0">
+                <a:effectLst/>
+                <a:latin typeface="Arial" charset="0"/>
+              </a:rPr>
+              <a:t>Interacción BCI – Mundo virtual</a:t>
+            </a:r>
+            <a:endParaRPr lang="es-ES" sz="1600" dirty="0">
+              <a:effectLst/>
+              <a:latin typeface="Arial" charset="0"/>
+            </a:endParaRPr>
+          </a:p>
+        </p:txBody>
+      </p:sp>
+      <p:sp>
+        <p:nvSpPr>
+          <p:cNvPr id="17" name="16 Abrir llave"/>
+          <p:cNvSpPr/>
+          <p:nvPr/>
+        </p:nvSpPr>
+        <p:spPr>
+          <a:xfrm>
+            <a:off x="4929190" y="1214422"/>
+            <a:ext cx="285752" cy="1143008"/>
+          </a:xfrm>
+          <a:prstGeom prst="leftBrace">
+            <a:avLst/>
+          </a:prstGeom>
+          <a:ln>
+            <a:solidFill>
+              <a:srgbClr val="FFC000"/>
+            </a:solidFill>
+          </a:ln>
+        </p:spPr>
+        <p:style>
+          <a:lnRef idx="1">
+            <a:schemeClr val="accent1"/>
+          </a:lnRef>
+          <a:fillRef idx="0">
+            <a:schemeClr val="accent1"/>
+          </a:fillRef>
+          <a:effectRef idx="0">
+            <a:schemeClr val="accent1"/>
+          </a:effectRef>
+          <a:fontRef idx="minor">
+            <a:schemeClr val="tx1"/>
+          </a:fontRef>
+        </p:style>
+        <p:txBody>
+          <a:bodyPr rtlCol="0" anchor="ctr"/>
+          <a:lstStyle/>
+          <a:p>
+            <a:pPr algn="ctr"/>
+            <a:endParaRPr lang="es-ES"/>
+          </a:p>
+        </p:txBody>
+      </p:sp>
+      <p:sp>
+        <p:nvSpPr>
+          <p:cNvPr id="18" name="17 Flecha derecha"/>
+          <p:cNvSpPr/>
+          <p:nvPr/>
+        </p:nvSpPr>
+        <p:spPr>
+          <a:xfrm>
+            <a:off x="4429124" y="2857496"/>
+            <a:ext cx="428628" cy="357190"/>
+          </a:xfrm>
+          <a:prstGeom prst="rightArrow">
+            <a:avLst/>
+          </a:prstGeom>
+          <a:solidFill>
+            <a:srgbClr val="FFC000"/>
+          </a:solidFill>
+        </p:spPr>
+        <p:style>
+          <a:lnRef idx="2">
+            <a:schemeClr val="accent1">
+              <a:shade val="50000"/>
+            </a:schemeClr>
+          </a:lnRef>
+          <a:fillRef idx="1">
+            <a:schemeClr val="accent1"/>
+          </a:fillRef>
+          <a:effectRef idx="0">
+            <a:schemeClr val="accent1"/>
+          </a:effectRef>
+          <a:fontRef idx="minor">
+            <a:schemeClr val="lt1"/>
+          </a:fontRef>
+        </p:style>
+        <p:txBody>
+          <a:bodyPr rtlCol="0" anchor="ctr"/>
+          <a:lstStyle/>
+          <a:p>
+            <a:pPr algn="ctr"/>
+            <a:endParaRPr lang="es-ES"/>
+          </a:p>
+        </p:txBody>
+      </p:sp>
+      <p:sp>
+        <p:nvSpPr>
+          <p:cNvPr id="19" name="Text Box 14"/>
+          <p:cNvSpPr txBox="1">
+            <a:spLocks noChangeArrowheads="1"/>
+          </p:cNvSpPr>
+          <p:nvPr/>
+        </p:nvSpPr>
+        <p:spPr bwMode="auto">
+          <a:xfrm>
+            <a:off x="5286380" y="1142984"/>
+            <a:ext cx="3500462" cy="338554"/>
+          </a:xfrm>
+          <a:prstGeom prst="rect">
+            <a:avLst/>
+          </a:prstGeom>
+          <a:noFill/>
+          <a:ln w="9525">
+            <a:noFill/>
+            <a:miter lim="800000"/>
+            <a:headEnd/>
+            <a:tailEnd/>
+          </a:ln>
+          <a:effectLst/>
+        </p:spPr>
+        <p:txBody>
+          <a:bodyPr wrap="square">
+            <a:spAutoFit/>
+          </a:bodyPr>
+          <a:lstStyle/>
+          <a:p>
+            <a:pPr>
+              <a:spcBef>
+                <a:spcPct val="0"/>
+              </a:spcBef>
+            </a:pPr>
+            <a:r>
+              <a:rPr lang="es-ES" sz="1600" dirty="0" smtClean="0">
+                <a:effectLst/>
+                <a:latin typeface="Arial" charset="0"/>
+              </a:rPr>
+              <a:t>- Para modelos complejos</a:t>
+            </a:r>
+            <a:endParaRPr lang="es-ES" sz="1600" dirty="0">
+              <a:effectLst/>
+              <a:latin typeface="Arial" charset="0"/>
+            </a:endParaRPr>
+          </a:p>
+        </p:txBody>
+      </p:sp>
+      <p:sp>
+        <p:nvSpPr>
+          <p:cNvPr id="20" name="Text Box 73"/>
+          <p:cNvSpPr txBox="1">
+            <a:spLocks noChangeArrowheads="1"/>
+          </p:cNvSpPr>
+          <p:nvPr/>
+        </p:nvSpPr>
+        <p:spPr bwMode="auto">
+          <a:xfrm>
+            <a:off x="642910" y="4000504"/>
+            <a:ext cx="7858180" cy="923330"/>
+          </a:xfrm>
+          <a:prstGeom prst="rect">
+            <a:avLst/>
+          </a:prstGeom>
+          <a:noFill/>
+          <a:ln w="9525">
+            <a:noFill/>
+            <a:miter lim="800000"/>
+            <a:headEnd/>
+            <a:tailEnd/>
+          </a:ln>
+          <a:effectLst/>
+        </p:spPr>
+        <p:txBody>
+          <a:bodyPr wrap="square">
+            <a:spAutoFit/>
+          </a:bodyPr>
+          <a:lstStyle/>
+          <a:p>
+            <a:pPr>
+              <a:spcBef>
+                <a:spcPct val="0"/>
+              </a:spcBef>
+            </a:pPr>
+            <a:r>
+              <a:rPr lang="es-ES" sz="1800" dirty="0" smtClean="0">
+                <a:solidFill>
+                  <a:srgbClr val="FFFFD5"/>
+                </a:solidFill>
+                <a:effectLst/>
+                <a:latin typeface="Arial" charset="0"/>
+                <a:sym typeface="Wingdings" pitchFamily="2" charset="2"/>
+              </a:rPr>
+              <a:t>- PC con memoria y hardware gráfico (Pentium Core2Duo, 1Gb RAM, 256Mb tarjeta gráfica).</a:t>
+            </a:r>
+            <a:r>
+              <a:rPr lang="es-ES" sz="1800" dirty="0" smtClean="0">
+                <a:solidFill>
+                  <a:srgbClr val="FFFFD5"/>
+                </a:solidFill>
+                <a:effectLst/>
+                <a:latin typeface="Arial" charset="0"/>
+                <a:sym typeface="Wingdings" pitchFamily="2" charset="2"/>
+              </a:rPr>
+              <a:t>	</a:t>
+            </a:r>
+            <a:endParaRPr lang="es-ES" sz="1800" dirty="0" smtClean="0">
+              <a:solidFill>
+                <a:srgbClr val="FFFFD5"/>
+              </a:solidFill>
+              <a:effectLst/>
+              <a:latin typeface="Arial" charset="0"/>
+            </a:endParaRPr>
+          </a:p>
+          <a:p>
+            <a:pPr>
+              <a:spcBef>
+                <a:spcPct val="0"/>
+              </a:spcBef>
+            </a:pPr>
+            <a:r>
+              <a:rPr lang="es-ES" sz="1800" dirty="0" smtClean="0">
+                <a:solidFill>
+                  <a:srgbClr val="FFFFD5"/>
+                </a:solidFill>
+                <a:effectLst/>
+                <a:latin typeface="Arial" charset="0"/>
+                <a:sym typeface="Wingdings" pitchFamily="2" charset="2"/>
+              </a:rPr>
+              <a:t> 	</a:t>
+            </a:r>
+            <a:endParaRPr lang="es-ES" sz="1800" dirty="0">
+              <a:solidFill>
+                <a:srgbClr val="FFFFD5"/>
+              </a:solidFill>
+              <a:effectLst/>
+              <a:latin typeface="Arial" charset="0"/>
+            </a:endParaRPr>
+          </a:p>
+        </p:txBody>
+      </p:sp>
+      <p:sp>
+        <p:nvSpPr>
+          <p:cNvPr id="21" name="Text Box 73"/>
+          <p:cNvSpPr txBox="1">
+            <a:spLocks noChangeArrowheads="1"/>
+          </p:cNvSpPr>
+          <p:nvPr/>
+        </p:nvSpPr>
+        <p:spPr bwMode="auto">
+          <a:xfrm>
+            <a:off x="642910" y="4714884"/>
+            <a:ext cx="8501090" cy="923330"/>
+          </a:xfrm>
+          <a:prstGeom prst="rect">
+            <a:avLst/>
+          </a:prstGeom>
+          <a:noFill/>
+          <a:ln w="9525">
+            <a:noFill/>
+            <a:miter lim="800000"/>
+            <a:headEnd/>
+            <a:tailEnd/>
+          </a:ln>
+          <a:effectLst/>
+        </p:spPr>
+        <p:txBody>
+          <a:bodyPr wrap="square">
+            <a:spAutoFit/>
+          </a:bodyPr>
+          <a:lstStyle/>
+          <a:p>
+            <a:pPr>
+              <a:spcBef>
+                <a:spcPct val="0"/>
+              </a:spcBef>
+            </a:pPr>
+            <a:r>
+              <a:rPr lang="es-ES" sz="1800" dirty="0" smtClean="0">
+                <a:solidFill>
+                  <a:srgbClr val="FFFFD5"/>
+                </a:solidFill>
+                <a:effectLst/>
+                <a:latin typeface="Arial" charset="0"/>
+                <a:sym typeface="Wingdings" pitchFamily="2" charset="2"/>
+              </a:rPr>
+              <a:t>- Polígrafo 4 canales (amplificador),  tarjeta adquisición, gorro y electrodos (generador de señal).</a:t>
+            </a:r>
+            <a:r>
+              <a:rPr lang="es-ES" sz="1800" dirty="0" smtClean="0">
+                <a:solidFill>
+                  <a:srgbClr val="FFFFD5"/>
+                </a:solidFill>
+                <a:effectLst/>
+                <a:latin typeface="Arial" charset="0"/>
+                <a:sym typeface="Wingdings" pitchFamily="2" charset="2"/>
+              </a:rPr>
+              <a:t>	</a:t>
+            </a:r>
+            <a:endParaRPr lang="es-ES" sz="1800" dirty="0" smtClean="0">
+              <a:solidFill>
+                <a:srgbClr val="FFFFD5"/>
+              </a:solidFill>
+              <a:effectLst/>
+              <a:latin typeface="Arial" charset="0"/>
+            </a:endParaRPr>
+          </a:p>
+          <a:p>
+            <a:pPr>
+              <a:spcBef>
+                <a:spcPct val="0"/>
+              </a:spcBef>
+            </a:pPr>
+            <a:r>
+              <a:rPr lang="es-ES" sz="1800" dirty="0" smtClean="0">
+                <a:solidFill>
+                  <a:srgbClr val="FFFFD5"/>
+                </a:solidFill>
+                <a:effectLst/>
+                <a:latin typeface="Arial" charset="0"/>
+                <a:sym typeface="Wingdings" pitchFamily="2" charset="2"/>
+              </a:rPr>
+              <a:t> 	</a:t>
+            </a:r>
+            <a:endParaRPr lang="es-ES" sz="1800" dirty="0">
+              <a:solidFill>
+                <a:srgbClr val="FFFFD5"/>
+              </a:solidFill>
+              <a:effectLst/>
+              <a:latin typeface="Arial" charset="0"/>
+            </a:endParaRPr>
+          </a:p>
+        </p:txBody>
+      </p:sp>
     </p:spTree>
   </p:cSld>
   <p:clrMapOvr>
@@ -12207,16 +13195,6 @@
               </a:rPr>
               <a:t>Vivienda virtual </a:t>
             </a:r>
-            <a:r>
-              <a:rPr lang="es-ES" sz="6700" dirty="0" smtClean="0">
-                <a:solidFill>
-                  <a:schemeClr val="tx1"/>
-                </a:solidFill>
-                <a:latin typeface="Times" pitchFamily="18" charset="0"/>
-                <a:cs typeface="Tahoma" pitchFamily="34" charset="0"/>
-              </a:rPr>
-              <a:t/>
-            </a:r>
             <a:br>
               <a:rPr lang="es-ES" sz="6700" dirty="0" smtClean="0">
                 <a:solidFill>
@@ -12367,8 +13345,8 @@
         </p:blipFill>
         <p:spPr bwMode="auto">
           <a:xfrm>
-            <a:off x="1643042" y="1500174"/>
-            <a:ext cx="6186462" cy="3737754"/>
+            <a:off x="1428728" y="1643050"/>
+            <a:ext cx="6490225" cy="3666316"/>
           </a:xfrm>
           <a:prstGeom prst="rect">
             <a:avLst/>
@@ -12496,16 +13474,6 @@
               </a:rPr>
               <a:t>Vivienda virtual</a:t>
             </a:r>
-            <a:r>
-              <a:rPr lang="es-ES" sz="6700" dirty="0" smtClean="0">
-                <a:solidFill>
-                  <a:schemeClr val="tx1"/>
-                </a:solidFill>
-                <a:latin typeface="Times" pitchFamily="18" charset="0"/>
-                <a:cs typeface="Tahoma" pitchFamily="34" charset="0"/>
-              </a:rPr>
-              <a:t/>
-            </a:r>
             <a:br>
               <a:rPr lang="es-ES" sz="6700" dirty="0" smtClean="0">
                 <a:solidFill>
@@ -12647,7 +13615,7 @@
         </p:nvSpPr>
         <p:spPr bwMode="auto">
           <a:xfrm>
-            <a:off x="1041377" y="1787512"/>
+            <a:off x="1041377" y="2073264"/>
             <a:ext cx="228600" cy="152400"/>
           </a:xfrm>
           <a:prstGeom prst="rightArrow">
@@ -12691,7 +13659,7 @@
         </p:nvSpPr>
         <p:spPr bwMode="auto">
           <a:xfrm>
-            <a:off x="1357290" y="1643050"/>
+            <a:off x="1357290" y="1928802"/>
             <a:ext cx="3000396" cy="646331"/>
           </a:xfrm>
           <a:prstGeom prst="rect">
@@ -12726,18 +13694,7 @@
                 <a:latin typeface="Arial" charset="0"/>
                 <a:sym typeface="Wingdings" pitchFamily="2" charset="2"/>
               </a:rPr>
-              <a:t>Elementos prediseñados</a:t>
-            </a:r>
-            <a:r>
-              <a:rPr lang="es-ES" sz="1800" dirty="0" smtClean="0">
-                <a:solidFill>
-                  <a:srgbClr val="FFFFD5"/>
-                </a:solidFill>
-                <a:effectLst/>
-                <a:latin typeface="Arial" charset="0"/>
-                <a:sym typeface="Wingdings" pitchFamily="2" charset="2"/>
-              </a:rPr>
-              <a:t>	</a:t>
+              <a:t>Elementos prediseñados	</a:t>
             </a:r>
             <a:endParaRPr lang="es-ES" sz="1800" dirty="0" smtClean="0">
               <a:solidFill>
@@ -12784,7 +13741,7 @@
         </p:nvSpPr>
         <p:spPr bwMode="auto">
           <a:xfrm>
-            <a:off x="969939" y="3216273"/>
+            <a:off x="1142976" y="4786322"/>
             <a:ext cx="228600" cy="152400"/>
           </a:xfrm>
           <a:prstGeom prst="rightArrow">
@@ -12828,7 +13785,7 @@
         </p:nvSpPr>
         <p:spPr bwMode="auto">
           <a:xfrm>
-            <a:off x="1285852" y="3071810"/>
+            <a:off x="1428728" y="4643446"/>
             <a:ext cx="5072098" cy="646331"/>
           </a:xfrm>
           <a:prstGeom prst="rect">
@@ -12863,7 +13820,18 @@
                 <a:latin typeface="Arial" charset="0"/>
                 <a:sym typeface="Wingdings" pitchFamily="2" charset="2"/>
               </a:rPr>
-              <a:t>Elementos diseñados </a:t>
+              <a:t>Elementos </a:t>
+            </a:r>
+            <a:r>
+              <a:rPr lang="es-ES" sz="1800" dirty="0" smtClean="0">
+                <a:solidFill>
+                  <a:srgbClr val="FFFFD5"/>
+                </a:solidFill>
+                <a:effectLst/>
+                <a:latin typeface="Arial" charset="0"/>
+                <a:sym typeface="Wingdings" pitchFamily="2" charset="2"/>
+              </a:rPr>
+              <a:t>diseñados (cortinas) </a:t>
             </a:r>
             <a:r>
               <a:rPr lang="es-ES" sz="1800" dirty="0" smtClean="0">
@@ -12921,7 +13889,7 @@
         </p:nvSpPr>
         <p:spPr bwMode="auto">
           <a:xfrm>
-            <a:off x="4572000" y="1000108"/>
+            <a:off x="4572000" y="1285860"/>
             <a:ext cx="3000396" cy="646331"/>
           </a:xfrm>
           <a:prstGeom prst="rect">
@@ -12956,18 +13924,7 @@
                 <a:latin typeface="Arial" charset="0"/>
                 <a:sym typeface="Wingdings" pitchFamily="2" charset="2"/>
               </a:rPr>
-              <a:t>No concebidos para VRML</a:t>
-            </a:r>
-            <a:r>
-              <a:rPr lang="es-ES" sz="1800" dirty="0" smtClean="0">
-                <a:solidFill>
-                  <a:srgbClr val="FFFFD5"/>
-                </a:solidFill>
-                <a:effectLst/>
-                <a:latin typeface="Arial" charset="0"/>
-                <a:sym typeface="Wingdings" pitchFamily="2" charset="2"/>
-              </a:rPr>
-              <a:t>	</a:t>
+              <a:t>No concebidos para VRML	</a:t>
             </a:r>
             <a:endParaRPr lang="es-ES" sz="1800" dirty="0" smtClean="0">
               <a:solidFill>
@@ -13014,7 +13971,7 @@
         </p:nvSpPr>
         <p:spPr bwMode="auto">
           <a:xfrm>
-            <a:off x="4572000" y="1571612"/>
+            <a:off x="4572000" y="1857364"/>
             <a:ext cx="4143404" cy="646331"/>
           </a:xfrm>
           <a:prstGeom prst="rect">
@@ -13049,18 +14006,7 @@
                 <a:latin typeface="Arial" charset="0"/>
                 <a:sym typeface="Wingdings" pitchFamily="2" charset="2"/>
               </a:rPr>
-              <a:t>Número de polígonos muy elevado</a:t>
-            </a:r>
-            <a:r>
-              <a:rPr lang="es-ES" sz="1800" dirty="0" smtClean="0">
-                <a:solidFill>
-                  <a:srgbClr val="FFFFD5"/>
-                </a:solidFill>
-                <a:effectLst/>
-                <a:latin typeface="Arial" charset="0"/>
-                <a:sym typeface="Wingdings" pitchFamily="2" charset="2"/>
-              </a:rPr>
-              <a:t>	</a:t>
+              <a:t>Número de polígonos muy elevado	</a:t>
             </a:r>
             <a:endParaRPr lang="es-ES" sz="1800" dirty="0" smtClean="0">
               <a:solidFill>
@@ -13107,8 +14053,8 @@
         </p:nvSpPr>
         <p:spPr bwMode="auto">
           <a:xfrm>
-            <a:off x="4572000" y="2143116"/>
-            <a:ext cx="4143404" cy="646331"/>
+            <a:off x="4572000" y="2428868"/>
+            <a:ext cx="4143404" cy="738664"/>
           </a:xfrm>
           <a:prstGeom prst="rect">
             <a:avLst/>
@@ -13145,7 +14091,7 @@
               <a:t>Hay que </a:t>
             </a:r>
             <a:r>
-              <a:rPr lang="es-ES" sz="1800" b="1" dirty="0" smtClean="0">
+              <a:rPr lang="es-ES" sz="2400" b="1" dirty="0" smtClean="0">
                 <a:solidFill>
                   <a:srgbClr val="FFFFD5"/>
                 </a:solidFill>
@@ -13211,7 +14157,7 @@
         </p:nvSpPr>
         <p:spPr bwMode="auto">
           <a:xfrm flipH="1">
-            <a:off x="4143372" y="928670"/>
+            <a:off x="4286248" y="1285860"/>
             <a:ext cx="175988" cy="1785950"/>
           </a:xfrm>
           <a:prstGeom prst="leftBrace">
@@ -13236,9 +14182,9 @@
             </a:camera>
             <a:lightRig rig="legacyFlat3" dir="b"/>
           </a:scene3d>
-          <a:sp3d extrusionH="290500" prstMaterial="legacyMatte">
-            <a:bevelT w="13500" h="13500" prst="angle"/>
-            <a:bevelB w="13500" h="13500" prst="angle"/>
+          <a:sp3d prstMaterial="legacyMatte">
+            <a:bevelT w="0" h="0" prst="angle"/>
+            <a:bevelB w="0" h="0" prst="angle"/>
             <a:extrusionClr>
               <a:srgbClr val="F7C62B"/>
             </a:extrusionClr>
@@ -13372,27 +14318,7 @@
                 <a:latin typeface="Times" pitchFamily="18" charset="0"/>
                 <a:cs typeface="Tahoma" pitchFamily="34" charset="0"/>
               </a:rPr>
-              <a:t>ETSIT </a:t>
-            </a:r>
-            <a:r>
-              <a:rPr lang="es-ES" sz="6700" dirty="0" smtClean="0">
-                <a:solidFill>
-                  <a:schemeClr val="tx1"/>
-                </a:solidFill>
-                <a:latin typeface="Times" pitchFamily="18" charset="0"/>
-                <a:cs typeface="Tahoma" pitchFamily="34" charset="0"/>
-              </a:rPr>
-              <a:t>virtual </a:t>
-            </a:r>
-            <a:r>
-              <a:rPr lang="es-ES" sz="6700" dirty="0" smtClean="0">
-                <a:solidFill>
-                  <a:schemeClr val="tx1"/>
-                </a:solidFill>
-                <a:latin typeface="Times" pitchFamily="18" charset="0"/>
-                <a:cs typeface="Tahoma" pitchFamily="34" charset="0"/>
-              </a:rPr>
-              <a:t/>
+              <a:t>ETSIT virtual </a:t>
             </a:r>
             <a:br>
               <a:rPr lang="es-ES" sz="6700" dirty="0" smtClean="0">
@@ -13665,27 +14591,7 @@
                 <a:latin typeface="Times" pitchFamily="18" charset="0"/>
                 <a:cs typeface="Tahoma" pitchFamily="34" charset="0"/>
               </a:rPr>
-              <a:t>ETSIT </a:t>
-            </a:r>
-            <a:r>
-              <a:rPr lang="es-ES" sz="6700" dirty="0" smtClean="0">
-                <a:solidFill>
-                  <a:schemeClr val="tx1"/>
-                </a:solidFill>
-                <a:latin typeface="Times" pitchFamily="18" charset="0"/>
-                <a:cs typeface="Tahoma" pitchFamily="34" charset="0"/>
-              </a:rPr>
-              <a:t>virtual </a:t>
-            </a:r>
-            <a:r>
-              <a:rPr lang="es-ES" sz="6700" dirty="0" smtClean="0">
-                <a:solidFill>
-                  <a:schemeClr val="tx1"/>
-                </a:solidFill>
-                <a:latin typeface="Times" pitchFamily="18" charset="0"/>
-                <a:cs typeface="Tahoma" pitchFamily="34" charset="0"/>
-              </a:rPr>
-              <a:t/>
+              <a:t>ETSIT virtual </a:t>
             </a:r>
             <a:br>
               <a:rPr lang="es-ES" sz="6700" dirty="0" smtClean="0">
@@ -13873,21 +14779,8 @@
                   <a:schemeClr val="tx1"/>
                 </a:solidFill>
               </a:rPr>
-              <a:t>       </a:t>
-            </a:r>
-            <a:r>
-              <a:rPr lang="es-ES" sz="1100" b="1" dirty="0" smtClean="0">
-                <a:solidFill>
-                  <a:schemeClr val="tx1"/>
-                </a:solidFill>
-              </a:rPr>
-              <a:t>Módulo de Aulas</a:t>
-            </a:r>
-            <a:endParaRPr lang="es-ES" sz="1100" b="1" dirty="0" smtClean="0">
-              <a:solidFill>
-                <a:schemeClr val="tx1"/>
-              </a:solidFill>
-            </a:endParaRPr>
+              <a:t>       Módulo de Aulas</a:t>
+            </a:r>
           </a:p>
         </p:txBody>
       </p:sp>
@@ -13960,21 +14853,8 @@
                     <a:schemeClr val="tx1"/>
                   </a:solidFill>
                 </a:rPr>
-                <a:t>       </a:t>
+                <a:t>       Escaleras bajada patio</a:t>
               </a:r>
-              <a:r>
-                <a:rPr lang="es-ES" sz="1100" b="1" dirty="0" smtClean="0">
-                  <a:solidFill>
-                    <a:schemeClr val="tx1"/>
-                  </a:solidFill>
-                </a:rPr>
-                <a:t>Escaleras bajada patio</a:t>
-              </a:r>
-              <a:endParaRPr lang="es-ES" sz="1100" b="1" dirty="0" smtClean="0">
-                <a:solidFill>
-                  <a:schemeClr val="tx1"/>
-                </a:solidFill>
-              </a:endParaRPr>
             </a:p>
           </p:txBody>
         </p:sp>
@@ -14048,21 +14928,8 @@
                     <a:schemeClr val="tx1"/>
                   </a:solidFill>
                 </a:rPr>
-                <a:t>     </a:t>
+                <a:t>     Salón de actos</a:t>
               </a:r>
-              <a:r>
-                <a:rPr lang="es-ES" sz="1100" b="1" dirty="0" smtClean="0">
-                  <a:solidFill>
-                    <a:schemeClr val="tx1"/>
-                  </a:solidFill>
-                </a:rPr>
-                <a:t>Salón de actos</a:t>
-              </a:r>
-              <a:endParaRPr lang="es-ES" sz="1100" b="1" dirty="0" smtClean="0">
-                <a:solidFill>
-                  <a:schemeClr val="tx1"/>
-                </a:solidFill>
-              </a:endParaRPr>
             </a:p>
           </p:txBody>
         </p:sp>
@@ -14136,21 +15003,8 @@
                     <a:schemeClr val="tx1"/>
                   </a:solidFill>
                 </a:rPr>
-                <a:t>       </a:t>
+                <a:t>       Pasillos interiores</a:t>
               </a:r>
-              <a:r>
-                <a:rPr lang="es-ES" sz="1100" b="1" dirty="0" smtClean="0">
-                  <a:solidFill>
-                    <a:schemeClr val="tx1"/>
-                  </a:solidFill>
-                </a:rPr>
-                <a:t>Pasillos interiores</a:t>
-              </a:r>
-              <a:endParaRPr lang="es-ES" sz="1100" b="1" dirty="0" smtClean="0">
-                <a:solidFill>
-                  <a:schemeClr val="tx1"/>
-                </a:solidFill>
-              </a:endParaRPr>
             </a:p>
           </p:txBody>
         </p:sp>
@@ -14224,21 +15078,8 @@
                     <a:schemeClr val="tx1"/>
                   </a:solidFill>
                 </a:rPr>
-                <a:t>       </a:t>
+                <a:t>       Biblioteca y cafetería</a:t>
               </a:r>
-              <a:r>
-                <a:rPr lang="es-ES" sz="1100" b="1" dirty="0" smtClean="0">
-                  <a:solidFill>
-                    <a:schemeClr val="tx1"/>
-                  </a:solidFill>
-                </a:rPr>
-                <a:t>Biblioteca y cafetería</a:t>
-              </a:r>
-              <a:endParaRPr lang="es-ES" sz="1100" b="1" dirty="0" smtClean="0">
-                <a:solidFill>
-                  <a:schemeClr val="tx1"/>
-                </a:solidFill>
-              </a:endParaRPr>
             </a:p>
           </p:txBody>
         </p:sp>
@@ -14307,21 +15148,8 @@
                     <a:schemeClr val="tx1"/>
                   </a:solidFill>
                 </a:rPr>
-                <a:t>       </a:t>
+                <a:t>       Columnas </a:t>
               </a:r>
-              <a:r>
-                <a:rPr lang="es-ES" sz="1100" b="1" dirty="0" smtClean="0">
-                  <a:solidFill>
-                    <a:schemeClr val="tx1"/>
-                  </a:solidFill>
-                </a:rPr>
-                <a:t>Columnas </a:t>
-              </a:r>
-              <a:endParaRPr lang="es-ES" sz="1100" b="1" dirty="0" smtClean="0">
-                <a:solidFill>
-                  <a:schemeClr val="tx1"/>
-                </a:solidFill>
-              </a:endParaRPr>
             </a:p>
           </p:txBody>
         </p:sp>
@@ -14732,27 +15560,7 @@
                 <a:latin typeface="Times" pitchFamily="18" charset="0"/>
                 <a:cs typeface="Tahoma" pitchFamily="34" charset="0"/>
               </a:rPr>
-              <a:t>ETSIT </a:t>
-            </a:r>
-            <a:r>
-              <a:rPr lang="es-ES" sz="6700" dirty="0" smtClean="0">
-                <a:solidFill>
-                  <a:schemeClr val="tx1"/>
-                </a:solidFill>
-                <a:latin typeface="Times" pitchFamily="18" charset="0"/>
-                <a:cs typeface="Tahoma" pitchFamily="34" charset="0"/>
-              </a:rPr>
-              <a:t>virtual </a:t>
-            </a:r>
-            <a:r>
-              <a:rPr lang="es-ES" sz="6700" dirty="0" smtClean="0">
-                <a:solidFill>
-                  <a:schemeClr val="tx1"/>
-                </a:solidFill>
-                <a:latin typeface="Times" pitchFamily="18" charset="0"/>
-                <a:cs typeface="Tahoma" pitchFamily="34" charset="0"/>
-              </a:rPr>
-              <a:t/>
+              <a:t>ETSIT virtual </a:t>
             </a:r>
             <a:br>
               <a:rPr lang="es-ES" sz="6700" dirty="0" smtClean="0">
@@ -16136,6 +16944,349 @@
           </a:fontRef>
         </p:style>
       </p:cxnSp>
+      <p:sp>
+        <p:nvSpPr>
+          <p:cNvPr id="6" name="Rectangle 131"/>
+          <p:cNvSpPr>
+            <a:spLocks noChangeArrowheads="1"/>
+          </p:cNvSpPr>
+          <p:nvPr/>
+        </p:nvSpPr>
+        <p:spPr bwMode="auto">
+          <a:xfrm>
+            <a:off x="571472" y="1071546"/>
+            <a:ext cx="4267515" cy="369332"/>
+          </a:xfrm>
+          <a:prstGeom prst="rect">
+            <a:avLst/>
+          </a:prstGeom>
+          <a:noFill/>
+          <a:ln w="9525">
+            <a:noFill/>
+            <a:miter lim="800000"/>
+            <a:headEnd/>
+            <a:tailEnd/>
+          </a:ln>
+          <a:effectLst/>
+        </p:spPr>
+        <p:txBody>
+          <a:bodyPr wrap="none">
+            <a:spAutoFit/>
+          </a:bodyPr>
+          <a:lstStyle/>
+          <a:p>
+            <a:pPr>
+              <a:spcBef>
+                <a:spcPct val="0"/>
+              </a:spcBef>
+              <a:buClr>
+                <a:srgbClr val="FFFF99"/>
+              </a:buClr>
+              <a:buFont typeface="Wingdings" pitchFamily="2" charset="2"/>
+              <a:buChar char="q"/>
+            </a:pPr>
+            <a:r>
+              <a:rPr lang="es-ES_tradnl" sz="1800" b="1" dirty="0">
+                <a:solidFill>
+                  <a:srgbClr val="FFFF99"/>
+                </a:solidFill>
+                <a:effectLst>
+                  <a:outerShdw blurRad="38100" dist="38100" dir="2700000" algn="tl">
+                    <a:srgbClr val="000000"/>
+                  </a:outerShdw>
+                </a:effectLst>
+                <a:latin typeface="Tahoma" charset="0"/>
+              </a:rPr>
+              <a:t> </a:t>
+            </a:r>
+            <a:r>
+              <a:rPr lang="es-ES_tradnl" sz="1800" b="1" dirty="0" smtClean="0">
+                <a:effectLst>
+                  <a:outerShdw blurRad="38100" dist="38100" dir="2700000" algn="tl">
+                    <a:srgbClr val="000000"/>
+                  </a:outerShdw>
+                </a:effectLst>
+                <a:latin typeface="Tahoma" charset="0"/>
+              </a:rPr>
+              <a:t>Cambio de perspectiva de diseño</a:t>
+            </a:r>
+            <a:endParaRPr lang="es-ES" sz="1800" b="1" dirty="0">
+              <a:effectLst>
+                <a:outerShdw blurRad="38100" dist="38100" dir="2700000" algn="tl">
+                  <a:srgbClr val="000000"/>
+                </a:outerShdw>
+              </a:effectLst>
+              <a:latin typeface="Tahoma" charset="0"/>
+            </a:endParaRPr>
+          </a:p>
+        </p:txBody>
+      </p:sp>
+      <p:sp>
+        <p:nvSpPr>
+          <p:cNvPr id="7" name="Text Box 14"/>
+          <p:cNvSpPr txBox="1">
+            <a:spLocks noChangeArrowheads="1"/>
+          </p:cNvSpPr>
+          <p:nvPr/>
+        </p:nvSpPr>
+        <p:spPr bwMode="auto">
+          <a:xfrm>
+            <a:off x="1285852" y="1500174"/>
+            <a:ext cx="3500462" cy="338554"/>
+          </a:xfrm>
+          <a:prstGeom prst="rect">
+            <a:avLst/>
+          </a:prstGeom>
+          <a:noFill/>
+          <a:ln w="9525">
+            <a:noFill/>
+            <a:miter lim="800000"/>
+            <a:headEnd/>
+            <a:tailEnd/>
+          </a:ln>
+          <a:effectLst/>
+        </p:spPr>
+        <p:txBody>
+          <a:bodyPr wrap="square">
+            <a:spAutoFit/>
+          </a:bodyPr>
+          <a:lstStyle/>
+          <a:p>
+            <a:pPr>
+              <a:spcBef>
+                <a:spcPct val="0"/>
+              </a:spcBef>
+            </a:pPr>
+            <a:r>
+              <a:rPr lang="es-ES" sz="1600" dirty="0" smtClean="0">
+                <a:effectLst/>
+                <a:latin typeface="Arial" charset="0"/>
+              </a:rPr>
+              <a:t>- Poco elementos en la escena</a:t>
+            </a:r>
+            <a:endParaRPr lang="es-ES" sz="1600" dirty="0">
+              <a:effectLst/>
+              <a:latin typeface="Arial" charset="0"/>
+            </a:endParaRPr>
+          </a:p>
+        </p:txBody>
+      </p:sp>
+      <p:sp>
+        <p:nvSpPr>
+          <p:cNvPr id="9" name="Text Box 14"/>
+          <p:cNvSpPr txBox="1">
+            <a:spLocks noChangeArrowheads="1"/>
+          </p:cNvSpPr>
+          <p:nvPr/>
+        </p:nvSpPr>
+        <p:spPr bwMode="auto">
+          <a:xfrm>
+            <a:off x="1285852" y="1857364"/>
+            <a:ext cx="4143404" cy="338554"/>
+          </a:xfrm>
+          <a:prstGeom prst="rect">
+            <a:avLst/>
+          </a:prstGeom>
+          <a:noFill/>
+          <a:ln w="9525">
+            <a:noFill/>
+            <a:miter lim="800000"/>
+            <a:headEnd/>
+            <a:tailEnd/>
+          </a:ln>
+          <a:effectLst/>
+        </p:spPr>
+        <p:txBody>
+          <a:bodyPr wrap="square">
+            <a:spAutoFit/>
+          </a:bodyPr>
+          <a:lstStyle/>
+          <a:p>
+            <a:pPr>
+              <a:spcBef>
+                <a:spcPct val="0"/>
+              </a:spcBef>
+            </a:pPr>
+            <a:r>
+              <a:rPr lang="es-ES" sz="1600" dirty="0" smtClean="0">
+                <a:effectLst/>
+                <a:latin typeface="Arial" charset="0"/>
+              </a:rPr>
+              <a:t>- Una textura</a:t>
+            </a:r>
+            <a:endParaRPr lang="es-ES" sz="1600" dirty="0">
+              <a:effectLst/>
+              <a:latin typeface="Arial" charset="0"/>
+            </a:endParaRPr>
+          </a:p>
+        </p:txBody>
+      </p:sp>
+      <p:sp>
+        <p:nvSpPr>
+          <p:cNvPr id="11" name="Text Box 14"/>
+          <p:cNvSpPr txBox="1">
+            <a:spLocks noChangeArrowheads="1"/>
+          </p:cNvSpPr>
+          <p:nvPr/>
+        </p:nvSpPr>
+        <p:spPr bwMode="auto">
+          <a:xfrm>
+            <a:off x="1285852" y="2214554"/>
+            <a:ext cx="4143404" cy="338554"/>
+          </a:xfrm>
+          <a:prstGeom prst="rect">
+            <a:avLst/>
+          </a:prstGeom>
+          <a:noFill/>
+          <a:ln w="9525">
+            <a:noFill/>
+            <a:miter lim="800000"/>
+            <a:headEnd/>
+            <a:tailEnd/>
+          </a:ln>
+          <a:effectLst/>
+        </p:spPr>
+        <p:txBody>
+          <a:bodyPr wrap="square">
+            <a:spAutoFit/>
+          </a:bodyPr>
+          <a:lstStyle/>
+          <a:p>
+            <a:pPr>
+              <a:spcBef>
+                <a:spcPct val="0"/>
+              </a:spcBef>
+            </a:pPr>
+            <a:r>
+              <a:rPr lang="es-ES" sz="1600" dirty="0" smtClean="0">
+                <a:effectLst/>
+                <a:latin typeface="Arial" charset="0"/>
+              </a:rPr>
+              <a:t>- Importancia de la ubicación de los objetos</a:t>
+            </a:r>
+            <a:endParaRPr lang="es-ES" sz="1600" dirty="0">
+              <a:effectLst/>
+              <a:latin typeface="Arial" charset="0"/>
+            </a:endParaRPr>
+          </a:p>
+        </p:txBody>
+      </p:sp>
+      <p:sp>
+        <p:nvSpPr>
+          <p:cNvPr id="14" name="Text Box 14"/>
+          <p:cNvSpPr txBox="1">
+            <a:spLocks noChangeArrowheads="1"/>
+          </p:cNvSpPr>
+          <p:nvPr/>
+        </p:nvSpPr>
+        <p:spPr bwMode="auto">
+          <a:xfrm>
+            <a:off x="1285852" y="2571744"/>
+            <a:ext cx="4143404" cy="338554"/>
+          </a:xfrm>
+          <a:prstGeom prst="rect">
+            <a:avLst/>
+          </a:prstGeom>
+          <a:noFill/>
+          <a:ln w="9525">
+            <a:noFill/>
+            <a:miter lim="800000"/>
+            <a:headEnd/>
+            <a:tailEnd/>
+          </a:ln>
+          <a:effectLst/>
+        </p:spPr>
+        <p:txBody>
+          <a:bodyPr wrap="square">
+            <a:spAutoFit/>
+          </a:bodyPr>
+          <a:lstStyle/>
+          <a:p>
+            <a:pPr>
+              <a:spcBef>
+                <a:spcPct val="0"/>
+              </a:spcBef>
+            </a:pPr>
+            <a:r>
+              <a:rPr lang="es-ES" sz="1600" dirty="0" smtClean="0">
+                <a:effectLst/>
+                <a:latin typeface="Arial" charset="0"/>
+              </a:rPr>
+              <a:t>- Animación </a:t>
+            </a:r>
+            <a:endParaRPr lang="es-ES" sz="1600" dirty="0">
+              <a:effectLst/>
+              <a:latin typeface="Arial" charset="0"/>
+            </a:endParaRPr>
+          </a:p>
+        </p:txBody>
+      </p:sp>
+      <p:sp>
+        <p:nvSpPr>
+          <p:cNvPr id="17" name="16 Rectángulo"/>
+          <p:cNvSpPr/>
+          <p:nvPr/>
+        </p:nvSpPr>
+        <p:spPr>
+          <a:xfrm>
+            <a:off x="500034" y="3143248"/>
+            <a:ext cx="4214842" cy="1052596"/>
+          </a:xfrm>
+          <a:prstGeom prst="rect">
+            <a:avLst/>
+          </a:prstGeom>
+          <a:noFill/>
+        </p:spPr>
+        <p:txBody>
+          <a:bodyPr wrap="square" lIns="91440" tIns="45720" rIns="91440" bIns="45720">
+            <a:spAutoFit/>
+          </a:bodyPr>
+          <a:lstStyle/>
+          <a:p>
+            <a:r>
+              <a:rPr lang="es-ES" sz="2400" dirty="0" smtClean="0">
+                <a:ln w="18415" cmpd="sng">
+                  <a:solidFill>
+                    <a:srgbClr val="FFFFFF"/>
+                  </a:solidFill>
+                  <a:prstDash val="solid"/>
+                </a:ln>
+                <a:solidFill>
+                  <a:srgbClr val="FFFFFF"/>
+                </a:solidFill>
+                <a:effectLst>
+                  <a:outerShdw blurRad="63500" dir="3600000" algn="tl" rotWithShape="0">
+                    <a:srgbClr val="000000">
+                      <a:alpha val="70000"/>
+                    </a:srgbClr>
+                  </a:outerShdw>
+                </a:effectLst>
+              </a:rPr>
+              <a:t>Elementos de la escena</a:t>
+            </a:r>
+          </a:p>
+          <a:p>
+            <a:endParaRPr lang="es-ES" sz="3200" dirty="0">
+              <a:ln w="18415" cmpd="sng">
+                <a:solidFill>
+                  <a:srgbClr val="FFFFFF"/>
+                </a:solidFill>
+                <a:prstDash val="solid"/>
+              </a:ln>
+              <a:solidFill>
+                <a:srgbClr val="FFFFFF"/>
+              </a:solidFill>
+              <a:effectLst>
+                <a:outerShdw blurRad="63500" dir="3600000" algn="tl" rotWithShape="0">
+                  <a:srgbClr val="000000">
+                    <a:alpha val="70000"/>
+                  </a:srgbClr>
+                </a:outerShdw>
+              </a:effectLst>
+            </a:endParaRPr>
+          </a:p>
+        </p:txBody>
+      </p:sp>
     </p:spTree>
   </p:cSld>
   <p:clrMapOvr>
@@ -16228,6 +17379,218 @@
               <a:rPr lang="es-ES" smtClean="0"/>
               <a:pPr/>
               <a:t>21</a:t>
+            </a:fld>
+            <a:endParaRPr lang="es-ES"/>
+          </a:p>
+        </p:txBody>
+      </p:sp>
+      <p:sp>
+        <p:nvSpPr>
+          <p:cNvPr id="3" name="2 Título"/>
+          <p:cNvSpPr>
+            <a:spLocks noGrp="1"/>
+          </p:cNvSpPr>
+          <p:nvPr>
+            <p:ph type="title" idx="4294967295"/>
+          </p:nvPr>
+        </p:nvSpPr>
+        <p:spPr>
+          <a:xfrm>
+            <a:off x="0" y="142852"/>
+            <a:ext cx="8229600" cy="714380"/>
+          </a:xfrm>
+        </p:spPr>
+        <p:txBody>
+          <a:bodyPr>
+            <a:normAutofit fontScale="90000"/>
+          </a:bodyPr>
+          <a:lstStyle/>
+          <a:p>
+            <a:r>
+              <a:rPr lang="es-ES" sz="6000" dirty="0" smtClean="0">
+                <a:solidFill>
+                  <a:schemeClr val="tx1"/>
+                </a:solidFill>
+                <a:latin typeface="Tahoma" pitchFamily="34" charset="0"/>
+                <a:cs typeface="Tahoma" pitchFamily="34" charset="0"/>
+              </a:rPr>
+              <a:t/>
+            </a:r>
+            <a:br>
+              <a:rPr lang="es-ES" sz="6000" dirty="0" smtClean="0">
+                <a:solidFill>
+                  <a:schemeClr val="tx1"/>
+                </a:solidFill>
+                <a:latin typeface="Tahoma" pitchFamily="34" charset="0"/>
+                <a:cs typeface="Tahoma" pitchFamily="34" charset="0"/>
+              </a:rPr>
+            </a:br>
+            <a:r>
+              <a:rPr lang="es-ES" sz="6000" dirty="0" smtClean="0">
+                <a:solidFill>
+                  <a:schemeClr val="tx1"/>
+                </a:solidFill>
+                <a:latin typeface="Tahoma" pitchFamily="34" charset="0"/>
+                <a:cs typeface="Tahoma" pitchFamily="34" charset="0"/>
+              </a:rPr>
+              <a:t> </a:t>
+            </a:r>
+            <a:r>
+              <a:rPr lang="es-ES" sz="6700" dirty="0" smtClean="0">
+                <a:solidFill>
+                  <a:schemeClr val="tx1"/>
+                </a:solidFill>
+                <a:latin typeface="Times" pitchFamily="18" charset="0"/>
+                <a:cs typeface="Tahoma" pitchFamily="34" charset="0"/>
+              </a:rPr>
+              <a:t>Simulador de vuelo</a:t>
+            </a:r>
+            <a:br>
+              <a:rPr lang="es-ES" sz="6700" dirty="0" smtClean="0">
+                <a:solidFill>
+                  <a:schemeClr val="tx1"/>
+                </a:solidFill>
+                <a:latin typeface="Times" pitchFamily="18" charset="0"/>
+                <a:cs typeface="Tahoma" pitchFamily="34" charset="0"/>
+              </a:rPr>
+            </a:br>
+            <a:endParaRPr lang="es-ES" sz="6700" dirty="0">
+              <a:solidFill>
+                <a:schemeClr val="tx1"/>
+              </a:solidFill>
+              <a:latin typeface="Times" pitchFamily="18" charset="0"/>
+              <a:cs typeface="Tahoma" pitchFamily="34" charset="0"/>
+            </a:endParaRPr>
+          </a:p>
+        </p:txBody>
+      </p:sp>
+      <p:cxnSp>
+        <p:nvCxnSpPr>
+          <p:cNvPr id="10" name="9 Conector recto"/>
+          <p:cNvCxnSpPr/>
+          <p:nvPr/>
+        </p:nvCxnSpPr>
+        <p:spPr>
+          <a:xfrm>
+            <a:off x="714348" y="857232"/>
+            <a:ext cx="7429552" cy="1588"/>
+          </a:xfrm>
+          <a:prstGeom prst="line">
+            <a:avLst/>
+          </a:prstGeom>
+          <a:ln w="12700">
+            <a:solidFill>
+              <a:schemeClr val="tx1"/>
+            </a:solidFill>
+          </a:ln>
+        </p:spPr>
+        <p:style>
+          <a:lnRef idx="1">
+            <a:schemeClr val="accent1"/>
+          </a:lnRef>
+          <a:fillRef idx="0">
+            <a:schemeClr val="accent1"/>
+          </a:fillRef>
+          <a:effectRef idx="0">
+            <a:schemeClr val="accent1"/>
+          </a:effectRef>
+          <a:fontRef idx="minor">
+            <a:schemeClr val="tx1"/>
+          </a:fontRef>
+        </p:style>
+      </p:cxnSp>
+    </p:spTree>
+  </p:cSld>
+  <p:clrMapOvr>
+    <a:masterClrMapping/>
+  </p:clrMapOvr>
+  <p:transition>
+    <p:pull dir="d"/>
+  </p:transition>
+  <p:timing>
+    <p:tnLst>
+      <p:par>
+        <p:cTn id="1" dur="indefinite" restart="never" nodeType="tmRoot"/>
+      </p:par>
+    </p:tnLst>
+  </p:timing>
+</p:sld>
+</file>
+
+<file path=ppt/slides/slide22.xml><?xml version="1.0" encoding="utf-8"?>
+<p:sld xmlns:a="http://schemas.openxmlformats.org/drawingml/2006/main" xmlns:r="http://schemas.openxmlformats.org/officeDocument/2006/relationships" xmlns:p="http://schemas.openxmlformats.org/presentationml/2006/main">
+  <p:cSld>
+    <p:spTree>
+      <p:nvGrpSpPr>
+        <p:cNvPr id="1" name=""/>
+        <p:cNvGrpSpPr/>
+        <p:nvPr/>
+      </p:nvGrpSpPr>
+      <p:grpSpPr>
+        <a:xfrm>
+          <a:off x="0" y="0"/>
+          <a:ext cx="0" cy="0"/>
+          <a:chOff x="0" y="0"/>
+          <a:chExt cx="0" cy="0"/>
+        </a:xfrm>
+      </p:grpSpPr>
+      <p:sp>
+        <p:nvSpPr>
+          <p:cNvPr id="8" name="7 Marcador de contenido"/>
+          <p:cNvSpPr>
+            <a:spLocks noGrp="1"/>
+          </p:cNvSpPr>
+          <p:nvPr>
+            <p:ph/>
+          </p:nvPr>
+        </p:nvSpPr>
+        <p:spPr>
+          <a:xfrm>
+            <a:off x="500034" y="357166"/>
+            <a:ext cx="8229600" cy="5214974"/>
+          </a:xfrm>
+          <a:ln>
+            <a:noFill/>
+          </a:ln>
+        </p:spPr>
+        <p:txBody>
+          <a:bodyPr/>
+          <a:lstStyle/>
+          <a:p>
+            <a:endParaRPr lang="es-ES" dirty="0" smtClean="0"/>
+          </a:p>
+          <a:p>
+            <a:pPr>
+              <a:buFont typeface="Wingdings" pitchFamily="2" charset="2"/>
+              <a:buChar char="q"/>
+            </a:pPr>
+            <a:endParaRPr lang="es-ES" b="1" dirty="0" smtClean="0">
+              <a:solidFill>
+                <a:srgbClr val="FFFF00"/>
+              </a:solidFill>
+            </a:endParaRPr>
+          </a:p>
+        </p:txBody>
+      </p:sp>
+      <p:sp>
+        <p:nvSpPr>
+          <p:cNvPr id="2" name="1 Marcador de número de diapositiva"/>
+          <p:cNvSpPr>
+            <a:spLocks noGrp="1"/>
+          </p:cNvSpPr>
+          <p:nvPr>
+            <p:ph type="sldNum" sz="quarter" idx="10"/>
+          </p:nvPr>
+        </p:nvSpPr>
+        <p:spPr/>
+        <p:txBody>
+          <a:bodyPr/>
+          <a:lstStyle/>
+          <a:p>
+            <a:fld id="{B0D112A2-4364-4341-AD5C-73B6769FC2B0}" type="slidenum">
+              <a:rPr lang="es-ES" smtClean="0"/>
+              <a:pPr/>
+              <a:t>22</a:t>
             </a:fld>
             <a:endParaRPr lang="es-ES"/>
           </a:p>
@@ -17193,7 +18556,7 @@
 </p:sld>
 </file>
 
-<file path=ppt/slides/slide22.xml><?xml version="1.0" encoding="utf-8"?>
+<file path=ppt/slides/slide23.xml><?xml version="1.0" encoding="utf-8"?>
 <p:sld xmlns:a="http://schemas.openxmlformats.org/drawingml/2006/main" xmlns:r="http://schemas.openxmlformats.org/officeDocument/2006/relationships" xmlns:p="http://schemas.openxmlformats.org/presentationml/2006/main">
   <p:cSld>
     <p:spTree>
@@ -17275,7 +18638,7 @@
             <a:fld id="{B0D112A2-4364-4341-AD5C-73B6769FC2B0}" type="slidenum">
               <a:rPr lang="es-ES" smtClean="0"/>
               <a:pPr/>
-              <a:t>22</a:t>
+              <a:t>23</a:t>
             </a:fld>
             <a:endParaRPr lang="es-ES"/>
           </a:p>
@@ -17451,10 +18814,20 @@
             </a:r>
             <a:r>
               <a:rPr lang="es-ES" sz="1800" b="1" dirty="0" smtClean="0">
+                <a:solidFill>
+                  <a:schemeClr val="tx1"/>
+                </a:solidFill>
                 <a:effectLst/>
                 <a:latin typeface="Arial" charset="0"/>
               </a:rPr>
-              <a:t>Paso  previo          adecuación de los mundos modelados:</a:t>
+              <a:t>Paso  previo</a:t>
+            </a:r>
+            <a:r>
+              <a:rPr lang="es-ES" sz="1800" b="1" dirty="0" smtClean="0">
+                <a:effectLst/>
+                <a:latin typeface="Arial" charset="0"/>
+              </a:rPr>
+              <a:t>          adecuación de los mundos modelados:</a:t>
             </a:r>
             <a:endParaRPr lang="es-ES" sz="1600" b="1" dirty="0">
               <a:effectLst/>
@@ -18354,7 +19727,7 @@
 </p:sld>
 </file>
 
-<file path=ppt/slides/slide23.xml><?xml version="1.0" encoding="utf-8"?>
+<file path=ppt/slides/slide24.xml><?xml version="1.0" encoding="utf-8"?>
 <p:sld xmlns:a="http://schemas.openxmlformats.org/drawingml/2006/main" xmlns:r="http://schemas.openxmlformats.org/officeDocument/2006/relationships" xmlns:p="http://schemas.openxmlformats.org/presentationml/2006/main">
   <p:cSld>
     <p:spTree>
@@ -18523,7 +19896,7 @@
             <a:fld id="{B0D112A2-4364-4341-AD5C-73B6769FC2B0}" type="slidenum">
               <a:rPr lang="es-ES" smtClean="0"/>
               <a:pPr/>
-              <a:t>23</a:t>
+              <a:t>24</a:t>
             </a:fld>
             <a:endParaRPr lang="es-ES"/>
           </a:p>
@@ -19420,7 +20793,7 @@
 </p:sld>
 </file>
 
-<file path=ppt/slides/slide24.xml><?xml version="1.0" encoding="utf-8"?>
+<file path=ppt/slides/slide25.xml><?xml version="1.0" encoding="utf-8"?>
 <p:sld xmlns:a="http://schemas.openxmlformats.org/drawingml/2006/main" xmlns:r="http://schemas.openxmlformats.org/officeDocument/2006/relationships" xmlns:p="http://schemas.openxmlformats.org/presentationml/2006/main">
   <p:cSld>
     <p:spTree>
@@ -19502,7 +20875,7 @@
             <a:fld id="{B0D112A2-4364-4341-AD5C-73B6769FC2B0}" type="slidenum">
               <a:rPr lang="es-ES" smtClean="0"/>
               <a:pPr/>
-              <a:t>24</a:t>
+              <a:t>25</a:t>
             </a:fld>
             <a:endParaRPr lang="es-ES"/>
           </a:p>
@@ -19651,7 +21024,7 @@
 </p:sld>
 </file>
 
-<file path=ppt/slides/slide25.xml><?xml version="1.0" encoding="utf-8"?>
+<file path=ppt/slides/slide26.xml><?xml version="1.0" encoding="utf-8"?>
 <p:sld xmlns:a="http://schemas.openxmlformats.org/drawingml/2006/main" xmlns:r="http://schemas.openxmlformats.org/officeDocument/2006/relationships" xmlns:p="http://schemas.openxmlformats.org/presentationml/2006/main">
   <p:cSld>
     <p:spTree>
@@ -19724,7 +21097,7 @@
             <a:fld id="{B0D112A2-4364-4341-AD5C-73B6769FC2B0}" type="slidenum">
               <a:rPr lang="es-ES" smtClean="0"/>
               <a:pPr/>
-              <a:t>25</a:t>
+              <a:t>26</a:t>
             </a:fld>
             <a:endParaRPr lang="es-ES"/>
           </a:p>
@@ -20690,7 +22063,7 @@
 </p:sld>
 </file>
 
-<file path=ppt/slides/slide26.xml><?xml version="1.0" encoding="utf-8"?>
+<file path=ppt/slides/slide27.xml><?xml version="1.0" encoding="utf-8"?>
 <p:sld xmlns:a="http://schemas.openxmlformats.org/drawingml/2006/main" xmlns:r="http://schemas.openxmlformats.org/officeDocument/2006/relationships" xmlns:p="http://schemas.openxmlformats.org/presentationml/2006/main">
   <p:cSld>
     <p:spTree>
@@ -20811,7 +22184,7 @@
             <a:fld id="{B0D112A2-4364-4341-AD5C-73B6769FC2B0}" type="slidenum">
               <a:rPr lang="es-ES" smtClean="0"/>
               <a:pPr/>
-              <a:t>26</a:t>
+              <a:t>27</a:t>
             </a:fld>
             <a:endParaRPr lang="es-ES"/>
           </a:p>
@@ -21281,888 +22654,6 @@
               <a:effectLst/>
               <a:latin typeface="Times New Roman" charset="0"/>
             </a:endParaRPr>
-          </a:p>
-        </p:txBody>
-      </p:sp>
-    </p:spTree>
-  </p:cSld>
-  <p:clrMapOvr>
-    <a:masterClrMapping/>
-  </p:clrMapOvr>
-  <p:transition>
-    <p:pull dir="d"/>
-  </p:transition>
-  <p:timing>
-    <p:tnLst>
-      <p:par>
-        <p:cTn id="1" dur="indefinite" restart="never" nodeType="tmRoot"/>
-      </p:par>
-    </p:tnLst>
-  </p:timing>
-</p:sld>
-</file>
-
-<file path=ppt/slides/slide27.xml><?xml version="1.0" encoding="utf-8"?>
-<p:sld xmlns:a="http://schemas.openxmlformats.org/drawingml/2006/main" xmlns:r="http://schemas.openxmlformats.org/officeDocument/2006/relationships" xmlns:p="http://schemas.openxmlformats.org/presentationml/2006/main">
-  <p:cSld>
-    <p:spTree>
-      <p:nvGrpSpPr>
-        <p:cNvPr id="1" name=""/>
-        <p:cNvGrpSpPr/>
-        <p:nvPr/>
-      </p:nvGrpSpPr>
-      <p:grpSpPr>
-        <a:xfrm>
-          <a:off x="0" y="0"/>
-          <a:ext cx="0" cy="0"/>
-          <a:chOff x="0" y="0"/>
-          <a:chExt cx="0" cy="0"/>
-        </a:xfrm>
-      </p:grpSpPr>
-      <p:sp>
-        <p:nvSpPr>
-          <p:cNvPr id="8" name="7 Marcador de contenido"/>
-          <p:cNvSpPr>
-            <a:spLocks noGrp="1"/>
-          </p:cNvSpPr>
-          <p:nvPr>
-            <p:ph/>
-          </p:nvPr>
-        </p:nvSpPr>
-        <p:spPr>
-          <a:xfrm>
-            <a:off x="500034" y="357166"/>
-            <a:ext cx="8229600" cy="5214974"/>
-          </a:xfrm>
-          <a:ln>
-            <a:noFill/>
-          </a:ln>
-        </p:spPr>
-        <p:txBody>
-          <a:bodyPr/>
-          <a:lstStyle/>
-          <a:p>
-            <a:endParaRPr lang="es-ES" dirty="0" smtClean="0"/>
-          </a:p>
-          <a:p>
-            <a:pPr>
-              <a:buFont typeface="Wingdings" pitchFamily="2" charset="2"/>
-              <a:buChar char="q"/>
-            </a:pPr>
-            <a:r>
-              <a:rPr lang="es-ES" sz="2400" b="1" dirty="0" smtClean="0">
-                <a:solidFill>
-                  <a:srgbClr val="FDF49B"/>
-                </a:solidFill>
-                <a:effectLst>
-                  <a:outerShdw blurRad="38100" dist="38100" dir="2700000" algn="tl">
-                    <a:srgbClr val="000000"/>
-                  </a:outerShdw>
-                </a:effectLst>
-                <a:latin typeface="Tahoma" charset="0"/>
-              </a:rPr>
-              <a:t>Líneas futuras</a:t>
-            </a:r>
-          </a:p>
-          <a:p>
-            <a:pPr>
-              <a:buFont typeface="Wingdings" pitchFamily="2" charset="2"/>
-              <a:buChar char="q"/>
-            </a:pPr>
-            <a:endParaRPr lang="es-ES" sz="2400" b="1" dirty="0" smtClean="0">
-              <a:solidFill>
-                <a:srgbClr val="FDF49B"/>
-              </a:solidFill>
-              <a:effectLst>
-                <a:outerShdw blurRad="38100" dist="38100" dir="2700000" algn="tl">
-                  <a:srgbClr val="000000"/>
-                </a:outerShdw>
-              </a:effectLst>
-              <a:latin typeface="Tahoma" charset="0"/>
-            </a:endParaRPr>
-          </a:p>
-          <a:p>
-            <a:pPr>
-              <a:buFont typeface="Wingdings" pitchFamily="2" charset="2"/>
-              <a:buChar char="q"/>
-            </a:pPr>
-            <a:endParaRPr lang="es-ES" sz="2400" b="1" dirty="0" smtClean="0">
-              <a:solidFill>
-                <a:srgbClr val="FDF49B"/>
-              </a:solidFill>
-              <a:effectLst>
-                <a:outerShdw blurRad="38100" dist="38100" dir="2700000" algn="tl">
-                  <a:srgbClr val="000000"/>
-                </a:outerShdw>
-              </a:effectLst>
-              <a:latin typeface="Tahoma" charset="0"/>
-            </a:endParaRPr>
-          </a:p>
-        </p:txBody>
-      </p:sp>
-      <p:sp>
-        <p:nvSpPr>
-          <p:cNvPr id="2" name="1 Marcador de número de diapositiva"/>
-          <p:cNvSpPr>
-            <a:spLocks noGrp="1"/>
-          </p:cNvSpPr>
-          <p:nvPr>
-            <p:ph type="sldNum" sz="quarter" idx="10"/>
-          </p:nvPr>
-        </p:nvSpPr>
-        <p:spPr/>
-        <p:txBody>
-          <a:bodyPr/>
-          <a:lstStyle/>
-          <a:p>
-            <a:fld id="{B0D112A2-4364-4341-AD5C-73B6769FC2B0}" type="slidenum">
-              <a:rPr lang="es-ES" smtClean="0"/>
-              <a:pPr/>
-              <a:t>27</a:t>
-            </a:fld>
-            <a:endParaRPr lang="es-ES"/>
-          </a:p>
-        </p:txBody>
-      </p:sp>
-      <p:sp>
-        <p:nvSpPr>
-          <p:cNvPr id="3" name="2 Título"/>
-          <p:cNvSpPr>
-            <a:spLocks noGrp="1"/>
-          </p:cNvSpPr>
-          <p:nvPr>
-            <p:ph type="title" idx="4294967295"/>
-          </p:nvPr>
-        </p:nvSpPr>
-        <p:spPr>
-          <a:xfrm>
-            <a:off x="0" y="142852"/>
-            <a:ext cx="8229600" cy="714380"/>
-          </a:xfrm>
-        </p:spPr>
-        <p:txBody>
-          <a:bodyPr>
-            <a:noAutofit/>
-          </a:bodyPr>
-          <a:lstStyle/>
-          <a:p>
-            <a:r>
-              <a:rPr lang="es-ES" sz="4000" dirty="0" smtClean="0">
-                <a:solidFill>
-                  <a:schemeClr val="tx1"/>
-                </a:solidFill>
-                <a:latin typeface="Tahoma" pitchFamily="34" charset="0"/>
-                <a:cs typeface="Tahoma" pitchFamily="34" charset="0"/>
-              </a:rPr>
-              <a:t/>
-            </a:r>
-            <a:br>
-              <a:rPr lang="es-ES" sz="4000" dirty="0" smtClean="0">
-                <a:solidFill>
-                  <a:schemeClr val="tx1"/>
-                </a:solidFill>
-                <a:latin typeface="Tahoma" pitchFamily="34" charset="0"/>
-                <a:cs typeface="Tahoma" pitchFamily="34" charset="0"/>
-              </a:rPr>
-            </a:br>
-            <a:r>
-              <a:rPr lang="es-ES" sz="4000" dirty="0" smtClean="0">
-                <a:solidFill>
-                  <a:schemeClr val="tx1"/>
-                </a:solidFill>
-                <a:latin typeface="Tahoma" pitchFamily="34" charset="0"/>
-                <a:cs typeface="Tahoma" pitchFamily="34" charset="0"/>
-              </a:rPr>
-              <a:t> </a:t>
-            </a:r>
-            <a:r>
-              <a:rPr lang="es-ES" sz="4000" dirty="0" smtClean="0">
-                <a:solidFill>
-                  <a:schemeClr val="tx1"/>
-                </a:solidFill>
-                <a:latin typeface="Times" pitchFamily="18" charset="0"/>
-                <a:cs typeface="Tahoma" pitchFamily="34" charset="0"/>
-              </a:rPr>
-              <a:t>Conclusiones y líneas futuras</a:t>
-            </a:r>
-            <a:r>
-              <a:rPr lang="es-ES" sz="4800" dirty="0" smtClean="0">
-                <a:solidFill>
-                  <a:schemeClr val="tx1"/>
-                </a:solidFill>
-                <a:latin typeface="Times" pitchFamily="18" charset="0"/>
-                <a:cs typeface="Tahoma" pitchFamily="34" charset="0"/>
-              </a:rPr>
-              <a:t/>
-            </a:r>
-            <a:br>
-              <a:rPr lang="es-ES" sz="4800" dirty="0" smtClean="0">
-                <a:solidFill>
-                  <a:schemeClr val="tx1"/>
-                </a:solidFill>
-                <a:latin typeface="Times" pitchFamily="18" charset="0"/>
-                <a:cs typeface="Tahoma" pitchFamily="34" charset="0"/>
-              </a:rPr>
-            </a:br>
-            <a:endParaRPr lang="es-ES" sz="4800" dirty="0">
-              <a:solidFill>
-                <a:schemeClr val="tx1"/>
-              </a:solidFill>
-              <a:latin typeface="Times" pitchFamily="18" charset="0"/>
-              <a:cs typeface="Tahoma" pitchFamily="34" charset="0"/>
-            </a:endParaRPr>
-          </a:p>
-        </p:txBody>
-      </p:sp>
-      <p:cxnSp>
-        <p:nvCxnSpPr>
-          <p:cNvPr id="10" name="9 Conector recto"/>
-          <p:cNvCxnSpPr/>
-          <p:nvPr/>
-        </p:nvCxnSpPr>
-        <p:spPr>
-          <a:xfrm>
-            <a:off x="714348" y="857232"/>
-            <a:ext cx="7429552" cy="1588"/>
-          </a:xfrm>
-          <a:prstGeom prst="line">
-            <a:avLst/>
-          </a:prstGeom>
-          <a:ln w="12700">
-            <a:solidFill>
-              <a:schemeClr val="tx1"/>
-            </a:solidFill>
-          </a:ln>
-        </p:spPr>
-        <p:style>
-          <a:lnRef idx="1">
-            <a:schemeClr val="accent1"/>
-          </a:lnRef>
-          <a:fillRef idx="0">
-            <a:schemeClr val="accent1"/>
-          </a:fillRef>
-          <a:effectRef idx="0">
-            <a:schemeClr val="accent1"/>
-          </a:effectRef>
-          <a:fontRef idx="minor">
-            <a:schemeClr val="tx1"/>
-          </a:fontRef>
-        </p:style>
-      </p:cxnSp>
-      <p:sp>
-        <p:nvSpPr>
-          <p:cNvPr id="6" name="Text Box 5"/>
-          <p:cNvSpPr txBox="1">
-            <a:spLocks noChangeArrowheads="1"/>
-          </p:cNvSpPr>
-          <p:nvPr/>
-        </p:nvSpPr>
-        <p:spPr bwMode="auto">
-          <a:xfrm>
-            <a:off x="857224" y="1643050"/>
-            <a:ext cx="3929090" cy="461665"/>
-          </a:xfrm>
-          <a:prstGeom prst="rect">
-            <a:avLst/>
-          </a:prstGeom>
-          <a:noFill/>
-          <a:ln w="9525">
-            <a:noFill/>
-            <a:miter lim="800000"/>
-            <a:headEnd/>
-            <a:tailEnd/>
-          </a:ln>
-          <a:effectLst/>
-        </p:spPr>
-        <p:txBody>
-          <a:bodyPr wrap="square">
-            <a:spAutoFit/>
-          </a:bodyPr>
-          <a:lstStyle/>
-          <a:p>
-            <a:pPr>
-              <a:spcBef>
-                <a:spcPct val="0"/>
-              </a:spcBef>
-            </a:pPr>
-            <a:r>
-              <a:rPr lang="es-ES" sz="2400" dirty="0" smtClean="0">
-                <a:effectLst/>
-                <a:latin typeface="Times New Roman" charset="0"/>
-              </a:rPr>
-              <a:t>- </a:t>
-            </a:r>
-            <a:r>
-              <a:rPr lang="es-ES" sz="1800" b="1" dirty="0" smtClean="0">
-                <a:effectLst/>
-                <a:latin typeface="Arial" charset="0"/>
-              </a:rPr>
-              <a:t>Aumentar inmersión del usuario</a:t>
-            </a:r>
-            <a:endParaRPr lang="es-ES" sz="1600" b="1" dirty="0">
-              <a:effectLst/>
-              <a:latin typeface="Times New Roman" charset="0"/>
-            </a:endParaRPr>
-          </a:p>
-        </p:txBody>
-      </p:sp>
-      <p:sp>
-        <p:nvSpPr>
-          <p:cNvPr id="7" name="Text Box 5"/>
-          <p:cNvSpPr txBox="1">
-            <a:spLocks noChangeArrowheads="1"/>
-          </p:cNvSpPr>
-          <p:nvPr/>
-        </p:nvSpPr>
-        <p:spPr bwMode="auto">
-          <a:xfrm>
-            <a:off x="857224" y="3071810"/>
-            <a:ext cx="4857784" cy="461665"/>
-          </a:xfrm>
-          <a:prstGeom prst="rect">
-            <a:avLst/>
-          </a:prstGeom>
-          <a:noFill/>
-          <a:ln w="9525">
-            <a:noFill/>
-            <a:miter lim="800000"/>
-            <a:headEnd/>
-            <a:tailEnd/>
-          </a:ln>
-          <a:effectLst/>
-        </p:spPr>
-        <p:txBody>
-          <a:bodyPr wrap="square">
-            <a:spAutoFit/>
-          </a:bodyPr>
-          <a:lstStyle/>
-          <a:p>
-            <a:pPr>
-              <a:spcBef>
-                <a:spcPct val="0"/>
-              </a:spcBef>
-            </a:pPr>
-            <a:r>
-              <a:rPr lang="es-ES" sz="2400" dirty="0">
-                <a:effectLst/>
-                <a:latin typeface="Times New Roman" charset="0"/>
-              </a:rPr>
-              <a:t>- </a:t>
-            </a:r>
-            <a:r>
-              <a:rPr lang="es-ES" sz="1800" b="1" dirty="0" smtClean="0">
-                <a:effectLst/>
-                <a:latin typeface="Arial" charset="0"/>
-              </a:rPr>
-              <a:t>Incrementar interactividad entre objetos</a:t>
-            </a:r>
-            <a:endParaRPr lang="es-ES" sz="1600" b="1" dirty="0">
-              <a:effectLst/>
-              <a:latin typeface="Times New Roman" charset="0"/>
-            </a:endParaRPr>
-          </a:p>
-        </p:txBody>
-      </p:sp>
-      <p:sp>
-        <p:nvSpPr>
-          <p:cNvPr id="9" name="8 Flecha derecha"/>
-          <p:cNvSpPr/>
-          <p:nvPr/>
-        </p:nvSpPr>
-        <p:spPr>
-          <a:xfrm>
-            <a:off x="4714876" y="1785926"/>
-            <a:ext cx="500066" cy="214314"/>
-          </a:xfrm>
-          <a:prstGeom prst="rightArrow">
-            <a:avLst/>
-          </a:prstGeom>
-          <a:solidFill>
-            <a:srgbClr val="FDF49B"/>
-          </a:solidFill>
-        </p:spPr>
-        <p:style>
-          <a:lnRef idx="2">
-            <a:schemeClr val="accent1">
-              <a:shade val="50000"/>
-            </a:schemeClr>
-          </a:lnRef>
-          <a:fillRef idx="1">
-            <a:schemeClr val="accent1"/>
-          </a:fillRef>
-          <a:effectRef idx="0">
-            <a:schemeClr val="accent1"/>
-          </a:effectRef>
-          <a:fontRef idx="minor">
-            <a:schemeClr val="lt1"/>
-          </a:fontRef>
-        </p:style>
-        <p:txBody>
-          <a:bodyPr rtlCol="0" anchor="ctr"/>
-          <a:lstStyle/>
-          <a:p>
-            <a:pPr algn="ctr"/>
-            <a:endParaRPr lang="es-ES" dirty="0"/>
-          </a:p>
-        </p:txBody>
-      </p:sp>
-      <p:sp>
-        <p:nvSpPr>
-          <p:cNvPr id="11" name="Text Box 5"/>
-          <p:cNvSpPr txBox="1">
-            <a:spLocks noChangeArrowheads="1"/>
-          </p:cNvSpPr>
-          <p:nvPr/>
-        </p:nvSpPr>
-        <p:spPr bwMode="auto">
-          <a:xfrm>
-            <a:off x="5500694" y="1214422"/>
-            <a:ext cx="2839239" cy="369332"/>
-          </a:xfrm>
-          <a:prstGeom prst="rect">
-            <a:avLst/>
-          </a:prstGeom>
-          <a:noFill/>
-          <a:ln w="9525">
-            <a:noFill/>
-            <a:miter lim="800000"/>
-            <a:headEnd/>
-            <a:tailEnd/>
-          </a:ln>
-          <a:effectLst/>
-        </p:spPr>
-        <p:txBody>
-          <a:bodyPr wrap="none">
-            <a:spAutoFit/>
-          </a:bodyPr>
-          <a:lstStyle/>
-          <a:p>
-            <a:pPr>
-              <a:spcBef>
-                <a:spcPct val="0"/>
-              </a:spcBef>
-            </a:pPr>
-            <a:r>
-              <a:rPr lang="es-ES" sz="1800" b="1" dirty="0" smtClean="0">
-                <a:effectLst/>
-                <a:latin typeface="Arial" charset="0"/>
-              </a:rPr>
-              <a:t>Involucrar más sentidos</a:t>
-            </a:r>
-            <a:endParaRPr lang="es-ES" sz="1600" b="1" dirty="0">
-              <a:effectLst/>
-              <a:latin typeface="Times New Roman" charset="0"/>
-            </a:endParaRPr>
-          </a:p>
-        </p:txBody>
-      </p:sp>
-      <p:sp>
-        <p:nvSpPr>
-          <p:cNvPr id="14" name="Text Box 5"/>
-          <p:cNvSpPr txBox="1">
-            <a:spLocks noChangeArrowheads="1"/>
-          </p:cNvSpPr>
-          <p:nvPr/>
-        </p:nvSpPr>
-        <p:spPr bwMode="auto">
-          <a:xfrm>
-            <a:off x="5500694" y="1714488"/>
-            <a:ext cx="3313728" cy="369332"/>
-          </a:xfrm>
-          <a:prstGeom prst="rect">
-            <a:avLst/>
-          </a:prstGeom>
-          <a:noFill/>
-          <a:ln w="9525">
-            <a:noFill/>
-            <a:miter lim="800000"/>
-            <a:headEnd/>
-            <a:tailEnd/>
-          </a:ln>
-          <a:effectLst/>
-        </p:spPr>
-        <p:txBody>
-          <a:bodyPr wrap="none">
-            <a:spAutoFit/>
-          </a:bodyPr>
-          <a:lstStyle/>
-          <a:p>
-            <a:pPr>
-              <a:spcBef>
-                <a:spcPct val="0"/>
-              </a:spcBef>
-            </a:pPr>
-            <a:r>
-              <a:rPr lang="es-ES" sz="1800" b="1" dirty="0" smtClean="0">
-                <a:effectLst/>
-                <a:latin typeface="Arial" charset="0"/>
-              </a:rPr>
-              <a:t>Experimentación simultanea</a:t>
-            </a:r>
-            <a:endParaRPr lang="es-ES" sz="1600" b="1" dirty="0">
-              <a:effectLst/>
-              <a:latin typeface="Times New Roman" charset="0"/>
-            </a:endParaRPr>
-          </a:p>
-        </p:txBody>
-      </p:sp>
-      <p:sp>
-        <p:nvSpPr>
-          <p:cNvPr id="15" name="14 Flecha derecha"/>
-          <p:cNvSpPr/>
-          <p:nvPr/>
-        </p:nvSpPr>
-        <p:spPr>
-          <a:xfrm>
-            <a:off x="5572132" y="3214686"/>
-            <a:ext cx="500066" cy="214314"/>
-          </a:xfrm>
-          <a:prstGeom prst="rightArrow">
-            <a:avLst/>
-          </a:prstGeom>
-          <a:solidFill>
-            <a:srgbClr val="FDF49B"/>
-          </a:solidFill>
-        </p:spPr>
-        <p:style>
-          <a:lnRef idx="2">
-            <a:schemeClr val="accent1">
-              <a:shade val="50000"/>
-            </a:schemeClr>
-          </a:lnRef>
-          <a:fillRef idx="1">
-            <a:schemeClr val="accent1"/>
-          </a:fillRef>
-          <a:effectRef idx="0">
-            <a:schemeClr val="accent1"/>
-          </a:effectRef>
-          <a:fontRef idx="minor">
-            <a:schemeClr val="lt1"/>
-          </a:fontRef>
-        </p:style>
-        <p:txBody>
-          <a:bodyPr rtlCol="0" anchor="ctr"/>
-          <a:lstStyle/>
-          <a:p>
-            <a:pPr algn="ctr"/>
-            <a:endParaRPr lang="es-ES" dirty="0"/>
-          </a:p>
-        </p:txBody>
-      </p:sp>
-      <p:sp>
-        <p:nvSpPr>
-          <p:cNvPr id="16" name="Text Box 5"/>
-          <p:cNvSpPr txBox="1">
-            <a:spLocks noChangeArrowheads="1"/>
-          </p:cNvSpPr>
-          <p:nvPr/>
-        </p:nvSpPr>
-        <p:spPr bwMode="auto">
-          <a:xfrm>
-            <a:off x="6072198" y="3143248"/>
-            <a:ext cx="2928926" cy="369332"/>
-          </a:xfrm>
-          <a:prstGeom prst="rect">
-            <a:avLst/>
-          </a:prstGeom>
-          <a:noFill/>
-          <a:ln w="9525">
-            <a:noFill/>
-            <a:miter lim="800000"/>
-            <a:headEnd/>
-            <a:tailEnd/>
-          </a:ln>
-          <a:effectLst/>
-        </p:spPr>
-        <p:txBody>
-          <a:bodyPr wrap="square">
-            <a:spAutoFit/>
-          </a:bodyPr>
-          <a:lstStyle/>
-          <a:p>
-            <a:pPr>
-              <a:spcBef>
-                <a:spcPct val="0"/>
-              </a:spcBef>
-            </a:pPr>
-            <a:r>
-              <a:rPr lang="es-ES" sz="1800" b="1" dirty="0" smtClean="0">
-                <a:effectLst/>
-                <a:latin typeface="Arial" charset="0"/>
-              </a:rPr>
-              <a:t>Colisiones encadenadas</a:t>
-            </a:r>
-            <a:endParaRPr lang="es-ES" sz="1600" b="1" dirty="0">
-              <a:effectLst/>
-              <a:latin typeface="Times New Roman" charset="0"/>
-            </a:endParaRPr>
-          </a:p>
-        </p:txBody>
-      </p:sp>
-      <p:sp>
-        <p:nvSpPr>
-          <p:cNvPr id="17" name="Text Box 5"/>
-          <p:cNvSpPr txBox="1">
-            <a:spLocks noChangeArrowheads="1"/>
-          </p:cNvSpPr>
-          <p:nvPr/>
-        </p:nvSpPr>
-        <p:spPr bwMode="auto">
-          <a:xfrm>
-            <a:off x="857224" y="4071942"/>
-            <a:ext cx="4643470" cy="461665"/>
-          </a:xfrm>
-          <a:prstGeom prst="rect">
-            <a:avLst/>
-          </a:prstGeom>
-          <a:noFill/>
-          <a:ln w="9525">
-            <a:noFill/>
-            <a:miter lim="800000"/>
-            <a:headEnd/>
-            <a:tailEnd/>
-          </a:ln>
-          <a:effectLst/>
-        </p:spPr>
-        <p:txBody>
-          <a:bodyPr wrap="square">
-            <a:spAutoFit/>
-          </a:bodyPr>
-          <a:lstStyle/>
-          <a:p>
-            <a:pPr>
-              <a:spcBef>
-                <a:spcPct val="0"/>
-              </a:spcBef>
-            </a:pPr>
-            <a:r>
-              <a:rPr lang="es-ES" sz="2400" dirty="0">
-                <a:effectLst/>
-                <a:latin typeface="Times New Roman" charset="0"/>
-              </a:rPr>
-              <a:t>- </a:t>
-            </a:r>
-            <a:r>
-              <a:rPr lang="es-ES" sz="1800" b="1" dirty="0" smtClean="0">
-                <a:effectLst/>
-                <a:latin typeface="Arial" charset="0"/>
-              </a:rPr>
-              <a:t>Impresión más realista de los mundos</a:t>
-            </a:r>
-            <a:endParaRPr lang="es-ES" sz="1600" b="1" dirty="0">
-              <a:effectLst/>
-              <a:latin typeface="Times New Roman" charset="0"/>
-            </a:endParaRPr>
-          </a:p>
-        </p:txBody>
-      </p:sp>
-      <p:sp>
-        <p:nvSpPr>
-          <p:cNvPr id="18" name="17 Flecha derecha"/>
-          <p:cNvSpPr/>
-          <p:nvPr/>
-        </p:nvSpPr>
-        <p:spPr>
-          <a:xfrm>
-            <a:off x="5429256" y="4214818"/>
-            <a:ext cx="500066" cy="214314"/>
-          </a:xfrm>
-          <a:prstGeom prst="rightArrow">
-            <a:avLst/>
-          </a:prstGeom>
-          <a:solidFill>
-            <a:srgbClr val="FDF49B"/>
-          </a:solidFill>
-        </p:spPr>
-        <p:style>
-          <a:lnRef idx="2">
-            <a:schemeClr val="accent1">
-              <a:shade val="50000"/>
-            </a:schemeClr>
-          </a:lnRef>
-          <a:fillRef idx="1">
-            <a:schemeClr val="accent1"/>
-          </a:fillRef>
-          <a:effectRef idx="0">
-            <a:schemeClr val="accent1"/>
-          </a:effectRef>
-          <a:fontRef idx="minor">
-            <a:schemeClr val="lt1"/>
-          </a:fontRef>
-        </p:style>
-        <p:txBody>
-          <a:bodyPr rtlCol="0" anchor="ctr"/>
-          <a:lstStyle/>
-          <a:p>
-            <a:pPr algn="ctr"/>
-            <a:endParaRPr lang="es-ES" dirty="0"/>
-          </a:p>
-        </p:txBody>
-      </p:sp>
-      <p:sp>
-        <p:nvSpPr>
-          <p:cNvPr id="20" name="Text Box 5"/>
-          <p:cNvSpPr txBox="1">
-            <a:spLocks noChangeArrowheads="1"/>
-          </p:cNvSpPr>
-          <p:nvPr/>
-        </p:nvSpPr>
-        <p:spPr bwMode="auto">
-          <a:xfrm>
-            <a:off x="6000760" y="4143380"/>
-            <a:ext cx="2928926" cy="369332"/>
-          </a:xfrm>
-          <a:prstGeom prst="rect">
-            <a:avLst/>
-          </a:prstGeom>
-          <a:noFill/>
-          <a:ln w="9525">
-            <a:noFill/>
-            <a:miter lim="800000"/>
-            <a:headEnd/>
-            <a:tailEnd/>
-          </a:ln>
-          <a:effectLst/>
-        </p:spPr>
-        <p:txBody>
-          <a:bodyPr wrap="square">
-            <a:spAutoFit/>
-          </a:bodyPr>
-          <a:lstStyle/>
-          <a:p>
-            <a:pPr>
-              <a:spcBef>
-                <a:spcPct val="0"/>
-              </a:spcBef>
-            </a:pPr>
-            <a:r>
-              <a:rPr lang="es-ES" sz="1800" b="1" dirty="0" err="1" smtClean="0">
-                <a:effectLst/>
-                <a:latin typeface="Arial" charset="0"/>
-              </a:rPr>
-              <a:t>OpenGL</a:t>
-            </a:r>
-            <a:r>
-              <a:rPr lang="es-ES" sz="1800" b="1" dirty="0" smtClean="0">
-                <a:effectLst/>
-                <a:latin typeface="Arial" charset="0"/>
-              </a:rPr>
-              <a:t> o </a:t>
-            </a:r>
-            <a:r>
-              <a:rPr lang="es-ES" sz="1800" b="1" dirty="0" err="1" smtClean="0">
-                <a:effectLst/>
-                <a:latin typeface="Arial" charset="0"/>
-              </a:rPr>
-              <a:t>DirectX</a:t>
-            </a:r>
-            <a:endParaRPr lang="es-ES" sz="1600" b="1" dirty="0">
-              <a:effectLst/>
-              <a:latin typeface="Times New Roman" charset="0"/>
-            </a:endParaRPr>
-          </a:p>
-        </p:txBody>
-      </p:sp>
-      <p:sp>
-        <p:nvSpPr>
-          <p:cNvPr id="21" name="Text Box 5"/>
-          <p:cNvSpPr txBox="1">
-            <a:spLocks noChangeArrowheads="1"/>
-          </p:cNvSpPr>
-          <p:nvPr/>
-        </p:nvSpPr>
-        <p:spPr bwMode="auto">
-          <a:xfrm>
-            <a:off x="5500694" y="2214554"/>
-            <a:ext cx="2617063" cy="369332"/>
-          </a:xfrm>
-          <a:prstGeom prst="rect">
-            <a:avLst/>
-          </a:prstGeom>
-          <a:noFill/>
-          <a:ln w="9525">
-            <a:noFill/>
-            <a:miter lim="800000"/>
-            <a:headEnd/>
-            <a:tailEnd/>
-          </a:ln>
-          <a:effectLst/>
-        </p:spPr>
-        <p:txBody>
-          <a:bodyPr wrap="none">
-            <a:spAutoFit/>
-          </a:bodyPr>
-          <a:lstStyle/>
-          <a:p>
-            <a:pPr>
-              <a:spcBef>
-                <a:spcPct val="0"/>
-              </a:spcBef>
-            </a:pPr>
-            <a:r>
-              <a:rPr lang="es-ES" sz="1800" b="1" dirty="0" smtClean="0">
-                <a:effectLst/>
-                <a:latin typeface="Arial" charset="0"/>
-              </a:rPr>
-              <a:t>Visión estereoscópica</a:t>
-            </a:r>
-            <a:endParaRPr lang="es-ES" sz="1600" b="1" dirty="0">
-              <a:effectLst/>
-              <a:latin typeface="Times New Roman" charset="0"/>
-            </a:endParaRPr>
-          </a:p>
-        </p:txBody>
-      </p:sp>
-      <p:sp>
-        <p:nvSpPr>
-          <p:cNvPr id="19" name="AutoShape 67"/>
-          <p:cNvSpPr>
-            <a:spLocks/>
-          </p:cNvSpPr>
-          <p:nvPr/>
-        </p:nvSpPr>
-        <p:spPr bwMode="auto">
-          <a:xfrm flipH="1">
-            <a:off x="5286380" y="1000108"/>
-            <a:ext cx="175988" cy="1785950"/>
-          </a:xfrm>
-          <a:prstGeom prst="leftBrace">
-            <a:avLst>
-              <a:gd name="adj1" fmla="val 83333"/>
-              <a:gd name="adj2" fmla="val 50000"/>
-            </a:avLst>
-          </a:prstGeom>
-          <a:noFill/>
-          <a:ln w="25400">
-            <a:solidFill>
-              <a:srgbClr val="F7C62B"/>
-            </a:solidFill>
-            <a:round/>
-            <a:headEnd/>
-            <a:tailEnd/>
-          </a:ln>
-          <a:effectLst/>
-          <a:scene3d>
-            <a:camera prst="legacyObliqueTopRight">
-              <a:rot lat="0" lon="10199978" rev="0"/>
-            </a:camera>
-            <a:lightRig rig="legacyFlat3" dir="b"/>
-          </a:scene3d>
-          <a:sp3d extrusionH="290500" prstMaterial="legacyMatte">
-            <a:bevelT w="13500" h="13500" prst="angle"/>
-            <a:bevelB w="13500" h="13500" prst="angle"/>
-            <a:extrusionClr>
-              <a:srgbClr val="F7C62B"/>
-            </a:extrusionClr>
-          </a:sp3d>
-        </p:spPr>
-        <p:txBody>
-          <a:bodyPr wrap="none" anchor="ctr">
-            <a:flatTx/>
-          </a:bodyPr>
-          <a:lstStyle/>
-          <a:p>
-            <a:endParaRPr lang="es-ES"/>
           </a:p>
         </p:txBody>
       </p:sp>
@@ -22203,6 +22694,888 @@
       </p:grpSpPr>
       <p:sp>
         <p:nvSpPr>
+          <p:cNvPr id="8" name="7 Marcador de contenido"/>
+          <p:cNvSpPr>
+            <a:spLocks noGrp="1"/>
+          </p:cNvSpPr>
+          <p:nvPr>
+            <p:ph/>
+          </p:nvPr>
+        </p:nvSpPr>
+        <p:spPr>
+          <a:xfrm>
+            <a:off x="500034" y="357166"/>
+            <a:ext cx="8229600" cy="5214974"/>
+          </a:xfrm>
+          <a:ln>
+            <a:noFill/>
+          </a:ln>
+        </p:spPr>
+        <p:txBody>
+          <a:bodyPr/>
+          <a:lstStyle/>
+          <a:p>
+            <a:endParaRPr lang="es-ES" dirty="0" smtClean="0"/>
+          </a:p>
+          <a:p>
+            <a:pPr>
+              <a:buFont typeface="Wingdings" pitchFamily="2" charset="2"/>
+              <a:buChar char="q"/>
+            </a:pPr>
+            <a:r>
+              <a:rPr lang="es-ES" sz="2400" b="1" dirty="0" smtClean="0">
+                <a:solidFill>
+                  <a:srgbClr val="FDF49B"/>
+                </a:solidFill>
+                <a:effectLst>
+                  <a:outerShdw blurRad="38100" dist="38100" dir="2700000" algn="tl">
+                    <a:srgbClr val="000000"/>
+                  </a:outerShdw>
+                </a:effectLst>
+                <a:latin typeface="Tahoma" charset="0"/>
+              </a:rPr>
+              <a:t>Líneas futuras</a:t>
+            </a:r>
+          </a:p>
+          <a:p>
+            <a:pPr>
+              <a:buFont typeface="Wingdings" pitchFamily="2" charset="2"/>
+              <a:buChar char="q"/>
+            </a:pPr>
+            <a:endParaRPr lang="es-ES" sz="2400" b="1" dirty="0" smtClean="0">
+              <a:solidFill>
+                <a:srgbClr val="FDF49B"/>
+              </a:solidFill>
+              <a:effectLst>
+                <a:outerShdw blurRad="38100" dist="38100" dir="2700000" algn="tl">
+                  <a:srgbClr val="000000"/>
+                </a:outerShdw>
+              </a:effectLst>
+              <a:latin typeface="Tahoma" charset="0"/>
+            </a:endParaRPr>
+          </a:p>
+          <a:p>
+            <a:pPr>
+              <a:buFont typeface="Wingdings" pitchFamily="2" charset="2"/>
+              <a:buChar char="q"/>
+            </a:pPr>
+            <a:endParaRPr lang="es-ES" sz="2400" b="1" dirty="0" smtClean="0">
+              <a:solidFill>
+                <a:srgbClr val="FDF49B"/>
+              </a:solidFill>
+              <a:effectLst>
+                <a:outerShdw blurRad="38100" dist="38100" dir="2700000" algn="tl">
+                  <a:srgbClr val="000000"/>
+                </a:outerShdw>
+              </a:effectLst>
+              <a:latin typeface="Tahoma" charset="0"/>
+            </a:endParaRPr>
+          </a:p>
+        </p:txBody>
+      </p:sp>
+      <p:sp>
+        <p:nvSpPr>
+          <p:cNvPr id="2" name="1 Marcador de número de diapositiva"/>
+          <p:cNvSpPr>
+            <a:spLocks noGrp="1"/>
+          </p:cNvSpPr>
+          <p:nvPr>
+            <p:ph type="sldNum" sz="quarter" idx="10"/>
+          </p:nvPr>
+        </p:nvSpPr>
+        <p:spPr/>
+        <p:txBody>
+          <a:bodyPr/>
+          <a:lstStyle/>
+          <a:p>
+            <a:fld id="{B0D112A2-4364-4341-AD5C-73B6769FC2B0}" type="slidenum">
+              <a:rPr lang="es-ES" smtClean="0"/>
+              <a:pPr/>
+              <a:t>28</a:t>
+            </a:fld>
+            <a:endParaRPr lang="es-ES"/>
+          </a:p>
+        </p:txBody>
+      </p:sp>
+      <p:sp>
+        <p:nvSpPr>
+          <p:cNvPr id="3" name="2 Título"/>
+          <p:cNvSpPr>
+            <a:spLocks noGrp="1"/>
+          </p:cNvSpPr>
+          <p:nvPr>
+            <p:ph type="title" idx="4294967295"/>
+          </p:nvPr>
+        </p:nvSpPr>
+        <p:spPr>
+          <a:xfrm>
+            <a:off x="0" y="142852"/>
+            <a:ext cx="8229600" cy="714380"/>
+          </a:xfrm>
+        </p:spPr>
+        <p:txBody>
+          <a:bodyPr>
+            <a:noAutofit/>
+          </a:bodyPr>
+          <a:lstStyle/>
+          <a:p>
+            <a:r>
+              <a:rPr lang="es-ES" sz="4000" dirty="0" smtClean="0">
+                <a:solidFill>
+                  <a:schemeClr val="tx1"/>
+                </a:solidFill>
+                <a:latin typeface="Tahoma" pitchFamily="34" charset="0"/>
+                <a:cs typeface="Tahoma" pitchFamily="34" charset="0"/>
+              </a:rPr>
+              <a:t/>
+            </a:r>
+            <a:br>
+              <a:rPr lang="es-ES" sz="4000" dirty="0" smtClean="0">
+                <a:solidFill>
+                  <a:schemeClr val="tx1"/>
+                </a:solidFill>
+                <a:latin typeface="Tahoma" pitchFamily="34" charset="0"/>
+                <a:cs typeface="Tahoma" pitchFamily="34" charset="0"/>
+              </a:rPr>
+            </a:br>
+            <a:r>
+              <a:rPr lang="es-ES" sz="4000" dirty="0" smtClean="0">
+                <a:solidFill>
+                  <a:schemeClr val="tx1"/>
+                </a:solidFill>
+                <a:latin typeface="Tahoma" pitchFamily="34" charset="0"/>
+                <a:cs typeface="Tahoma" pitchFamily="34" charset="0"/>
+              </a:rPr>
+              <a:t> </a:t>
+            </a:r>
+            <a:r>
+              <a:rPr lang="es-ES" sz="4000" dirty="0" smtClean="0">
+                <a:solidFill>
+                  <a:schemeClr val="tx1"/>
+                </a:solidFill>
+                <a:latin typeface="Times" pitchFamily="18" charset="0"/>
+                <a:cs typeface="Tahoma" pitchFamily="34" charset="0"/>
+              </a:rPr>
+              <a:t>Conclusiones y líneas futuras</a:t>
+            </a:r>
+            <a:r>
+              <a:rPr lang="es-ES" sz="4800" dirty="0" smtClean="0">
+                <a:solidFill>
+                  <a:schemeClr val="tx1"/>
+                </a:solidFill>
+                <a:latin typeface="Times" pitchFamily="18" charset="0"/>
+                <a:cs typeface="Tahoma" pitchFamily="34" charset="0"/>
+              </a:rPr>
+              <a:t/>
+            </a:r>
+            <a:br>
+              <a:rPr lang="es-ES" sz="4800" dirty="0" smtClean="0">
+                <a:solidFill>
+                  <a:schemeClr val="tx1"/>
+                </a:solidFill>
+                <a:latin typeface="Times" pitchFamily="18" charset="0"/>
+                <a:cs typeface="Tahoma" pitchFamily="34" charset="0"/>
+              </a:rPr>
+            </a:br>
+            <a:endParaRPr lang="es-ES" sz="4800" dirty="0">
+              <a:solidFill>
+                <a:schemeClr val="tx1"/>
+              </a:solidFill>
+              <a:latin typeface="Times" pitchFamily="18" charset="0"/>
+              <a:cs typeface="Tahoma" pitchFamily="34" charset="0"/>
+            </a:endParaRPr>
+          </a:p>
+        </p:txBody>
+      </p:sp>
+      <p:cxnSp>
+        <p:nvCxnSpPr>
+          <p:cNvPr id="10" name="9 Conector recto"/>
+          <p:cNvCxnSpPr/>
+          <p:nvPr/>
+        </p:nvCxnSpPr>
+        <p:spPr>
+          <a:xfrm>
+            <a:off x="714348" y="857232"/>
+            <a:ext cx="7429552" cy="1588"/>
+          </a:xfrm>
+          <a:prstGeom prst="line">
+            <a:avLst/>
+          </a:prstGeom>
+          <a:ln w="12700">
+            <a:solidFill>
+              <a:schemeClr val="tx1"/>
+            </a:solidFill>
+          </a:ln>
+        </p:spPr>
+        <p:style>
+          <a:lnRef idx="1">
+            <a:schemeClr val="accent1"/>
+          </a:lnRef>
+          <a:fillRef idx="0">
+            <a:schemeClr val="accent1"/>
+          </a:fillRef>
+          <a:effectRef idx="0">
+            <a:schemeClr val="accent1"/>
+          </a:effectRef>
+          <a:fontRef idx="minor">
+            <a:schemeClr val="tx1"/>
+          </a:fontRef>
+        </p:style>
+      </p:cxnSp>
+      <p:sp>
+        <p:nvSpPr>
+          <p:cNvPr id="6" name="Text Box 5"/>
+          <p:cNvSpPr txBox="1">
+            <a:spLocks noChangeArrowheads="1"/>
+          </p:cNvSpPr>
+          <p:nvPr/>
+        </p:nvSpPr>
+        <p:spPr bwMode="auto">
+          <a:xfrm>
+            <a:off x="857224" y="1643050"/>
+            <a:ext cx="3929090" cy="461665"/>
+          </a:xfrm>
+          <a:prstGeom prst="rect">
+            <a:avLst/>
+          </a:prstGeom>
+          <a:noFill/>
+          <a:ln w="9525">
+            <a:noFill/>
+            <a:miter lim="800000"/>
+            <a:headEnd/>
+            <a:tailEnd/>
+          </a:ln>
+          <a:effectLst/>
+        </p:spPr>
+        <p:txBody>
+          <a:bodyPr wrap="square">
+            <a:spAutoFit/>
+          </a:bodyPr>
+          <a:lstStyle/>
+          <a:p>
+            <a:pPr>
+              <a:spcBef>
+                <a:spcPct val="0"/>
+              </a:spcBef>
+            </a:pPr>
+            <a:r>
+              <a:rPr lang="es-ES" sz="2400" dirty="0" smtClean="0">
+                <a:effectLst/>
+                <a:latin typeface="Times New Roman" charset="0"/>
+              </a:rPr>
+              <a:t>- </a:t>
+            </a:r>
+            <a:r>
+              <a:rPr lang="es-ES" sz="1800" b="1" dirty="0" smtClean="0">
+                <a:effectLst/>
+                <a:latin typeface="Arial" charset="0"/>
+              </a:rPr>
+              <a:t>Aumentar inmersión del usuario</a:t>
+            </a:r>
+            <a:endParaRPr lang="es-ES" sz="1600" b="1" dirty="0">
+              <a:effectLst/>
+              <a:latin typeface="Times New Roman" charset="0"/>
+            </a:endParaRPr>
+          </a:p>
+        </p:txBody>
+      </p:sp>
+      <p:sp>
+        <p:nvSpPr>
+          <p:cNvPr id="7" name="Text Box 5"/>
+          <p:cNvSpPr txBox="1">
+            <a:spLocks noChangeArrowheads="1"/>
+          </p:cNvSpPr>
+          <p:nvPr/>
+        </p:nvSpPr>
+        <p:spPr bwMode="auto">
+          <a:xfrm>
+            <a:off x="857224" y="3071810"/>
+            <a:ext cx="4857784" cy="461665"/>
+          </a:xfrm>
+          <a:prstGeom prst="rect">
+            <a:avLst/>
+          </a:prstGeom>
+          <a:noFill/>
+          <a:ln w="9525">
+            <a:noFill/>
+            <a:miter lim="800000"/>
+            <a:headEnd/>
+            <a:tailEnd/>
+          </a:ln>
+          <a:effectLst/>
+        </p:spPr>
+        <p:txBody>
+          <a:bodyPr wrap="square">
+            <a:spAutoFit/>
+          </a:bodyPr>
+          <a:lstStyle/>
+          <a:p>
+            <a:pPr>
+              <a:spcBef>
+                <a:spcPct val="0"/>
+              </a:spcBef>
+            </a:pPr>
+            <a:r>
+              <a:rPr lang="es-ES" sz="2400" dirty="0">
+                <a:effectLst/>
+                <a:latin typeface="Times New Roman" charset="0"/>
+              </a:rPr>
+              <a:t>- </a:t>
+            </a:r>
+            <a:r>
+              <a:rPr lang="es-ES" sz="1800" b="1" dirty="0" smtClean="0">
+                <a:effectLst/>
+                <a:latin typeface="Arial" charset="0"/>
+              </a:rPr>
+              <a:t>Incrementar interactividad entre objetos</a:t>
+            </a:r>
+            <a:endParaRPr lang="es-ES" sz="1600" b="1" dirty="0">
+              <a:effectLst/>
+              <a:latin typeface="Times New Roman" charset="0"/>
+            </a:endParaRPr>
+          </a:p>
+        </p:txBody>
+      </p:sp>
+      <p:sp>
+        <p:nvSpPr>
+          <p:cNvPr id="9" name="8 Flecha derecha"/>
+          <p:cNvSpPr/>
+          <p:nvPr/>
+        </p:nvSpPr>
+        <p:spPr>
+          <a:xfrm>
+            <a:off x="4714876" y="1785926"/>
+            <a:ext cx="500066" cy="214314"/>
+          </a:xfrm>
+          <a:prstGeom prst="rightArrow">
+            <a:avLst/>
+          </a:prstGeom>
+          <a:solidFill>
+            <a:srgbClr val="FDF49B"/>
+          </a:solidFill>
+        </p:spPr>
+        <p:style>
+          <a:lnRef idx="2">
+            <a:schemeClr val="accent1">
+              <a:shade val="50000"/>
+            </a:schemeClr>
+          </a:lnRef>
+          <a:fillRef idx="1">
+            <a:schemeClr val="accent1"/>
+          </a:fillRef>
+          <a:effectRef idx="0">
+            <a:schemeClr val="accent1"/>
+          </a:effectRef>
+          <a:fontRef idx="minor">
+            <a:schemeClr val="lt1"/>
+          </a:fontRef>
+        </p:style>
+        <p:txBody>
+          <a:bodyPr rtlCol="0" anchor="ctr"/>
+          <a:lstStyle/>
+          <a:p>
+            <a:pPr algn="ctr"/>
+            <a:endParaRPr lang="es-ES" dirty="0"/>
+          </a:p>
+        </p:txBody>
+      </p:sp>
+      <p:sp>
+        <p:nvSpPr>
+          <p:cNvPr id="11" name="Text Box 5"/>
+          <p:cNvSpPr txBox="1">
+            <a:spLocks noChangeArrowheads="1"/>
+          </p:cNvSpPr>
+          <p:nvPr/>
+        </p:nvSpPr>
+        <p:spPr bwMode="auto">
+          <a:xfrm>
+            <a:off x="5500694" y="1214422"/>
+            <a:ext cx="2839239" cy="369332"/>
+          </a:xfrm>
+          <a:prstGeom prst="rect">
+            <a:avLst/>
+          </a:prstGeom>
+          <a:noFill/>
+          <a:ln w="9525">
+            <a:noFill/>
+            <a:miter lim="800000"/>
+            <a:headEnd/>
+            <a:tailEnd/>
+          </a:ln>
+          <a:effectLst/>
+        </p:spPr>
+        <p:txBody>
+          <a:bodyPr wrap="none">
+            <a:spAutoFit/>
+          </a:bodyPr>
+          <a:lstStyle/>
+          <a:p>
+            <a:pPr>
+              <a:spcBef>
+                <a:spcPct val="0"/>
+              </a:spcBef>
+            </a:pPr>
+            <a:r>
+              <a:rPr lang="es-ES" sz="1800" b="1" dirty="0" smtClean="0">
+                <a:effectLst/>
+                <a:latin typeface="Arial" charset="0"/>
+              </a:rPr>
+              <a:t>Involucrar más sentidos</a:t>
+            </a:r>
+            <a:endParaRPr lang="es-ES" sz="1600" b="1" dirty="0">
+              <a:effectLst/>
+              <a:latin typeface="Times New Roman" charset="0"/>
+            </a:endParaRPr>
+          </a:p>
+        </p:txBody>
+      </p:sp>
+      <p:sp>
+        <p:nvSpPr>
+          <p:cNvPr id="14" name="Text Box 5"/>
+          <p:cNvSpPr txBox="1">
+            <a:spLocks noChangeArrowheads="1"/>
+          </p:cNvSpPr>
+          <p:nvPr/>
+        </p:nvSpPr>
+        <p:spPr bwMode="auto">
+          <a:xfrm>
+            <a:off x="5500694" y="1714488"/>
+            <a:ext cx="3313728" cy="369332"/>
+          </a:xfrm>
+          <a:prstGeom prst="rect">
+            <a:avLst/>
+          </a:prstGeom>
+          <a:noFill/>
+          <a:ln w="9525">
+            <a:noFill/>
+            <a:miter lim="800000"/>
+            <a:headEnd/>
+            <a:tailEnd/>
+          </a:ln>
+          <a:effectLst/>
+        </p:spPr>
+        <p:txBody>
+          <a:bodyPr wrap="none">
+            <a:spAutoFit/>
+          </a:bodyPr>
+          <a:lstStyle/>
+          <a:p>
+            <a:pPr>
+              <a:spcBef>
+                <a:spcPct val="0"/>
+              </a:spcBef>
+            </a:pPr>
+            <a:r>
+              <a:rPr lang="es-ES" sz="1800" b="1" dirty="0" smtClean="0">
+                <a:effectLst/>
+                <a:latin typeface="Arial" charset="0"/>
+              </a:rPr>
+              <a:t>Experimentación simultanea</a:t>
+            </a:r>
+            <a:endParaRPr lang="es-ES" sz="1600" b="1" dirty="0">
+              <a:effectLst/>
+              <a:latin typeface="Times New Roman" charset="0"/>
+            </a:endParaRPr>
+          </a:p>
+        </p:txBody>
+      </p:sp>
+      <p:sp>
+        <p:nvSpPr>
+          <p:cNvPr id="15" name="14 Flecha derecha"/>
+          <p:cNvSpPr/>
+          <p:nvPr/>
+        </p:nvSpPr>
+        <p:spPr>
+          <a:xfrm>
+            <a:off x="5572132" y="3214686"/>
+            <a:ext cx="500066" cy="214314"/>
+          </a:xfrm>
+          <a:prstGeom prst="rightArrow">
+            <a:avLst/>
+          </a:prstGeom>
+          <a:solidFill>
+            <a:srgbClr val="FDF49B"/>
+          </a:solidFill>
+        </p:spPr>
+        <p:style>
+          <a:lnRef idx="2">
+            <a:schemeClr val="accent1">
+              <a:shade val="50000"/>
+            </a:schemeClr>
+          </a:lnRef>
+          <a:fillRef idx="1">
+            <a:schemeClr val="accent1"/>
+          </a:fillRef>
+          <a:effectRef idx="0">
+            <a:schemeClr val="accent1"/>
+          </a:effectRef>
+          <a:fontRef idx="minor">
+            <a:schemeClr val="lt1"/>
+          </a:fontRef>
+        </p:style>
+        <p:txBody>
+          <a:bodyPr rtlCol="0" anchor="ctr"/>
+          <a:lstStyle/>
+          <a:p>
+            <a:pPr algn="ctr"/>
+            <a:endParaRPr lang="es-ES" dirty="0"/>
+          </a:p>
+        </p:txBody>
+      </p:sp>
+      <p:sp>
+        <p:nvSpPr>
+          <p:cNvPr id="16" name="Text Box 5"/>
+          <p:cNvSpPr txBox="1">
+            <a:spLocks noChangeArrowheads="1"/>
+          </p:cNvSpPr>
+          <p:nvPr/>
+        </p:nvSpPr>
+        <p:spPr bwMode="auto">
+          <a:xfrm>
+            <a:off x="6072198" y="3143248"/>
+            <a:ext cx="2928926" cy="369332"/>
+          </a:xfrm>
+          <a:prstGeom prst="rect">
+            <a:avLst/>
+          </a:prstGeom>
+          <a:noFill/>
+          <a:ln w="9525">
+            <a:noFill/>
+            <a:miter lim="800000"/>
+            <a:headEnd/>
+            <a:tailEnd/>
+          </a:ln>
+          <a:effectLst/>
+        </p:spPr>
+        <p:txBody>
+          <a:bodyPr wrap="square">
+            <a:spAutoFit/>
+          </a:bodyPr>
+          <a:lstStyle/>
+          <a:p>
+            <a:pPr>
+              <a:spcBef>
+                <a:spcPct val="0"/>
+              </a:spcBef>
+            </a:pPr>
+            <a:r>
+              <a:rPr lang="es-ES" sz="1800" b="1" dirty="0" smtClean="0">
+                <a:effectLst/>
+                <a:latin typeface="Arial" charset="0"/>
+              </a:rPr>
+              <a:t>Colisiones encadenadas</a:t>
+            </a:r>
+            <a:endParaRPr lang="es-ES" sz="1600" b="1" dirty="0">
+              <a:effectLst/>
+              <a:latin typeface="Times New Roman" charset="0"/>
+            </a:endParaRPr>
+          </a:p>
+        </p:txBody>
+      </p:sp>
+      <p:sp>
+        <p:nvSpPr>
+          <p:cNvPr id="17" name="Text Box 5"/>
+          <p:cNvSpPr txBox="1">
+            <a:spLocks noChangeArrowheads="1"/>
+          </p:cNvSpPr>
+          <p:nvPr/>
+        </p:nvSpPr>
+        <p:spPr bwMode="auto">
+          <a:xfrm>
+            <a:off x="857224" y="4071942"/>
+            <a:ext cx="4643470" cy="461665"/>
+          </a:xfrm>
+          <a:prstGeom prst="rect">
+            <a:avLst/>
+          </a:prstGeom>
+          <a:noFill/>
+          <a:ln w="9525">
+            <a:noFill/>
+            <a:miter lim="800000"/>
+            <a:headEnd/>
+            <a:tailEnd/>
+          </a:ln>
+          <a:effectLst/>
+        </p:spPr>
+        <p:txBody>
+          <a:bodyPr wrap="square">
+            <a:spAutoFit/>
+          </a:bodyPr>
+          <a:lstStyle/>
+          <a:p>
+            <a:pPr>
+              <a:spcBef>
+                <a:spcPct val="0"/>
+              </a:spcBef>
+            </a:pPr>
+            <a:r>
+              <a:rPr lang="es-ES" sz="2400" dirty="0">
+                <a:effectLst/>
+                <a:latin typeface="Times New Roman" charset="0"/>
+              </a:rPr>
+              <a:t>- </a:t>
+            </a:r>
+            <a:r>
+              <a:rPr lang="es-ES" sz="1800" b="1" dirty="0" smtClean="0">
+                <a:effectLst/>
+                <a:latin typeface="Arial" charset="0"/>
+              </a:rPr>
+              <a:t>Impresión más realista de los mundos</a:t>
+            </a:r>
+            <a:endParaRPr lang="es-ES" sz="1600" b="1" dirty="0">
+              <a:effectLst/>
+              <a:latin typeface="Times New Roman" charset="0"/>
+            </a:endParaRPr>
+          </a:p>
+        </p:txBody>
+      </p:sp>
+      <p:sp>
+        <p:nvSpPr>
+          <p:cNvPr id="18" name="17 Flecha derecha"/>
+          <p:cNvSpPr/>
+          <p:nvPr/>
+        </p:nvSpPr>
+        <p:spPr>
+          <a:xfrm>
+            <a:off x="5429256" y="4214818"/>
+            <a:ext cx="500066" cy="214314"/>
+          </a:xfrm>
+          <a:prstGeom prst="rightArrow">
+            <a:avLst/>
+          </a:prstGeom>
+          <a:solidFill>
+            <a:srgbClr val="FDF49B"/>
+          </a:solidFill>
+        </p:spPr>
+        <p:style>
+          <a:lnRef idx="2">
+            <a:schemeClr val="accent1">
+              <a:shade val="50000"/>
+            </a:schemeClr>
+          </a:lnRef>
+          <a:fillRef idx="1">
+            <a:schemeClr val="accent1"/>
+          </a:fillRef>
+          <a:effectRef idx="0">
+            <a:schemeClr val="accent1"/>
+          </a:effectRef>
+          <a:fontRef idx="minor">
+            <a:schemeClr val="lt1"/>
+          </a:fontRef>
+        </p:style>
+        <p:txBody>
+          <a:bodyPr rtlCol="0" anchor="ctr"/>
+          <a:lstStyle/>
+          <a:p>
+            <a:pPr algn="ctr"/>
+            <a:endParaRPr lang="es-ES" dirty="0"/>
+          </a:p>
+        </p:txBody>
+      </p:sp>
+      <p:sp>
+        <p:nvSpPr>
+          <p:cNvPr id="20" name="Text Box 5"/>
+          <p:cNvSpPr txBox="1">
+            <a:spLocks noChangeArrowheads="1"/>
+          </p:cNvSpPr>
+          <p:nvPr/>
+        </p:nvSpPr>
+        <p:spPr bwMode="auto">
+          <a:xfrm>
+            <a:off x="6000760" y="4143380"/>
+            <a:ext cx="2928926" cy="369332"/>
+          </a:xfrm>
+          <a:prstGeom prst="rect">
+            <a:avLst/>
+          </a:prstGeom>
+          <a:noFill/>
+          <a:ln w="9525">
+            <a:noFill/>
+            <a:miter lim="800000"/>
+            <a:headEnd/>
+            <a:tailEnd/>
+          </a:ln>
+          <a:effectLst/>
+        </p:spPr>
+        <p:txBody>
+          <a:bodyPr wrap="square">
+            <a:spAutoFit/>
+          </a:bodyPr>
+          <a:lstStyle/>
+          <a:p>
+            <a:pPr>
+              <a:spcBef>
+                <a:spcPct val="0"/>
+              </a:spcBef>
+            </a:pPr>
+            <a:r>
+              <a:rPr lang="es-ES" sz="1800" b="1" dirty="0" err="1" smtClean="0">
+                <a:effectLst/>
+                <a:latin typeface="Arial" charset="0"/>
+              </a:rPr>
+              <a:t>OpenGL</a:t>
+            </a:r>
+            <a:r>
+              <a:rPr lang="es-ES" sz="1800" b="1" dirty="0" smtClean="0">
+                <a:effectLst/>
+                <a:latin typeface="Arial" charset="0"/>
+              </a:rPr>
+              <a:t> o </a:t>
+            </a:r>
+            <a:r>
+              <a:rPr lang="es-ES" sz="1800" b="1" dirty="0" err="1" smtClean="0">
+                <a:effectLst/>
+                <a:latin typeface="Arial" charset="0"/>
+              </a:rPr>
+              <a:t>DirectX</a:t>
+            </a:r>
+            <a:endParaRPr lang="es-ES" sz="1600" b="1" dirty="0">
+              <a:effectLst/>
+              <a:latin typeface="Times New Roman" charset="0"/>
+            </a:endParaRPr>
+          </a:p>
+        </p:txBody>
+      </p:sp>
+      <p:sp>
+        <p:nvSpPr>
+          <p:cNvPr id="21" name="Text Box 5"/>
+          <p:cNvSpPr txBox="1">
+            <a:spLocks noChangeArrowheads="1"/>
+          </p:cNvSpPr>
+          <p:nvPr/>
+        </p:nvSpPr>
+        <p:spPr bwMode="auto">
+          <a:xfrm>
+            <a:off x="5500694" y="2214554"/>
+            <a:ext cx="2617063" cy="369332"/>
+          </a:xfrm>
+          <a:prstGeom prst="rect">
+            <a:avLst/>
+          </a:prstGeom>
+          <a:noFill/>
+          <a:ln w="9525">
+            <a:noFill/>
+            <a:miter lim="800000"/>
+            <a:headEnd/>
+            <a:tailEnd/>
+          </a:ln>
+          <a:effectLst/>
+        </p:spPr>
+        <p:txBody>
+          <a:bodyPr wrap="none">
+            <a:spAutoFit/>
+          </a:bodyPr>
+          <a:lstStyle/>
+          <a:p>
+            <a:pPr>
+              <a:spcBef>
+                <a:spcPct val="0"/>
+              </a:spcBef>
+            </a:pPr>
+            <a:r>
+              <a:rPr lang="es-ES" sz="1800" b="1" dirty="0" smtClean="0">
+                <a:effectLst/>
+                <a:latin typeface="Arial" charset="0"/>
+              </a:rPr>
+              <a:t>Visión estereoscópica</a:t>
+            </a:r>
+            <a:endParaRPr lang="es-ES" sz="1600" b="1" dirty="0">
+              <a:effectLst/>
+              <a:latin typeface="Times New Roman" charset="0"/>
+            </a:endParaRPr>
+          </a:p>
+        </p:txBody>
+      </p:sp>
+      <p:sp>
+        <p:nvSpPr>
+          <p:cNvPr id="19" name="AutoShape 67"/>
+          <p:cNvSpPr>
+            <a:spLocks/>
+          </p:cNvSpPr>
+          <p:nvPr/>
+        </p:nvSpPr>
+        <p:spPr bwMode="auto">
+          <a:xfrm flipH="1">
+            <a:off x="5286380" y="1000108"/>
+            <a:ext cx="175988" cy="1785950"/>
+          </a:xfrm>
+          <a:prstGeom prst="leftBrace">
+            <a:avLst>
+              <a:gd name="adj1" fmla="val 83333"/>
+              <a:gd name="adj2" fmla="val 50000"/>
+            </a:avLst>
+          </a:prstGeom>
+          <a:noFill/>
+          <a:ln w="25400">
+            <a:solidFill>
+              <a:srgbClr val="F7C62B"/>
+            </a:solidFill>
+            <a:round/>
+            <a:headEnd/>
+            <a:tailEnd/>
+          </a:ln>
+          <a:effectLst/>
+          <a:scene3d>
+            <a:camera prst="legacyObliqueTopRight">
+              <a:rot lat="0" lon="10199978" rev="0"/>
+            </a:camera>
+            <a:lightRig rig="legacyFlat3" dir="b"/>
+          </a:scene3d>
+          <a:sp3d extrusionH="290500" prstMaterial="legacyMatte">
+            <a:bevelT w="13500" h="13500" prst="angle"/>
+            <a:bevelB w="13500" h="13500" prst="angle"/>
+            <a:extrusionClr>
+              <a:srgbClr val="F7C62B"/>
+            </a:extrusionClr>
+          </a:sp3d>
+        </p:spPr>
+        <p:txBody>
+          <a:bodyPr wrap="none" anchor="ctr">
+            <a:flatTx/>
+          </a:bodyPr>
+          <a:lstStyle/>
+          <a:p>
+            <a:endParaRPr lang="es-ES"/>
+          </a:p>
+        </p:txBody>
+      </p:sp>
+    </p:spTree>
+  </p:cSld>
+  <p:clrMapOvr>
+    <a:masterClrMapping/>
+  </p:clrMapOvr>
+  <p:transition>
+    <p:pull dir="d"/>
+  </p:transition>
+  <p:timing>
+    <p:tnLst>
+      <p:par>
+        <p:cTn id="1" dur="indefinite" restart="never" nodeType="tmRoot"/>
+      </p:par>
+    </p:tnLst>
+  </p:timing>
+</p:sld>
+</file>
+
+<file path=ppt/slides/slide29.xml><?xml version="1.0" encoding="utf-8"?>
+<p:sld xmlns:a="http://schemas.openxmlformats.org/drawingml/2006/main" xmlns:r="http://schemas.openxmlformats.org/officeDocument/2006/relationships" xmlns:p="http://schemas.openxmlformats.org/presentationml/2006/main">
+  <p:cSld>
+    <p:spTree>
+      <p:nvGrpSpPr>
+        <p:cNvPr id="1" name=""/>
+        <p:cNvGrpSpPr/>
+        <p:nvPr/>
+      </p:nvGrpSpPr>
+      <p:grpSpPr>
+        <a:xfrm>
+          <a:off x="0" y="0"/>
+          <a:ext cx="0" cy="0"/>
+          <a:chOff x="0" y="0"/>
+          <a:chExt cx="0" cy="0"/>
+        </a:xfrm>
+      </p:grpSpPr>
+      <p:sp>
+        <p:nvSpPr>
           <p:cNvPr id="7" name="1 Marcador de número de diapositiva"/>
           <p:cNvSpPr>
             <a:spLocks noGrp="1"/>
@@ -22219,7 +23592,7 @@
             <a:fld id="{74356AF7-1E40-4FCE-BD28-874FBE129575}" type="slidenum">
               <a:rPr lang="es-ES"/>
               <a:pPr/>
-              <a:t>28</a:t>
+              <a:t>29</a:t>
             </a:fld>
             <a:endParaRPr lang="es-ES"/>
           </a:p>
@@ -26552,6 +27925,1065 @@
           </a:fontRef>
         </p:style>
       </p:cxnSp>
+      <p:grpSp>
+        <p:nvGrpSpPr>
+          <p:cNvPr id="29" name="28 Grupo"/>
+          <p:cNvGrpSpPr/>
+          <p:nvPr/>
+        </p:nvGrpSpPr>
+        <p:grpSpPr>
+          <a:xfrm>
+            <a:off x="357158" y="3429000"/>
+            <a:ext cx="4321179" cy="1519658"/>
+            <a:chOff x="357158" y="3429000"/>
+            <a:chExt cx="4321179" cy="1519658"/>
+          </a:xfrm>
+        </p:grpSpPr>
+        <p:sp>
+          <p:nvSpPr>
+            <p:cNvPr id="14" name="13 Rectángulo"/>
+            <p:cNvSpPr/>
+            <p:nvPr/>
+          </p:nvSpPr>
+          <p:spPr>
+            <a:xfrm>
+              <a:off x="357158" y="3429000"/>
+              <a:ext cx="3415661" cy="858948"/>
+            </a:xfrm>
+            <a:prstGeom prst="rect">
+              <a:avLst/>
+            </a:prstGeom>
+            <a:noFill/>
+          </p:spPr>
+          <p:txBody>
+            <a:bodyPr wrap="square" lIns="91440" tIns="45720" rIns="91440" bIns="45720">
+              <a:spAutoFit/>
+            </a:bodyPr>
+            <a:lstStyle/>
+            <a:p>
+              <a:r>
+                <a:rPr lang="es-ES" sz="2400" dirty="0" smtClean="0">
+                  <a:ln w="18415" cmpd="sng">
+                    <a:solidFill>
+                      <a:srgbClr val="FFFFFF"/>
+                    </a:solidFill>
+                    <a:prstDash val="solid"/>
+                  </a:ln>
+                  <a:solidFill>
+                    <a:srgbClr val="FFFFFF"/>
+                  </a:solidFill>
+                  <a:effectLst>
+                    <a:outerShdw blurRad="63500" dir="3600000" algn="tl" rotWithShape="0">
+                      <a:srgbClr val="000000">
+                        <a:alpha val="70000"/>
+                      </a:srgbClr>
+                    </a:outerShdw>
+                  </a:effectLst>
+                </a:rPr>
+                <a:t>Técnicas </a:t>
+              </a:r>
+              <a:r>
+                <a:rPr lang="es-ES" sz="2400" dirty="0" err="1" smtClean="0">
+                  <a:ln w="18415" cmpd="sng">
+                    <a:solidFill>
+                      <a:srgbClr val="FFFFFF"/>
+                    </a:solidFill>
+                    <a:prstDash val="solid"/>
+                  </a:ln>
+                  <a:solidFill>
+                    <a:srgbClr val="FFFFFF"/>
+                  </a:solidFill>
+                  <a:effectLst>
+                    <a:outerShdw blurRad="63500" dir="3600000" algn="tl" rotWithShape="0">
+                      <a:srgbClr val="000000">
+                        <a:alpha val="70000"/>
+                      </a:srgbClr>
+                    </a:outerShdw>
+                  </a:effectLst>
+                </a:rPr>
+                <a:t>biofeedback</a:t>
+              </a:r>
+              <a:endParaRPr lang="es-ES" sz="2400" dirty="0" smtClean="0">
+                <a:ln w="18415" cmpd="sng">
+                  <a:solidFill>
+                    <a:srgbClr val="FFFFFF"/>
+                  </a:solidFill>
+                  <a:prstDash val="solid"/>
+                </a:ln>
+                <a:solidFill>
+                  <a:srgbClr val="FFFFFF"/>
+                </a:solidFill>
+                <a:effectLst>
+                  <a:outerShdw blurRad="63500" dir="3600000" algn="tl" rotWithShape="0">
+                    <a:srgbClr val="000000">
+                      <a:alpha val="70000"/>
+                    </a:srgbClr>
+                  </a:outerShdw>
+                </a:effectLst>
+              </a:endParaRPr>
+            </a:p>
+            <a:p>
+              <a:endParaRPr lang="es-ES" sz="3200" dirty="0">
+                <a:ln w="18415" cmpd="sng">
+                  <a:solidFill>
+                    <a:srgbClr val="FFFFFF"/>
+                  </a:solidFill>
+                  <a:prstDash val="solid"/>
+                </a:ln>
+                <a:solidFill>
+                  <a:srgbClr val="FFFFFF"/>
+                </a:solidFill>
+                <a:effectLst>
+                  <a:outerShdw blurRad="63500" dir="3600000" algn="tl" rotWithShape="0">
+                    <a:srgbClr val="000000">
+                      <a:alpha val="70000"/>
+                    </a:srgbClr>
+                  </a:outerShdw>
+                </a:effectLst>
+              </a:endParaRPr>
+            </a:p>
+          </p:txBody>
+        </p:sp>
+        <p:sp>
+          <p:nvSpPr>
+            <p:cNvPr id="17" name="Text Box 6"/>
+            <p:cNvSpPr txBox="1">
+              <a:spLocks noChangeArrowheads="1"/>
+            </p:cNvSpPr>
+            <p:nvPr/>
+          </p:nvSpPr>
+          <p:spPr bwMode="auto">
+            <a:xfrm>
+              <a:off x="857224" y="4000504"/>
+              <a:ext cx="2811463" cy="336550"/>
+            </a:xfrm>
+            <a:prstGeom prst="rect">
+              <a:avLst/>
+            </a:prstGeom>
+            <a:noFill/>
+            <a:ln w="9525">
+              <a:noFill/>
+              <a:miter lim="800000"/>
+              <a:headEnd/>
+              <a:tailEnd/>
+            </a:ln>
+            <a:effectLst/>
+          </p:spPr>
+          <p:txBody>
+            <a:bodyPr wrap="none">
+              <a:spAutoFit/>
+            </a:bodyPr>
+            <a:lstStyle/>
+            <a:p>
+              <a:pPr>
+                <a:spcBef>
+                  <a:spcPct val="0"/>
+                </a:spcBef>
+              </a:pPr>
+              <a:r>
+                <a:rPr lang="es-ES" sz="1600" dirty="0">
+                  <a:effectLst/>
+                  <a:latin typeface="Times New Roman" charset="0"/>
+                </a:rPr>
+                <a:t>- </a:t>
+              </a:r>
+              <a:r>
+                <a:rPr lang="es-ES" sz="1600" dirty="0">
+                  <a:effectLst/>
+                  <a:latin typeface="Arial" charset="0"/>
+                </a:rPr>
+                <a:t>Información proceso mental</a:t>
+              </a:r>
+            </a:p>
+          </p:txBody>
+        </p:sp>
+        <p:sp>
+          <p:nvSpPr>
+            <p:cNvPr id="18" name="Text Box 7"/>
+            <p:cNvSpPr txBox="1">
+              <a:spLocks noChangeArrowheads="1"/>
+            </p:cNvSpPr>
+            <p:nvPr/>
+          </p:nvSpPr>
+          <p:spPr bwMode="auto">
+            <a:xfrm>
+              <a:off x="876274" y="4305304"/>
+              <a:ext cx="3802063" cy="336550"/>
+            </a:xfrm>
+            <a:prstGeom prst="rect">
+              <a:avLst/>
+            </a:prstGeom>
+            <a:noFill/>
+            <a:ln w="9525">
+              <a:noFill/>
+              <a:miter lim="800000"/>
+              <a:headEnd/>
+              <a:tailEnd/>
+            </a:ln>
+            <a:effectLst/>
+          </p:spPr>
+          <p:txBody>
+            <a:bodyPr wrap="none">
+              <a:spAutoFit/>
+            </a:bodyPr>
+            <a:lstStyle/>
+            <a:p>
+              <a:pPr>
+                <a:spcBef>
+                  <a:spcPct val="0"/>
+                </a:spcBef>
+              </a:pPr>
+              <a:r>
+                <a:rPr lang="es-ES" sz="1600">
+                  <a:effectLst/>
+                  <a:latin typeface="Times New Roman" charset="0"/>
+                </a:rPr>
+                <a:t>- </a:t>
+              </a:r>
+              <a:r>
+                <a:rPr lang="es-ES" sz="1600">
+                  <a:effectLst/>
+                  <a:latin typeface="Arial" charset="0"/>
+                </a:rPr>
+                <a:t>Concentración, motivación e inmersión</a:t>
+              </a:r>
+            </a:p>
+          </p:txBody>
+        </p:sp>
+        <p:sp>
+          <p:nvSpPr>
+            <p:cNvPr id="19" name="Text Box 8"/>
+            <p:cNvSpPr txBox="1">
+              <a:spLocks noChangeArrowheads="1"/>
+            </p:cNvSpPr>
+            <p:nvPr/>
+          </p:nvSpPr>
+          <p:spPr bwMode="auto">
+            <a:xfrm>
+              <a:off x="866749" y="4610104"/>
+              <a:ext cx="1616148" cy="338554"/>
+            </a:xfrm>
+            <a:prstGeom prst="rect">
+              <a:avLst/>
+            </a:prstGeom>
+            <a:noFill/>
+            <a:ln w="9525">
+              <a:noFill/>
+              <a:miter lim="800000"/>
+              <a:headEnd/>
+              <a:tailEnd/>
+            </a:ln>
+            <a:effectLst/>
+          </p:spPr>
+          <p:txBody>
+            <a:bodyPr wrap="none">
+              <a:spAutoFit/>
+            </a:bodyPr>
+            <a:lstStyle/>
+            <a:p>
+              <a:pPr>
+                <a:spcBef>
+                  <a:spcPct val="0"/>
+                </a:spcBef>
+              </a:pPr>
+              <a:r>
+                <a:rPr lang="es-ES" sz="1600" dirty="0">
+                  <a:effectLst/>
+                  <a:latin typeface="Times New Roman" charset="0"/>
+                </a:rPr>
+                <a:t>- </a:t>
+              </a:r>
+              <a:r>
+                <a:rPr lang="es-ES" sz="1600" dirty="0" smtClean="0">
+                  <a:effectLst/>
+                  <a:latin typeface="Arial" charset="0"/>
+                </a:rPr>
+                <a:t>Impacto visual</a:t>
+              </a:r>
+              <a:endParaRPr lang="es-ES" sz="1600" dirty="0">
+                <a:effectLst/>
+                <a:latin typeface="Arial" charset="0"/>
+              </a:endParaRPr>
+            </a:p>
+          </p:txBody>
+        </p:sp>
+      </p:grpSp>
+      <p:grpSp>
+        <p:nvGrpSpPr>
+          <p:cNvPr id="28" name="27 Grupo"/>
+          <p:cNvGrpSpPr/>
+          <p:nvPr/>
+        </p:nvGrpSpPr>
+        <p:grpSpPr>
+          <a:xfrm>
+            <a:off x="4429124" y="1071546"/>
+            <a:ext cx="5929354" cy="1767314"/>
+            <a:chOff x="4429124" y="1071546"/>
+            <a:chExt cx="5929354" cy="1767314"/>
+          </a:xfrm>
+        </p:grpSpPr>
+        <p:sp>
+          <p:nvSpPr>
+            <p:cNvPr id="6" name="Text Box 14"/>
+            <p:cNvSpPr txBox="1">
+              <a:spLocks noChangeArrowheads="1"/>
+            </p:cNvSpPr>
+            <p:nvPr/>
+          </p:nvSpPr>
+          <p:spPr bwMode="auto">
+            <a:xfrm>
+              <a:off x="6357950" y="1928802"/>
+              <a:ext cx="2643206" cy="338554"/>
+            </a:xfrm>
+            <a:prstGeom prst="rect">
+              <a:avLst/>
+            </a:prstGeom>
+            <a:noFill/>
+            <a:ln w="9525">
+              <a:noFill/>
+              <a:miter lim="800000"/>
+              <a:headEnd/>
+              <a:tailEnd/>
+            </a:ln>
+            <a:effectLst/>
+          </p:spPr>
+          <p:txBody>
+            <a:bodyPr wrap="square">
+              <a:spAutoFit/>
+            </a:bodyPr>
+            <a:lstStyle/>
+            <a:p>
+              <a:pPr>
+                <a:spcBef>
+                  <a:spcPct val="0"/>
+                </a:spcBef>
+              </a:pPr>
+              <a:r>
+                <a:rPr lang="es-ES" sz="1600" dirty="0" smtClean="0">
+                  <a:effectLst/>
+                  <a:latin typeface="Arial" charset="0"/>
+                </a:rPr>
+                <a:t>Adaptación de usuario</a:t>
+              </a:r>
+              <a:endParaRPr lang="es-ES" sz="1600" dirty="0">
+                <a:effectLst/>
+                <a:latin typeface="Arial" charset="0"/>
+              </a:endParaRPr>
+            </a:p>
+          </p:txBody>
+        </p:sp>
+        <p:sp>
+          <p:nvSpPr>
+            <p:cNvPr id="9" name="Text Box 14"/>
+            <p:cNvSpPr txBox="1">
+              <a:spLocks noChangeArrowheads="1"/>
+            </p:cNvSpPr>
+            <p:nvPr/>
+          </p:nvSpPr>
+          <p:spPr bwMode="auto">
+            <a:xfrm>
+              <a:off x="6357950" y="2214554"/>
+              <a:ext cx="4000528" cy="338554"/>
+            </a:xfrm>
+            <a:prstGeom prst="rect">
+              <a:avLst/>
+            </a:prstGeom>
+            <a:noFill/>
+            <a:ln w="9525">
+              <a:noFill/>
+              <a:miter lim="800000"/>
+              <a:headEnd/>
+              <a:tailEnd/>
+            </a:ln>
+            <a:effectLst/>
+          </p:spPr>
+          <p:txBody>
+            <a:bodyPr wrap="square">
+              <a:spAutoFit/>
+            </a:bodyPr>
+            <a:lstStyle/>
+            <a:p>
+              <a:pPr>
+                <a:spcBef>
+                  <a:spcPct val="0"/>
+                </a:spcBef>
+              </a:pPr>
+              <a:r>
+                <a:rPr lang="es-ES" sz="1600" dirty="0" smtClean="0">
+                  <a:effectLst/>
+                  <a:latin typeface="Arial" charset="0"/>
+                </a:rPr>
+                <a:t>Evitar frustración, cansancio </a:t>
+              </a:r>
+              <a:endParaRPr lang="es-ES" sz="1600" dirty="0">
+                <a:effectLst/>
+                <a:latin typeface="Arial" charset="0"/>
+              </a:endParaRPr>
+            </a:p>
+          </p:txBody>
+        </p:sp>
+        <p:sp>
+          <p:nvSpPr>
+            <p:cNvPr id="11" name="10 Flecha derecha"/>
+            <p:cNvSpPr/>
+            <p:nvPr/>
+          </p:nvSpPr>
+          <p:spPr>
+            <a:xfrm>
+              <a:off x="4429124" y="1643050"/>
+              <a:ext cx="857256" cy="785818"/>
+            </a:xfrm>
+            <a:prstGeom prst="rightArrow">
+              <a:avLst/>
+            </a:prstGeom>
+            <a:solidFill>
+              <a:srgbClr val="FFC000"/>
+            </a:solidFill>
+          </p:spPr>
+          <p:style>
+            <a:lnRef idx="2">
+              <a:schemeClr val="accent1">
+                <a:shade val="50000"/>
+              </a:schemeClr>
+            </a:lnRef>
+            <a:fillRef idx="1">
+              <a:schemeClr val="accent1"/>
+            </a:fillRef>
+            <a:effectRef idx="0">
+              <a:schemeClr val="accent1"/>
+            </a:effectRef>
+            <a:fontRef idx="minor">
+              <a:schemeClr val="lt1"/>
+            </a:fontRef>
+          </p:style>
+          <p:txBody>
+            <a:bodyPr rtlCol="0" anchor="ctr"/>
+            <a:lstStyle/>
+            <a:p>
+              <a:pPr algn="ctr"/>
+              <a:endParaRPr lang="es-ES"/>
+            </a:p>
+          </p:txBody>
+        </p:sp>
+        <p:sp>
+          <p:nvSpPr>
+            <p:cNvPr id="13" name="Text Box 14"/>
+            <p:cNvSpPr txBox="1">
+              <a:spLocks noChangeArrowheads="1"/>
+            </p:cNvSpPr>
+            <p:nvPr/>
+          </p:nvSpPr>
+          <p:spPr bwMode="auto">
+            <a:xfrm>
+              <a:off x="6357950" y="2500306"/>
+              <a:ext cx="3000364" cy="338554"/>
+            </a:xfrm>
+            <a:prstGeom prst="rect">
+              <a:avLst/>
+            </a:prstGeom>
+            <a:noFill/>
+            <a:ln w="9525">
+              <a:noFill/>
+              <a:miter lim="800000"/>
+              <a:headEnd/>
+              <a:tailEnd/>
+            </a:ln>
+            <a:effectLst/>
+          </p:spPr>
+          <p:txBody>
+            <a:bodyPr wrap="square">
+              <a:spAutoFit/>
+            </a:bodyPr>
+            <a:lstStyle/>
+            <a:p>
+              <a:pPr>
+                <a:spcBef>
+                  <a:spcPct val="0"/>
+                </a:spcBef>
+              </a:pPr>
+              <a:r>
+                <a:rPr lang="es-ES" sz="1600" dirty="0" smtClean="0">
+                  <a:effectLst/>
+                  <a:latin typeface="Arial" charset="0"/>
+                </a:rPr>
+                <a:t>Reducir tiempo respuesta</a:t>
+              </a:r>
+              <a:endParaRPr lang="es-ES" sz="1600" dirty="0">
+                <a:effectLst/>
+                <a:latin typeface="Arial" charset="0"/>
+              </a:endParaRPr>
+            </a:p>
+          </p:txBody>
+        </p:sp>
+        <p:sp>
+          <p:nvSpPr>
+            <p:cNvPr id="20" name="Text Box 14"/>
+            <p:cNvSpPr txBox="1">
+              <a:spLocks noChangeArrowheads="1"/>
+            </p:cNvSpPr>
+            <p:nvPr/>
+          </p:nvSpPr>
+          <p:spPr bwMode="auto">
+            <a:xfrm>
+              <a:off x="4643406" y="1071546"/>
+              <a:ext cx="4500594" cy="830997"/>
+            </a:xfrm>
+            <a:prstGeom prst="rect">
+              <a:avLst/>
+            </a:prstGeom>
+            <a:noFill/>
+            <a:ln w="9525">
+              <a:noFill/>
+              <a:miter lim="800000"/>
+              <a:headEnd/>
+              <a:tailEnd/>
+            </a:ln>
+            <a:effectLst/>
+          </p:spPr>
+          <p:txBody>
+            <a:bodyPr wrap="square">
+              <a:spAutoFit/>
+            </a:bodyPr>
+            <a:lstStyle/>
+            <a:p>
+              <a:pPr algn="ctr">
+                <a:spcBef>
+                  <a:spcPct val="0"/>
+                </a:spcBef>
+              </a:pPr>
+              <a:r>
+                <a:rPr lang="es-ES" sz="2400" dirty="0" smtClean="0">
+                  <a:effectLst/>
+                  <a:latin typeface="Arial" charset="0"/>
+                </a:rPr>
+                <a:t>MEJORAR</a:t>
+              </a:r>
+            </a:p>
+            <a:p>
+              <a:pPr algn="ctr">
+                <a:spcBef>
+                  <a:spcPct val="0"/>
+                </a:spcBef>
+              </a:pPr>
+              <a:r>
+                <a:rPr lang="es-ES" sz="2400" dirty="0" smtClean="0">
+                  <a:effectLst/>
+                  <a:latin typeface="Arial" charset="0"/>
+                </a:rPr>
+                <a:t>ENTRENAMIENTO</a:t>
+              </a:r>
+              <a:endParaRPr lang="es-ES" sz="2400" dirty="0">
+                <a:effectLst/>
+                <a:latin typeface="Arial" charset="0"/>
+              </a:endParaRPr>
+            </a:p>
+          </p:txBody>
+        </p:sp>
+      </p:grpSp>
+      <p:grpSp>
+        <p:nvGrpSpPr>
+          <p:cNvPr id="27" name="26 Grupo"/>
+          <p:cNvGrpSpPr/>
+          <p:nvPr/>
+        </p:nvGrpSpPr>
+        <p:grpSpPr>
+          <a:xfrm>
+            <a:off x="857224" y="1643050"/>
+            <a:ext cx="3214710" cy="1083712"/>
+            <a:chOff x="857224" y="1643050"/>
+            <a:chExt cx="3214710" cy="1083712"/>
+          </a:xfrm>
+        </p:grpSpPr>
+        <p:sp>
+          <p:nvSpPr>
+            <p:cNvPr id="21" name="Text Box 14"/>
+            <p:cNvSpPr txBox="1">
+              <a:spLocks noChangeArrowheads="1"/>
+            </p:cNvSpPr>
+            <p:nvPr/>
+          </p:nvSpPr>
+          <p:spPr bwMode="auto">
+            <a:xfrm>
+              <a:off x="857224" y="1643050"/>
+              <a:ext cx="3214710" cy="369332"/>
+            </a:xfrm>
+            <a:prstGeom prst="rect">
+              <a:avLst/>
+            </a:prstGeom>
+            <a:noFill/>
+            <a:ln w="9525">
+              <a:noFill/>
+              <a:miter lim="800000"/>
+              <a:headEnd/>
+              <a:tailEnd/>
+            </a:ln>
+            <a:effectLst/>
+          </p:spPr>
+          <p:txBody>
+            <a:bodyPr wrap="square">
+              <a:spAutoFit/>
+            </a:bodyPr>
+            <a:lstStyle/>
+            <a:p>
+              <a:pPr>
+                <a:spcBef>
+                  <a:spcPct val="0"/>
+                </a:spcBef>
+              </a:pPr>
+              <a:r>
+                <a:rPr lang="es-ES" sz="1800" dirty="0" smtClean="0">
+                  <a:effectLst/>
+                  <a:latin typeface="Arial" charset="0"/>
+                </a:rPr>
+                <a:t>- Controlar actividad mental</a:t>
+              </a:r>
+              <a:endParaRPr lang="es-ES" sz="1800" dirty="0">
+                <a:effectLst/>
+                <a:latin typeface="Arial" charset="0"/>
+              </a:endParaRPr>
+            </a:p>
+          </p:txBody>
+        </p:sp>
+        <p:sp>
+          <p:nvSpPr>
+            <p:cNvPr id="22" name="Text Box 14"/>
+            <p:cNvSpPr txBox="1">
+              <a:spLocks noChangeArrowheads="1"/>
+            </p:cNvSpPr>
+            <p:nvPr/>
+          </p:nvSpPr>
+          <p:spPr bwMode="auto">
+            <a:xfrm>
+              <a:off x="857224" y="2000240"/>
+              <a:ext cx="2928958" cy="369332"/>
+            </a:xfrm>
+            <a:prstGeom prst="rect">
+              <a:avLst/>
+            </a:prstGeom>
+            <a:noFill/>
+            <a:ln w="9525">
+              <a:noFill/>
+              <a:miter lim="800000"/>
+              <a:headEnd/>
+              <a:tailEnd/>
+            </a:ln>
+            <a:effectLst/>
+          </p:spPr>
+          <p:txBody>
+            <a:bodyPr wrap="square">
+              <a:spAutoFit/>
+            </a:bodyPr>
+            <a:lstStyle/>
+            <a:p>
+              <a:pPr>
+                <a:spcBef>
+                  <a:spcPct val="0"/>
+                </a:spcBef>
+              </a:pPr>
+              <a:r>
+                <a:rPr lang="es-ES" sz="1800" dirty="0" smtClean="0">
+                  <a:effectLst/>
+                  <a:latin typeface="Arial" charset="0"/>
+                </a:rPr>
+                <a:t>- Usabilidad del sistema</a:t>
+              </a:r>
+              <a:endParaRPr lang="es-ES" sz="1800" dirty="0">
+                <a:effectLst/>
+                <a:latin typeface="Arial" charset="0"/>
+              </a:endParaRPr>
+            </a:p>
+          </p:txBody>
+        </p:sp>
+        <p:sp>
+          <p:nvSpPr>
+            <p:cNvPr id="23" name="Text Box 14"/>
+            <p:cNvSpPr txBox="1">
+              <a:spLocks noChangeArrowheads="1"/>
+            </p:cNvSpPr>
+            <p:nvPr/>
+          </p:nvSpPr>
+          <p:spPr bwMode="auto">
+            <a:xfrm>
+              <a:off x="857224" y="2357430"/>
+              <a:ext cx="2928958" cy="369332"/>
+            </a:xfrm>
+            <a:prstGeom prst="rect">
+              <a:avLst/>
+            </a:prstGeom>
+            <a:noFill/>
+            <a:ln w="9525">
+              <a:noFill/>
+              <a:miter lim="800000"/>
+              <a:headEnd/>
+              <a:tailEnd/>
+            </a:ln>
+            <a:effectLst/>
+          </p:spPr>
+          <p:txBody>
+            <a:bodyPr wrap="square">
+              <a:spAutoFit/>
+            </a:bodyPr>
+            <a:lstStyle/>
+            <a:p>
+              <a:pPr>
+                <a:spcBef>
+                  <a:spcPct val="0"/>
+                </a:spcBef>
+              </a:pPr>
+              <a:r>
+                <a:rPr lang="es-ES" sz="1800" dirty="0" smtClean="0">
+                  <a:effectLst/>
+                  <a:latin typeface="Arial" charset="0"/>
+                </a:rPr>
+                <a:t>- Aprendizaje no adecuado</a:t>
+              </a:r>
+              <a:endParaRPr lang="es-ES" sz="1800" dirty="0">
+                <a:effectLst/>
+                <a:latin typeface="Arial" charset="0"/>
+              </a:endParaRPr>
+            </a:p>
+          </p:txBody>
+        </p:sp>
+      </p:grpSp>
+      <p:grpSp>
+        <p:nvGrpSpPr>
+          <p:cNvPr id="31" name="30 Grupo"/>
+          <p:cNvGrpSpPr/>
+          <p:nvPr/>
+        </p:nvGrpSpPr>
+        <p:grpSpPr>
+          <a:xfrm>
+            <a:off x="4714876" y="3143248"/>
+            <a:ext cx="4429124" cy="2214578"/>
+            <a:chOff x="4714876" y="3143248"/>
+            <a:chExt cx="4429124" cy="2214578"/>
+          </a:xfrm>
+        </p:grpSpPr>
+        <p:sp>
+          <p:nvSpPr>
+            <p:cNvPr id="26" name="25 Nube"/>
+            <p:cNvSpPr/>
+            <p:nvPr/>
+          </p:nvSpPr>
+          <p:spPr>
+            <a:xfrm>
+              <a:off x="5214942" y="3143248"/>
+              <a:ext cx="3643306" cy="2214578"/>
+            </a:xfrm>
+            <a:prstGeom prst="cloud">
+              <a:avLst/>
+            </a:prstGeom>
+            <a:solidFill>
+              <a:schemeClr val="tx1">
+                <a:alpha val="36000"/>
+              </a:schemeClr>
+            </a:solidFill>
+          </p:spPr>
+          <p:style>
+            <a:lnRef idx="2">
+              <a:schemeClr val="accent1">
+                <a:shade val="50000"/>
+              </a:schemeClr>
+            </a:lnRef>
+            <a:fillRef idx="1">
+              <a:schemeClr val="accent1"/>
+            </a:fillRef>
+            <a:effectRef idx="0">
+              <a:schemeClr val="accent1"/>
+            </a:effectRef>
+            <a:fontRef idx="minor">
+              <a:schemeClr val="lt1"/>
+            </a:fontRef>
+          </p:style>
+          <p:txBody>
+            <a:bodyPr rtlCol="0" anchor="ctr"/>
+            <a:lstStyle/>
+            <a:p>
+              <a:pPr algn="ctr"/>
+              <a:endParaRPr lang="es-ES"/>
+            </a:p>
+          </p:txBody>
+        </p:sp>
+        <p:sp>
+          <p:nvSpPr>
+            <p:cNvPr id="24" name="23 Rectángulo"/>
+            <p:cNvSpPr/>
+            <p:nvPr/>
+          </p:nvSpPr>
+          <p:spPr>
+            <a:xfrm>
+              <a:off x="5042419" y="4286256"/>
+              <a:ext cx="4101581" cy="461665"/>
+            </a:xfrm>
+            <a:prstGeom prst="rect">
+              <a:avLst/>
+            </a:prstGeom>
+            <a:noFill/>
+          </p:spPr>
+          <p:txBody>
+            <a:bodyPr wrap="square" lIns="91440" tIns="45720" rIns="91440" bIns="45720">
+              <a:spAutoFit/>
+            </a:bodyPr>
+            <a:lstStyle/>
+            <a:p>
+              <a:pPr algn="ctr"/>
+              <a:r>
+                <a:rPr lang="es-ES" sz="2400" b="1" cap="none" spc="0" dirty="0" smtClean="0">
+                  <a:ln w="31550" cmpd="sng">
+                    <a:gradFill>
+                      <a:gsLst>
+                        <a:gs pos="70000">
+                          <a:schemeClr val="accent6">
+                            <a:shade val="50000"/>
+                            <a:satMod val="190000"/>
+                          </a:schemeClr>
+                        </a:gs>
+                        <a:gs pos="0">
+                          <a:schemeClr val="accent6">
+                            <a:tint val="77000"/>
+                            <a:satMod val="180000"/>
+                          </a:schemeClr>
+                        </a:gs>
+                      </a:gsLst>
+                      <a:lin ang="5400000"/>
+                    </a:gradFill>
+                    <a:prstDash val="solid"/>
+                  </a:ln>
+                  <a:solidFill>
+                    <a:schemeClr val="accent6">
+                      <a:tint val="15000"/>
+                      <a:satMod val="200000"/>
+                    </a:schemeClr>
+                  </a:solidFill>
+                  <a:effectLst>
+                    <a:outerShdw blurRad="50800" dist="40000" dir="5400000" algn="tl" rotWithShape="0">
+                      <a:srgbClr val="000000">
+                        <a:shade val="5000"/>
+                        <a:satMod val="120000"/>
+                        <a:alpha val="33000"/>
+                      </a:srgbClr>
+                    </a:outerShdw>
+                  </a:effectLst>
+                </a:rPr>
+                <a:t>(Realidad Virtual)</a:t>
+              </a:r>
+              <a:endParaRPr lang="es-ES" sz="2400" b="1" cap="none" spc="0" dirty="0">
+                <a:ln w="31550" cmpd="sng">
+                  <a:gradFill>
+                    <a:gsLst>
+                      <a:gs pos="70000">
+                        <a:schemeClr val="accent6">
+                          <a:shade val="50000"/>
+                          <a:satMod val="190000"/>
+                        </a:schemeClr>
+                      </a:gs>
+                      <a:gs pos="0">
+                        <a:schemeClr val="accent6">
+                          <a:tint val="77000"/>
+                          <a:satMod val="180000"/>
+                        </a:schemeClr>
+                      </a:gs>
+                    </a:gsLst>
+                    <a:lin ang="5400000"/>
+                  </a:gradFill>
+                  <a:prstDash val="solid"/>
+                </a:ln>
+                <a:solidFill>
+                  <a:schemeClr val="accent6">
+                    <a:tint val="15000"/>
+                    <a:satMod val="200000"/>
+                  </a:schemeClr>
+                </a:solidFill>
+                <a:effectLst>
+                  <a:outerShdw blurRad="50800" dist="40000" dir="5400000" algn="tl" rotWithShape="0">
+                    <a:srgbClr val="000000">
+                      <a:shade val="5000"/>
+                      <a:satMod val="120000"/>
+                      <a:alpha val="33000"/>
+                    </a:srgbClr>
+                  </a:outerShdw>
+                </a:effectLst>
+              </a:endParaRPr>
+            </a:p>
+          </p:txBody>
+        </p:sp>
+        <p:sp>
+          <p:nvSpPr>
+            <p:cNvPr id="25" name="24 Rectángulo"/>
+            <p:cNvSpPr/>
+            <p:nvPr/>
+          </p:nvSpPr>
+          <p:spPr>
+            <a:xfrm>
+              <a:off x="5429256" y="3714752"/>
+              <a:ext cx="3552576" cy="584775"/>
+            </a:xfrm>
+            <a:prstGeom prst="rect">
+              <a:avLst/>
+            </a:prstGeom>
+            <a:noFill/>
+          </p:spPr>
+          <p:txBody>
+            <a:bodyPr wrap="none" lIns="91440" tIns="45720" rIns="91440" bIns="45720">
+              <a:spAutoFit/>
+              <a:scene3d>
+                <a:camera prst="orthographicFront"/>
+                <a:lightRig rig="glow" dir="tl">
+                  <a:rot lat="0" lon="0" rev="5400000"/>
+                </a:lightRig>
+              </a:scene3d>
+              <a:sp3d contourW="12700">
+                <a:bevelT w="25400" h="25400"/>
+                <a:contourClr>
+                  <a:schemeClr val="accent6">
+                    <a:shade val="73000"/>
+                  </a:schemeClr>
+                </a:contourClr>
+              </a:sp3d>
+            </a:bodyPr>
+            <a:lstStyle/>
+            <a:p>
+              <a:pPr algn="ctr"/>
+              <a:r>
+                <a:rPr lang="es-ES" sz="3200" b="1" dirty="0" smtClean="0">
+                  <a:ln w="11430"/>
+                  <a:gradFill>
+                    <a:gsLst>
+                      <a:gs pos="0">
+                        <a:schemeClr val="accent6">
+                          <a:tint val="90000"/>
+                          <a:satMod val="120000"/>
+                        </a:schemeClr>
+                      </a:gs>
+                      <a:gs pos="25000">
+                        <a:schemeClr val="accent6">
+                          <a:tint val="93000"/>
+                          <a:satMod val="120000"/>
+                        </a:schemeClr>
+                      </a:gs>
+                      <a:gs pos="50000">
+                        <a:schemeClr val="accent6">
+                          <a:shade val="89000"/>
+                          <a:satMod val="110000"/>
+                        </a:schemeClr>
+                      </a:gs>
+                      <a:gs pos="75000">
+                        <a:schemeClr val="accent6">
+                          <a:tint val="93000"/>
+                          <a:satMod val="120000"/>
+                        </a:schemeClr>
+                      </a:gs>
+                      <a:gs pos="100000">
+                        <a:schemeClr val="accent6">
+                          <a:tint val="90000"/>
+                          <a:satMod val="120000"/>
+                        </a:schemeClr>
+                      </a:gs>
+                    </a:gsLst>
+                    <a:lin ang="5400000"/>
+                  </a:gradFill>
+                  <a:effectLst>
+                    <a:outerShdw blurRad="80000" dist="40000" dir="5040000" algn="tl">
+                      <a:srgbClr val="000000">
+                        <a:alpha val="30000"/>
+                      </a:srgbClr>
+                    </a:outerShdw>
+                  </a:effectLst>
+                </a:rPr>
+                <a:t>Mundos virtuales</a:t>
+              </a:r>
+              <a:endParaRPr lang="es-ES" sz="3200" b="1" dirty="0">
+                <a:ln w="11430"/>
+                <a:gradFill>
+                  <a:gsLst>
+                    <a:gs pos="0">
+                      <a:schemeClr val="accent6">
+                        <a:tint val="90000"/>
+                        <a:satMod val="120000"/>
+                      </a:schemeClr>
+                    </a:gs>
+                    <a:gs pos="25000">
+                      <a:schemeClr val="accent6">
+                        <a:tint val="93000"/>
+                        <a:satMod val="120000"/>
+                      </a:schemeClr>
+                    </a:gs>
+                    <a:gs pos="50000">
+                      <a:schemeClr val="accent6">
+                        <a:shade val="89000"/>
+                        <a:satMod val="110000"/>
+                      </a:schemeClr>
+                    </a:gs>
+                    <a:gs pos="75000">
+                      <a:schemeClr val="accent6">
+                        <a:tint val="93000"/>
+                        <a:satMod val="120000"/>
+                      </a:schemeClr>
+                    </a:gs>
+                    <a:gs pos="100000">
+                      <a:schemeClr val="accent6">
+                        <a:tint val="90000"/>
+                        <a:satMod val="120000"/>
+                      </a:schemeClr>
+                    </a:gs>
+                  </a:gsLst>
+                  <a:lin ang="5400000"/>
+                </a:gradFill>
+                <a:effectLst>
+                  <a:outerShdw blurRad="80000" dist="40000" dir="5040000" algn="tl">
+                    <a:srgbClr val="000000">
+                      <a:alpha val="30000"/>
+                    </a:srgbClr>
+                  </a:outerShdw>
+                </a:effectLst>
+              </a:endParaRPr>
+            </a:p>
+          </p:txBody>
+        </p:sp>
+        <p:sp>
+          <p:nvSpPr>
+            <p:cNvPr id="30" name="29 Flecha derecha"/>
+            <p:cNvSpPr/>
+            <p:nvPr/>
+          </p:nvSpPr>
+          <p:spPr>
+            <a:xfrm>
+              <a:off x="4714876" y="3786190"/>
+              <a:ext cx="428628" cy="785818"/>
+            </a:xfrm>
+            <a:prstGeom prst="rightArrow">
+              <a:avLst/>
+            </a:prstGeom>
+            <a:solidFill>
+              <a:srgbClr val="FFC000"/>
+            </a:solidFill>
+          </p:spPr>
+          <p:style>
+            <a:lnRef idx="2">
+              <a:schemeClr val="accent1">
+                <a:shade val="50000"/>
+              </a:schemeClr>
+            </a:lnRef>
+            <a:fillRef idx="1">
+              <a:schemeClr val="accent1"/>
+            </a:fillRef>
+            <a:effectRef idx="0">
+              <a:schemeClr val="accent1"/>
+            </a:effectRef>
+            <a:fontRef idx="minor">
+              <a:schemeClr val="lt1"/>
+            </a:fontRef>
+          </p:style>
+          <p:txBody>
+            <a:bodyPr rtlCol="0" anchor="ctr"/>
+            <a:lstStyle/>
+            <a:p>
+              <a:pPr algn="ctr"/>
+              <a:endParaRPr lang="es-ES"/>
+            </a:p>
+          </p:txBody>
+        </p:sp>
+      </p:grpSp>
     </p:spTree>
   </p:cSld>
   <p:clrMapOvr>
@@ -26563,7 +28995,281 @@
   <p:timing>
     <p:tnLst>
       <p:par>
-        <p:cTn id="1" dur="indefinite" restart="never" nodeType="tmRoot"/>
+        <p:cTn id="1" dur="indefinite" restart="never" nodeType="tmRoot">
+          <p:childTnLst>
+            <p:seq concurrent="1" nextAc="seek">
+              <p:cTn id="2" dur="indefinite" nodeType="mainSeq">
+                <p:childTnLst>
+                  <p:par>
+                    <p:cTn id="3" fill="hold">
+                      <p:stCondLst>
+                        <p:cond delay="indefinite"/>
+                      </p:stCondLst>
+                      <p:childTnLst>
+                        <p:par>
+                          <p:cTn id="4" fill="hold">
+                            <p:stCondLst>
+                              <p:cond delay="0"/>
+                            </p:stCondLst>
+                            <p:childTnLst>
+                              <p:par>
+                                <p:cTn id="5" presetID="54" presetClass="entr" presetSubtype="0" accel="100000" fill="hold" nodeType="clickEffect">
+                                  <p:stCondLst>
+                                    <p:cond delay="0"/>
+                                  </p:stCondLst>
+                                  <p:childTnLst>
+                                    <p:set>
+                                      <p:cBhvr>
+                                        <p:cTn id="6" dur="1" fill="hold">
+                                          <p:stCondLst>
+                                            <p:cond delay="0"/>
+                                          </p:stCondLst>
+                                        </p:cTn>
+                                        <p:tgtEl>
+                                          <p:spTgt spid="28"/>
+                                        </p:tgtEl>
+                                        <p:attrNameLst>
+                                          <p:attrName>style.visibility</p:attrName>
+                                        </p:attrNameLst>
+                                      </p:cBhvr>
+                                      <p:to>
+                                        <p:strVal val="visible"/>
+                                      </p:to>
+                                    </p:set>
+                                    <p:anim calcmode="lin" valueType="num">
+                                      <p:cBhvr>
+                                        <p:cTn id="7" dur="500" fill="hold"/>
+                                        <p:tgtEl>
+                                          <p:spTgt spid="28"/>
+                                        </p:tgtEl>
+                                        <p:attrNameLst>
+                                          <p:attrName>ppt_w</p:attrName>
+                                        </p:attrNameLst>
+                                      </p:cBhvr>
+                                      <p:tavLst>
+                                        <p:tav tm="0">
+                                          <p:val>
+                                            <p:strVal val="#ppt_w*0.05"/>
+                                          </p:val>
+                                        </p:tav>
+                                        <p:tav tm="100000">
+                                          <p:val>
+                                            <p:strVal val="#ppt_w"/>
+                                          </p:val>
+                                        </p:tav>
+                                      </p:tavLst>
+                                    </p:anim>
+                                    <p:anim calcmode="lin" valueType="num">
+                                      <p:cBhvr>
+                                        <p:cTn id="8" dur="500" fill="hold"/>
+                                        <p:tgtEl>
+                                          <p:spTgt spid="28"/>
+                                        </p:tgtEl>
+                                        <p:attrNameLst>
+                                          <p:attrName>ppt_h</p:attrName>
+                                        </p:attrNameLst>
+                                      </p:cBhvr>
+                                      <p:tavLst>
+                                        <p:tav tm="0">
+                                          <p:val>
+                                            <p:strVal val="#ppt_h"/>
+                                          </p:val>
+                                        </p:tav>
+                                        <p:tav tm="100000">
+                                          <p:val>
+                                            <p:strVal val="#ppt_h"/>
+                                          </p:val>
+                                        </p:tav>
+                                      </p:tavLst>
+                                    </p:anim>
+                                    <p:anim calcmode="lin" valueType="num">
+                                      <p:cBhvr>
+                                        <p:cTn id="9" dur="500" fill="hold"/>
+                                        <p:tgtEl>
+                                          <p:spTgt spid="28"/>
+                                        </p:tgtEl>
+                                        <p:attrNameLst>
+                                          <p:attrName>ppt_x</p:attrName>
+                                        </p:attrNameLst>
+                                      </p:cBhvr>
+                                      <p:tavLst>
+                                        <p:tav tm="0">
+                                          <p:val>
+                                            <p:strVal val="#ppt_x-.2"/>
+                                          </p:val>
+                                        </p:tav>
+                                        <p:tav tm="100000">
+                                          <p:val>
+                                            <p:strVal val="#ppt_x"/>
+                                          </p:val>
+                                        </p:tav>
+                                      </p:tavLst>
+                                    </p:anim>
+                                    <p:anim calcmode="lin" valueType="num">
+                                      <p:cBhvr>
+                                        <p:cTn id="10" dur="500" fill="hold"/>
+                                        <p:tgtEl>
+                                          <p:spTgt spid="28"/>
+                                        </p:tgtEl>
+                                        <p:attrNameLst>
+                                          <p:attrName>ppt_y</p:attrName>
+                                        </p:attrNameLst>
+                                      </p:cBhvr>
+                                      <p:tavLst>
+                                        <p:tav tm="0">
+                                          <p:val>
+                                            <p:strVal val="#ppt_y"/>
+                                          </p:val>
+                                        </p:tav>
+                                        <p:tav tm="100000">
+                                          <p:val>
+                                            <p:strVal val="#ppt_y"/>
+                                          </p:val>
+                                        </p:tav>
+                                      </p:tavLst>
+                                    </p:anim>
+                                    <p:animEffect transition="in" filter="fade">
+                                      <p:cBhvr>
+                                        <p:cTn id="11" dur="500"/>
+                                        <p:tgtEl>
+                                          <p:spTgt spid="28"/>
+                                        </p:tgtEl>
+                                      </p:cBhvr>
+                                    </p:animEffect>
+                                  </p:childTnLst>
+                                </p:cTn>
+                              </p:par>
+                            </p:childTnLst>
+                          </p:cTn>
+                        </p:par>
+                      </p:childTnLst>
+                    </p:cTn>
+                  </p:par>
+                  <p:par>
+                    <p:cTn id="12" fill="hold">
+                      <p:stCondLst>
+                        <p:cond delay="indefinite"/>
+                      </p:stCondLst>
+                      <p:childTnLst>
+                        <p:par>
+                          <p:cTn id="13" fill="hold">
+                            <p:stCondLst>
+                              <p:cond delay="0"/>
+                            </p:stCondLst>
+                            <p:childTnLst>
+                              <p:par>
+                                <p:cTn id="14" presetID="4" presetClass="entr" presetSubtype="16" fill="hold" nodeType="clickEffect">
+                                  <p:stCondLst>
+                                    <p:cond delay="0"/>
+                                  </p:stCondLst>
+                                  <p:childTnLst>
+                                    <p:set>
+                                      <p:cBhvr>
+                                        <p:cTn id="15" dur="1" fill="hold">
+                                          <p:stCondLst>
+                                            <p:cond delay="0"/>
+                                          </p:stCondLst>
+                                        </p:cTn>
+                                        <p:tgtEl>
+                                          <p:spTgt spid="29"/>
+                                        </p:tgtEl>
+                                        <p:attrNameLst>
+                                          <p:attrName>style.visibility</p:attrName>
+                                        </p:attrNameLst>
+                                      </p:cBhvr>
+                                      <p:to>
+                                        <p:strVal val="visible"/>
+                                      </p:to>
+                                    </p:set>
+                                    <p:animEffect transition="in" filter="box(in)">
+                                      <p:cBhvr>
+                                        <p:cTn id="16" dur="500"/>
+                                        <p:tgtEl>
+                                          <p:spTgt spid="29"/>
+                                        </p:tgtEl>
+                                      </p:cBhvr>
+                                    </p:animEffect>
+                                  </p:childTnLst>
+                                </p:cTn>
+                              </p:par>
+                            </p:childTnLst>
+                          </p:cTn>
+                        </p:par>
+                      </p:childTnLst>
+                    </p:cTn>
+                  </p:par>
+                  <p:par>
+                    <p:cTn id="17" fill="hold">
+                      <p:stCondLst>
+                        <p:cond delay="indefinite"/>
+                      </p:stCondLst>
+                      <p:childTnLst>
+                        <p:par>
+                          <p:cTn id="18" fill="hold">
+                            <p:stCondLst>
+                              <p:cond delay="0"/>
+                            </p:stCondLst>
+                            <p:childTnLst>
+                              <p:par>
+                                <p:cTn id="19" presetID="3" presetClass="entr" presetSubtype="10" fill="hold" nodeType="clickEffect">
+                                  <p:stCondLst>
+                                    <p:cond delay="0"/>
+                                  </p:stCondLst>
+                                  <p:childTnLst>
+                                    <p:set>
+                                      <p:cBhvr>
+                                        <p:cTn id="20" dur="1" fill="hold">
+                                          <p:stCondLst>
+                                            <p:cond delay="0"/>
+                                          </p:stCondLst>
+                                        </p:cTn>
+                                        <p:tgtEl>
+                                          <p:spTgt spid="31"/>
+                                        </p:tgtEl>
+                                        <p:attrNameLst>
+                                          <p:attrName>style.visibility</p:attrName>
+                                        </p:attrNameLst>
+                                      </p:cBhvr>
+                                      <p:to>
+                                        <p:strVal val="visible"/>
+                                      </p:to>
+                                    </p:set>
+                                    <p:animEffect transition="in" filter="blinds(horizontal)">
+                                      <p:cBhvr>
+                                        <p:cTn id="21" dur="500"/>
+                                        <p:tgtEl>
+                                          <p:spTgt spid="31"/>
+                                        </p:tgtEl>
+                                      </p:cBhvr>
+                                    </p:animEffect>
+                                  </p:childTnLst>
+                                </p:cTn>
+                              </p:par>
+                            </p:childTnLst>
+                          </p:cTn>
+                        </p:par>
+                      </p:childTnLst>
+                    </p:cTn>
+                  </p:par>
+                </p:childTnLst>
+              </p:cTn>
+              <p:prevCondLst>
+                <p:cond evt="onPrev" delay="0">
+                  <p:tgtEl>
+                    <p:sldTgt/>
+                  </p:tgtEl>
+                </p:cond>
+              </p:prevCondLst>
+              <p:nextCondLst>
+                <p:cond evt="onNext" delay="0">
+                  <p:tgtEl>
+                    <p:sldTgt/>
+                  </p:tgtEl>
+                </p:cond>
+              </p:nextCondLst>
+            </p:seq>
+          </p:childTnLst>
+        </p:cTn>
       </p:par>
     </p:tnLst>
   </p:timing>
@@ -27813,6 +30519,977 @@
           </a:fontRef>
         </p:style>
       </p:cxnSp>
+      <p:sp>
+        <p:nvSpPr>
+          <p:cNvPr id="6" name="Text Box 11"/>
+          <p:cNvSpPr txBox="1">
+            <a:spLocks noChangeArrowheads="1"/>
+          </p:cNvSpPr>
+          <p:nvPr/>
+        </p:nvSpPr>
+        <p:spPr bwMode="auto">
+          <a:xfrm>
+            <a:off x="785786" y="1000108"/>
+            <a:ext cx="7362825" cy="1372683"/>
+          </a:xfrm>
+          <a:prstGeom prst="rect">
+            <a:avLst/>
+          </a:prstGeom>
+          <a:noFill/>
+          <a:ln w="9525">
+            <a:noFill/>
+            <a:miter lim="800000"/>
+            <a:headEnd/>
+            <a:tailEnd/>
+          </a:ln>
+          <a:effectLst/>
+        </p:spPr>
+        <p:txBody>
+          <a:bodyPr>
+            <a:spAutoFit/>
+          </a:bodyPr>
+          <a:lstStyle/>
+          <a:p>
+            <a:pPr>
+              <a:lnSpc>
+                <a:spcPct val="130000"/>
+              </a:lnSpc>
+              <a:spcBef>
+                <a:spcPct val="0"/>
+              </a:spcBef>
+              <a:buClr>
+                <a:srgbClr val="FFFF99"/>
+              </a:buClr>
+              <a:buFont typeface="Wingdings" pitchFamily="2" charset="2"/>
+              <a:buChar char="q"/>
+            </a:pPr>
+            <a:r>
+              <a:rPr lang="es-ES_tradnl" sz="2400" dirty="0">
+                <a:solidFill>
+                  <a:schemeClr val="tx1"/>
+                </a:solidFill>
+                <a:effectLst>
+                  <a:outerShdw blurRad="38100" dist="38100" dir="2700000" algn="tl">
+                    <a:srgbClr val="FFFFFF"/>
+                  </a:outerShdw>
+                </a:effectLst>
+                <a:latin typeface="Times New Roman" charset="0"/>
+              </a:rPr>
+              <a:t>  </a:t>
+            </a:r>
+            <a:r>
+              <a:rPr lang="es-ES_tradnl" sz="2000" dirty="0" smtClean="0">
+                <a:effectLst/>
+                <a:latin typeface="Tahoma" charset="0"/>
+              </a:rPr>
+              <a:t>Permite generar un mundo artificial o sintético en el cuál el usuario tiene la impresión de estar presente, por el que puede navegar e interactuar en tiempo real.    </a:t>
+            </a:r>
+            <a:endParaRPr lang="es-ES_tradnl" sz="2400" dirty="0">
+              <a:effectLst/>
+              <a:latin typeface="Tahoma" charset="0"/>
+            </a:endParaRPr>
+          </a:p>
+        </p:txBody>
+      </p:sp>
+      <p:sp>
+        <p:nvSpPr>
+          <p:cNvPr id="9" name="Oval 22"/>
+          <p:cNvSpPr>
+            <a:spLocks noChangeArrowheads="1"/>
+          </p:cNvSpPr>
+          <p:nvPr/>
+        </p:nvSpPr>
+        <p:spPr bwMode="auto">
+          <a:xfrm>
+            <a:off x="4214810" y="1071546"/>
+            <a:ext cx="2357454" cy="431800"/>
+          </a:xfrm>
+          <a:prstGeom prst="ellipse">
+            <a:avLst/>
+          </a:prstGeom>
+          <a:noFill/>
+          <a:ln w="25400">
+            <a:solidFill>
+              <a:srgbClr val="FF6600"/>
+            </a:solidFill>
+            <a:round/>
+            <a:headEnd/>
+            <a:tailEnd/>
+          </a:ln>
+          <a:effectLst/>
+        </p:spPr>
+        <p:txBody>
+          <a:bodyPr wrap="none" anchor="ctr"/>
+          <a:lstStyle/>
+          <a:p>
+            <a:endParaRPr lang="es-ES"/>
+          </a:p>
+        </p:txBody>
+      </p:sp>
+      <p:sp>
+        <p:nvSpPr>
+          <p:cNvPr id="11" name="Oval 22"/>
+          <p:cNvSpPr>
+            <a:spLocks noChangeArrowheads="1"/>
+          </p:cNvSpPr>
+          <p:nvPr/>
+        </p:nvSpPr>
+        <p:spPr bwMode="auto">
+          <a:xfrm>
+            <a:off x="3714744" y="1500174"/>
+            <a:ext cx="2357454" cy="431800"/>
+          </a:xfrm>
+          <a:prstGeom prst="ellipse">
+            <a:avLst/>
+          </a:prstGeom>
+          <a:noFill/>
+          <a:ln w="25400">
+            <a:solidFill>
+              <a:srgbClr val="FF6600"/>
+            </a:solidFill>
+            <a:round/>
+            <a:headEnd/>
+            <a:tailEnd/>
+          </a:ln>
+          <a:effectLst/>
+        </p:spPr>
+        <p:txBody>
+          <a:bodyPr wrap="none" anchor="ctr"/>
+          <a:lstStyle/>
+          <a:p>
+            <a:endParaRPr lang="es-ES"/>
+          </a:p>
+        </p:txBody>
+      </p:sp>
+      <p:sp>
+        <p:nvSpPr>
+          <p:cNvPr id="12" name="Oval 22"/>
+          <p:cNvSpPr>
+            <a:spLocks noChangeArrowheads="1"/>
+          </p:cNvSpPr>
+          <p:nvPr/>
+        </p:nvSpPr>
+        <p:spPr bwMode="auto">
+          <a:xfrm>
+            <a:off x="642910" y="1928802"/>
+            <a:ext cx="1214446" cy="431800"/>
+          </a:xfrm>
+          <a:prstGeom prst="ellipse">
+            <a:avLst/>
+          </a:prstGeom>
+          <a:noFill/>
+          <a:ln w="25400">
+            <a:solidFill>
+              <a:srgbClr val="FF6600"/>
+            </a:solidFill>
+            <a:round/>
+            <a:headEnd/>
+            <a:tailEnd/>
+          </a:ln>
+          <a:effectLst/>
+        </p:spPr>
+        <p:txBody>
+          <a:bodyPr wrap="none" anchor="ctr"/>
+          <a:lstStyle/>
+          <a:p>
+            <a:endParaRPr lang="es-ES"/>
+          </a:p>
+        </p:txBody>
+      </p:sp>
+      <p:sp>
+        <p:nvSpPr>
+          <p:cNvPr id="13" name="Oval 22"/>
+          <p:cNvSpPr>
+            <a:spLocks noChangeArrowheads="1"/>
+          </p:cNvSpPr>
+          <p:nvPr/>
+        </p:nvSpPr>
+        <p:spPr bwMode="auto">
+          <a:xfrm>
+            <a:off x="3571868" y="1928802"/>
+            <a:ext cx="1785950" cy="428628"/>
+          </a:xfrm>
+          <a:prstGeom prst="ellipse">
+            <a:avLst/>
+          </a:prstGeom>
+          <a:noFill/>
+          <a:ln w="25400">
+            <a:solidFill>
+              <a:srgbClr val="FF6600"/>
+            </a:solidFill>
+            <a:round/>
+            <a:headEnd/>
+            <a:tailEnd/>
+          </a:ln>
+          <a:effectLst/>
+        </p:spPr>
+        <p:txBody>
+          <a:bodyPr wrap="none" anchor="ctr"/>
+          <a:lstStyle/>
+          <a:p>
+            <a:endParaRPr lang="es-ES"/>
+          </a:p>
+        </p:txBody>
+      </p:sp>
+      <p:sp>
+        <p:nvSpPr>
+          <p:cNvPr id="14" name="13 Rectángulo"/>
+          <p:cNvSpPr/>
+          <p:nvPr/>
+        </p:nvSpPr>
+        <p:spPr>
+          <a:xfrm>
+            <a:off x="500035" y="2643182"/>
+            <a:ext cx="3357586" cy="1052596"/>
+          </a:xfrm>
+          <a:prstGeom prst="rect">
+            <a:avLst/>
+          </a:prstGeom>
+          <a:noFill/>
+        </p:spPr>
+        <p:txBody>
+          <a:bodyPr wrap="square" lIns="91440" tIns="45720" rIns="91440" bIns="45720">
+            <a:spAutoFit/>
+          </a:bodyPr>
+          <a:lstStyle/>
+          <a:p>
+            <a:r>
+              <a:rPr lang="es-ES" sz="2400" dirty="0" smtClean="0">
+                <a:ln w="18415" cmpd="sng">
+                  <a:solidFill>
+                    <a:srgbClr val="FFFFFF"/>
+                  </a:solidFill>
+                  <a:prstDash val="solid"/>
+                </a:ln>
+                <a:solidFill>
+                  <a:srgbClr val="FFFFFF"/>
+                </a:solidFill>
+                <a:effectLst>
+                  <a:outerShdw blurRad="63500" dir="3600000" algn="tl" rotWithShape="0">
+                    <a:srgbClr val="000000">
+                      <a:alpha val="70000"/>
+                    </a:srgbClr>
+                  </a:outerShdw>
+                </a:effectLst>
+              </a:rPr>
+              <a:t>Clasificaciones:</a:t>
+            </a:r>
+          </a:p>
+          <a:p>
+            <a:endParaRPr lang="es-ES" sz="3200" dirty="0">
+              <a:ln w="18415" cmpd="sng">
+                <a:solidFill>
+                  <a:srgbClr val="FFFFFF"/>
+                </a:solidFill>
+                <a:prstDash val="solid"/>
+              </a:ln>
+              <a:solidFill>
+                <a:srgbClr val="FFFFFF"/>
+              </a:solidFill>
+              <a:effectLst>
+                <a:outerShdw blurRad="63500" dir="3600000" algn="tl" rotWithShape="0">
+                  <a:srgbClr val="000000">
+                    <a:alpha val="70000"/>
+                  </a:srgbClr>
+                </a:outerShdw>
+              </a:effectLst>
+            </a:endParaRPr>
+          </a:p>
+        </p:txBody>
+      </p:sp>
+      <p:sp>
+        <p:nvSpPr>
+          <p:cNvPr id="15" name="Text Box 14"/>
+          <p:cNvSpPr txBox="1">
+            <a:spLocks noChangeArrowheads="1"/>
+          </p:cNvSpPr>
+          <p:nvPr/>
+        </p:nvSpPr>
+        <p:spPr bwMode="auto">
+          <a:xfrm>
+            <a:off x="714348" y="3214686"/>
+            <a:ext cx="3500462" cy="338554"/>
+          </a:xfrm>
+          <a:prstGeom prst="rect">
+            <a:avLst/>
+          </a:prstGeom>
+          <a:noFill/>
+          <a:ln w="9525">
+            <a:noFill/>
+            <a:miter lim="800000"/>
+            <a:headEnd/>
+            <a:tailEnd/>
+          </a:ln>
+          <a:effectLst/>
+        </p:spPr>
+        <p:txBody>
+          <a:bodyPr wrap="square">
+            <a:spAutoFit/>
+          </a:bodyPr>
+          <a:lstStyle/>
+          <a:p>
+            <a:pPr>
+              <a:spcBef>
+                <a:spcPct val="0"/>
+              </a:spcBef>
+            </a:pPr>
+            <a:r>
+              <a:rPr lang="es-ES" sz="1600" dirty="0" smtClean="0">
+                <a:effectLst/>
+                <a:latin typeface="Arial" charset="0"/>
+              </a:rPr>
+              <a:t>- </a:t>
+            </a:r>
+            <a:r>
+              <a:rPr lang="es-ES" sz="1600" dirty="0" err="1" smtClean="0">
+                <a:effectLst/>
+                <a:latin typeface="Arial" charset="0"/>
+              </a:rPr>
+              <a:t>Inmersiva</a:t>
+            </a:r>
+            <a:r>
+              <a:rPr lang="es-ES" sz="1600" dirty="0" smtClean="0">
+                <a:effectLst/>
+                <a:latin typeface="Arial" charset="0"/>
+              </a:rPr>
+              <a:t>, No </a:t>
+            </a:r>
+            <a:r>
+              <a:rPr lang="es-ES" sz="1600" dirty="0" err="1" smtClean="0">
+                <a:effectLst/>
+                <a:latin typeface="Arial" charset="0"/>
+              </a:rPr>
+              <a:t>inmersiva</a:t>
+            </a:r>
+            <a:endParaRPr lang="es-ES" sz="1600" dirty="0">
+              <a:effectLst/>
+              <a:latin typeface="Arial" charset="0"/>
+            </a:endParaRPr>
+          </a:p>
+        </p:txBody>
+      </p:sp>
+      <p:sp>
+        <p:nvSpPr>
+          <p:cNvPr id="17" name="Text Box 14"/>
+          <p:cNvSpPr txBox="1">
+            <a:spLocks noChangeArrowheads="1"/>
+          </p:cNvSpPr>
+          <p:nvPr/>
+        </p:nvSpPr>
+        <p:spPr bwMode="auto">
+          <a:xfrm>
+            <a:off x="714348" y="3643314"/>
+            <a:ext cx="3500462" cy="338554"/>
+          </a:xfrm>
+          <a:prstGeom prst="rect">
+            <a:avLst/>
+          </a:prstGeom>
+          <a:noFill/>
+          <a:ln w="9525">
+            <a:noFill/>
+            <a:miter lim="800000"/>
+            <a:headEnd/>
+            <a:tailEnd/>
+          </a:ln>
+          <a:effectLst/>
+        </p:spPr>
+        <p:txBody>
+          <a:bodyPr wrap="square">
+            <a:spAutoFit/>
+          </a:bodyPr>
+          <a:lstStyle/>
+          <a:p>
+            <a:pPr>
+              <a:spcBef>
+                <a:spcPct val="0"/>
+              </a:spcBef>
+            </a:pPr>
+            <a:r>
+              <a:rPr lang="es-ES" sz="1600" dirty="0" smtClean="0">
+                <a:effectLst/>
+                <a:latin typeface="Arial" charset="0"/>
+              </a:rPr>
+              <a:t>- De proyección</a:t>
+            </a:r>
+            <a:endParaRPr lang="es-ES" sz="1600" dirty="0">
+              <a:effectLst/>
+              <a:latin typeface="Arial" charset="0"/>
+            </a:endParaRPr>
+          </a:p>
+        </p:txBody>
+      </p:sp>
+      <p:sp>
+        <p:nvSpPr>
+          <p:cNvPr id="18" name="Text Box 14"/>
+          <p:cNvSpPr txBox="1">
+            <a:spLocks noChangeArrowheads="1"/>
+          </p:cNvSpPr>
+          <p:nvPr/>
+        </p:nvSpPr>
+        <p:spPr bwMode="auto">
+          <a:xfrm>
+            <a:off x="6215074" y="2928934"/>
+            <a:ext cx="2214578" cy="338554"/>
+          </a:xfrm>
+          <a:prstGeom prst="rect">
+            <a:avLst/>
+          </a:prstGeom>
+          <a:noFill/>
+          <a:ln w="9525">
+            <a:noFill/>
+            <a:miter lim="800000"/>
+            <a:headEnd/>
+            <a:tailEnd/>
+          </a:ln>
+          <a:effectLst/>
+        </p:spPr>
+        <p:txBody>
+          <a:bodyPr wrap="square">
+            <a:spAutoFit/>
+          </a:bodyPr>
+          <a:lstStyle/>
+          <a:p>
+            <a:pPr>
+              <a:spcBef>
+                <a:spcPct val="0"/>
+              </a:spcBef>
+            </a:pPr>
+            <a:r>
+              <a:rPr lang="es-ES" sz="1600" dirty="0" smtClean="0">
+                <a:effectLst/>
+                <a:latin typeface="Arial" charset="0"/>
+              </a:rPr>
+              <a:t>- Mundo muerto</a:t>
+            </a:r>
+            <a:endParaRPr lang="es-ES" sz="1600" dirty="0">
+              <a:effectLst/>
+              <a:latin typeface="Arial" charset="0"/>
+            </a:endParaRPr>
+          </a:p>
+        </p:txBody>
+      </p:sp>
+      <p:sp>
+        <p:nvSpPr>
+          <p:cNvPr id="19" name="Text Box 14"/>
+          <p:cNvSpPr txBox="1">
+            <a:spLocks noChangeArrowheads="1"/>
+          </p:cNvSpPr>
+          <p:nvPr/>
+        </p:nvSpPr>
+        <p:spPr bwMode="auto">
+          <a:xfrm>
+            <a:off x="6215074" y="3357562"/>
+            <a:ext cx="1857388" cy="338554"/>
+          </a:xfrm>
+          <a:prstGeom prst="rect">
+            <a:avLst/>
+          </a:prstGeom>
+          <a:noFill/>
+          <a:ln w="9525">
+            <a:noFill/>
+            <a:miter lim="800000"/>
+            <a:headEnd/>
+            <a:tailEnd/>
+          </a:ln>
+          <a:effectLst/>
+        </p:spPr>
+        <p:txBody>
+          <a:bodyPr wrap="square">
+            <a:spAutoFit/>
+          </a:bodyPr>
+          <a:lstStyle/>
+          <a:p>
+            <a:pPr>
+              <a:spcBef>
+                <a:spcPct val="0"/>
+              </a:spcBef>
+            </a:pPr>
+            <a:r>
+              <a:rPr lang="es-ES" sz="1600" dirty="0" smtClean="0">
+                <a:effectLst/>
+                <a:latin typeface="Arial" charset="0"/>
+              </a:rPr>
+              <a:t>- Mundo real</a:t>
+            </a:r>
+            <a:endParaRPr lang="es-ES" sz="1600" dirty="0">
+              <a:effectLst/>
+              <a:latin typeface="Arial" charset="0"/>
+            </a:endParaRPr>
+          </a:p>
+        </p:txBody>
+      </p:sp>
+      <p:sp>
+        <p:nvSpPr>
+          <p:cNvPr id="20" name="Text Box 14"/>
+          <p:cNvSpPr txBox="1">
+            <a:spLocks noChangeArrowheads="1"/>
+          </p:cNvSpPr>
+          <p:nvPr/>
+        </p:nvSpPr>
+        <p:spPr bwMode="auto">
+          <a:xfrm>
+            <a:off x="6215074" y="3786190"/>
+            <a:ext cx="2143140" cy="338554"/>
+          </a:xfrm>
+          <a:prstGeom prst="rect">
+            <a:avLst/>
+          </a:prstGeom>
+          <a:noFill/>
+          <a:ln w="9525">
+            <a:noFill/>
+            <a:miter lim="800000"/>
+            <a:headEnd/>
+            <a:tailEnd/>
+          </a:ln>
+          <a:effectLst/>
+        </p:spPr>
+        <p:txBody>
+          <a:bodyPr wrap="square">
+            <a:spAutoFit/>
+          </a:bodyPr>
+          <a:lstStyle/>
+          <a:p>
+            <a:pPr>
+              <a:spcBef>
+                <a:spcPct val="0"/>
+              </a:spcBef>
+            </a:pPr>
+            <a:r>
+              <a:rPr lang="es-ES" sz="1600" dirty="0" smtClean="0">
+                <a:effectLst/>
+                <a:latin typeface="Arial" charset="0"/>
+              </a:rPr>
+              <a:t>- Mundo fantástico</a:t>
+            </a:r>
+            <a:endParaRPr lang="es-ES" sz="1600" dirty="0">
+              <a:effectLst/>
+              <a:latin typeface="Arial" charset="0"/>
+            </a:endParaRPr>
+          </a:p>
+        </p:txBody>
+      </p:sp>
+      <p:sp>
+        <p:nvSpPr>
+          <p:cNvPr id="21" name="20 Rectángulo"/>
+          <p:cNvSpPr/>
+          <p:nvPr/>
+        </p:nvSpPr>
+        <p:spPr>
+          <a:xfrm>
+            <a:off x="571472" y="4643446"/>
+            <a:ext cx="3357586" cy="1052596"/>
+          </a:xfrm>
+          <a:prstGeom prst="rect">
+            <a:avLst/>
+          </a:prstGeom>
+          <a:noFill/>
+        </p:spPr>
+        <p:txBody>
+          <a:bodyPr wrap="square" lIns="91440" tIns="45720" rIns="91440" bIns="45720">
+            <a:spAutoFit/>
+          </a:bodyPr>
+          <a:lstStyle/>
+          <a:p>
+            <a:r>
+              <a:rPr lang="es-ES" sz="2400" dirty="0" smtClean="0">
+                <a:ln w="18415" cmpd="sng">
+                  <a:solidFill>
+                    <a:srgbClr val="FFFFFF"/>
+                  </a:solidFill>
+                  <a:prstDash val="solid"/>
+                </a:ln>
+                <a:solidFill>
+                  <a:srgbClr val="FFFFFF"/>
+                </a:solidFill>
+                <a:effectLst>
+                  <a:outerShdw blurRad="63500" dir="3600000" algn="tl" rotWithShape="0">
+                    <a:srgbClr val="000000">
+                      <a:alpha val="70000"/>
+                    </a:srgbClr>
+                  </a:outerShdw>
+                </a:effectLst>
+              </a:rPr>
+              <a:t>Problemas: </a:t>
+            </a:r>
+          </a:p>
+          <a:p>
+            <a:endParaRPr lang="es-ES" sz="3200" dirty="0">
+              <a:ln w="18415" cmpd="sng">
+                <a:solidFill>
+                  <a:srgbClr val="FFFFFF"/>
+                </a:solidFill>
+                <a:prstDash val="solid"/>
+              </a:ln>
+              <a:solidFill>
+                <a:srgbClr val="FFFFFF"/>
+              </a:solidFill>
+              <a:effectLst>
+                <a:outerShdw blurRad="63500" dir="3600000" algn="tl" rotWithShape="0">
+                  <a:srgbClr val="000000">
+                    <a:alpha val="70000"/>
+                  </a:srgbClr>
+                </a:outerShdw>
+              </a:effectLst>
+            </a:endParaRPr>
+          </a:p>
+        </p:txBody>
+      </p:sp>
+      <p:sp>
+        <p:nvSpPr>
+          <p:cNvPr id="23" name="22 Abrir llave"/>
+          <p:cNvSpPr/>
+          <p:nvPr/>
+        </p:nvSpPr>
+        <p:spPr>
+          <a:xfrm>
+            <a:off x="5715008" y="3000372"/>
+            <a:ext cx="285752" cy="1071570"/>
+          </a:xfrm>
+          <a:prstGeom prst="leftBrace">
+            <a:avLst/>
+          </a:prstGeom>
+          <a:ln>
+            <a:solidFill>
+              <a:srgbClr val="FFC000"/>
+            </a:solidFill>
+          </a:ln>
+        </p:spPr>
+        <p:style>
+          <a:lnRef idx="1">
+            <a:schemeClr val="accent1"/>
+          </a:lnRef>
+          <a:fillRef idx="0">
+            <a:schemeClr val="accent1"/>
+          </a:fillRef>
+          <a:effectRef idx="0">
+            <a:schemeClr val="accent1"/>
+          </a:effectRef>
+          <a:fontRef idx="minor">
+            <a:schemeClr val="tx1"/>
+          </a:fontRef>
+        </p:style>
+        <p:txBody>
+          <a:bodyPr rtlCol="0" anchor="ctr"/>
+          <a:lstStyle/>
+          <a:p>
+            <a:pPr algn="ctr"/>
+            <a:endParaRPr lang="es-ES"/>
+          </a:p>
+        </p:txBody>
+      </p:sp>
+      <p:sp>
+        <p:nvSpPr>
+          <p:cNvPr id="24" name="Text Box 14"/>
+          <p:cNvSpPr txBox="1">
+            <a:spLocks noChangeArrowheads="1"/>
+          </p:cNvSpPr>
+          <p:nvPr/>
+        </p:nvSpPr>
+        <p:spPr bwMode="auto">
+          <a:xfrm>
+            <a:off x="2714612" y="4214818"/>
+            <a:ext cx="2214578" cy="338554"/>
+          </a:xfrm>
+          <a:prstGeom prst="rect">
+            <a:avLst/>
+          </a:prstGeom>
+          <a:noFill/>
+          <a:ln w="9525">
+            <a:noFill/>
+            <a:miter lim="800000"/>
+            <a:headEnd/>
+            <a:tailEnd/>
+          </a:ln>
+          <a:effectLst/>
+        </p:spPr>
+        <p:txBody>
+          <a:bodyPr wrap="square">
+            <a:spAutoFit/>
+          </a:bodyPr>
+          <a:lstStyle/>
+          <a:p>
+            <a:pPr>
+              <a:spcBef>
+                <a:spcPct val="0"/>
+              </a:spcBef>
+            </a:pPr>
+            <a:r>
+              <a:rPr lang="es-ES" sz="1600" dirty="0" smtClean="0">
+                <a:effectLst/>
+                <a:latin typeface="Arial" charset="0"/>
+              </a:rPr>
+              <a:t>- Representación</a:t>
+            </a:r>
+            <a:endParaRPr lang="es-ES" sz="1600" dirty="0">
+              <a:effectLst/>
+              <a:latin typeface="Arial" charset="0"/>
+            </a:endParaRPr>
+          </a:p>
+        </p:txBody>
+      </p:sp>
+      <p:sp>
+        <p:nvSpPr>
+          <p:cNvPr id="25" name="Text Box 14"/>
+          <p:cNvSpPr txBox="1">
+            <a:spLocks noChangeArrowheads="1"/>
+          </p:cNvSpPr>
+          <p:nvPr/>
+        </p:nvSpPr>
+        <p:spPr bwMode="auto">
+          <a:xfrm>
+            <a:off x="2714612" y="4572008"/>
+            <a:ext cx="4357718" cy="338554"/>
+          </a:xfrm>
+          <a:prstGeom prst="rect">
+            <a:avLst/>
+          </a:prstGeom>
+          <a:noFill/>
+          <a:ln w="9525">
+            <a:noFill/>
+            <a:miter lim="800000"/>
+            <a:headEnd/>
+            <a:tailEnd/>
+          </a:ln>
+          <a:effectLst/>
+        </p:spPr>
+        <p:txBody>
+          <a:bodyPr wrap="square">
+            <a:spAutoFit/>
+          </a:bodyPr>
+          <a:lstStyle/>
+          <a:p>
+            <a:pPr>
+              <a:spcBef>
+                <a:spcPct val="0"/>
+              </a:spcBef>
+            </a:pPr>
+            <a:r>
+              <a:rPr lang="es-ES" sz="1600" dirty="0" smtClean="0">
+                <a:effectLst/>
+                <a:latin typeface="Arial" charset="0"/>
+              </a:rPr>
+              <a:t>- Realimentación </a:t>
+            </a:r>
+            <a:r>
+              <a:rPr lang="es-ES" sz="1600" dirty="0" err="1" smtClean="0">
+                <a:effectLst/>
+                <a:latin typeface="Arial" charset="0"/>
+              </a:rPr>
+              <a:t>háptica</a:t>
+            </a:r>
+            <a:r>
+              <a:rPr lang="es-ES" sz="1600" dirty="0" smtClean="0">
+                <a:effectLst/>
+                <a:latin typeface="Arial" charset="0"/>
+              </a:rPr>
+              <a:t> (colisiones)</a:t>
+            </a:r>
+            <a:endParaRPr lang="es-ES" sz="1600" dirty="0">
+              <a:effectLst/>
+              <a:latin typeface="Arial" charset="0"/>
+            </a:endParaRPr>
+          </a:p>
+        </p:txBody>
+      </p:sp>
+      <p:sp>
+        <p:nvSpPr>
+          <p:cNvPr id="26" name="Text Box 14"/>
+          <p:cNvSpPr txBox="1">
+            <a:spLocks noChangeArrowheads="1"/>
+          </p:cNvSpPr>
+          <p:nvPr/>
+        </p:nvSpPr>
+        <p:spPr bwMode="auto">
+          <a:xfrm>
+            <a:off x="2714612" y="4857760"/>
+            <a:ext cx="2214578" cy="338554"/>
+          </a:xfrm>
+          <a:prstGeom prst="rect">
+            <a:avLst/>
+          </a:prstGeom>
+          <a:noFill/>
+          <a:ln w="9525">
+            <a:noFill/>
+            <a:miter lim="800000"/>
+            <a:headEnd/>
+            <a:tailEnd/>
+          </a:ln>
+          <a:effectLst/>
+        </p:spPr>
+        <p:txBody>
+          <a:bodyPr wrap="square">
+            <a:spAutoFit/>
+          </a:bodyPr>
+          <a:lstStyle/>
+          <a:p>
+            <a:pPr>
+              <a:spcBef>
+                <a:spcPct val="0"/>
+              </a:spcBef>
+            </a:pPr>
+            <a:r>
+              <a:rPr lang="es-ES" sz="1600" dirty="0" smtClean="0">
+                <a:effectLst/>
+                <a:latin typeface="Arial" charset="0"/>
+              </a:rPr>
+              <a:t>- Demora</a:t>
+            </a:r>
+            <a:endParaRPr lang="es-ES" sz="1600" dirty="0">
+              <a:effectLst/>
+              <a:latin typeface="Arial" charset="0"/>
+            </a:endParaRPr>
+          </a:p>
+        </p:txBody>
+      </p:sp>
+      <p:sp>
+        <p:nvSpPr>
+          <p:cNvPr id="27" name="Text Box 14"/>
+          <p:cNvSpPr txBox="1">
+            <a:spLocks noChangeArrowheads="1"/>
+          </p:cNvSpPr>
+          <p:nvPr/>
+        </p:nvSpPr>
+        <p:spPr bwMode="auto">
+          <a:xfrm>
+            <a:off x="2714612" y="5143512"/>
+            <a:ext cx="3000396" cy="338554"/>
+          </a:xfrm>
+          <a:prstGeom prst="rect">
+            <a:avLst/>
+          </a:prstGeom>
+          <a:noFill/>
+          <a:ln w="9525">
+            <a:noFill/>
+            <a:miter lim="800000"/>
+            <a:headEnd/>
+            <a:tailEnd/>
+          </a:ln>
+          <a:effectLst/>
+        </p:spPr>
+        <p:txBody>
+          <a:bodyPr wrap="square">
+            <a:spAutoFit/>
+          </a:bodyPr>
+          <a:lstStyle/>
+          <a:p>
+            <a:pPr>
+              <a:spcBef>
+                <a:spcPct val="0"/>
+              </a:spcBef>
+            </a:pPr>
+            <a:r>
+              <a:rPr lang="es-ES" sz="1600" dirty="0" smtClean="0">
+                <a:effectLst/>
+                <a:latin typeface="Arial" charset="0"/>
+              </a:rPr>
+              <a:t>- Malestar por uso prolongado</a:t>
+            </a:r>
+            <a:endParaRPr lang="es-ES" sz="1600" dirty="0">
+              <a:effectLst/>
+              <a:latin typeface="Arial" charset="0"/>
+            </a:endParaRPr>
+          </a:p>
+        </p:txBody>
+      </p:sp>
+      <p:sp>
+        <p:nvSpPr>
+          <p:cNvPr id="28" name="27 Abrir llave"/>
+          <p:cNvSpPr/>
+          <p:nvPr/>
+        </p:nvSpPr>
+        <p:spPr>
+          <a:xfrm>
+            <a:off x="2428860" y="4357694"/>
+            <a:ext cx="285752" cy="1071570"/>
+          </a:xfrm>
+          <a:prstGeom prst="leftBrace">
+            <a:avLst/>
+          </a:prstGeom>
+          <a:ln>
+            <a:solidFill>
+              <a:srgbClr val="FFC000"/>
+            </a:solidFill>
+          </a:ln>
+        </p:spPr>
+        <p:style>
+          <a:lnRef idx="1">
+            <a:schemeClr val="accent1"/>
+          </a:lnRef>
+          <a:fillRef idx="0">
+            <a:schemeClr val="accent1"/>
+          </a:fillRef>
+          <a:effectRef idx="0">
+            <a:schemeClr val="accent1"/>
+          </a:effectRef>
+          <a:fontRef idx="minor">
+            <a:schemeClr val="tx1"/>
+          </a:fontRef>
+        </p:style>
+        <p:txBody>
+          <a:bodyPr rtlCol="0" anchor="ctr"/>
+          <a:lstStyle/>
+          <a:p>
+            <a:pPr algn="ctr"/>
+            <a:endParaRPr lang="es-ES"/>
+          </a:p>
+        </p:txBody>
+      </p:sp>
+      <p:sp>
+        <p:nvSpPr>
+          <p:cNvPr id="29" name="Text Box 14"/>
+          <p:cNvSpPr txBox="1">
+            <a:spLocks noChangeArrowheads="1"/>
+          </p:cNvSpPr>
+          <p:nvPr/>
+        </p:nvSpPr>
+        <p:spPr bwMode="auto">
+          <a:xfrm>
+            <a:off x="3929058" y="3286124"/>
+            <a:ext cx="2214578" cy="584775"/>
+          </a:xfrm>
+          <a:prstGeom prst="rect">
+            <a:avLst/>
+          </a:prstGeom>
+          <a:noFill/>
+          <a:ln w="9525">
+            <a:noFill/>
+            <a:miter lim="800000"/>
+            <a:headEnd/>
+            <a:tailEnd/>
+          </a:ln>
+          <a:effectLst/>
+        </p:spPr>
+        <p:txBody>
+          <a:bodyPr wrap="square">
+            <a:spAutoFit/>
+          </a:bodyPr>
+          <a:lstStyle/>
+          <a:p>
+            <a:pPr algn="ctr">
+              <a:spcBef>
+                <a:spcPct val="0"/>
+              </a:spcBef>
+            </a:pPr>
+            <a:r>
+              <a:rPr lang="es-ES" sz="1600" b="1" dirty="0" smtClean="0">
+                <a:solidFill>
+                  <a:schemeClr val="tx1"/>
+                </a:solidFill>
+                <a:effectLst/>
+                <a:latin typeface="Arial" charset="0"/>
+              </a:rPr>
+              <a:t>MUNDOS VIRTUALES</a:t>
+            </a:r>
+            <a:endParaRPr lang="es-ES" sz="1600" b="1" dirty="0">
+              <a:solidFill>
+                <a:schemeClr val="tx1"/>
+              </a:solidFill>
+              <a:effectLst/>
+              <a:latin typeface="Arial" charset="0"/>
+            </a:endParaRPr>
+          </a:p>
+        </p:txBody>
+      </p:sp>
     </p:spTree>
   </p:cSld>
   <p:clrMapOvr>
@@ -27824,9 +31501,218 @@
   <p:timing>
     <p:tnLst>
       <p:par>
-        <p:cTn id="1" dur="indefinite" restart="never" nodeType="tmRoot"/>
+        <p:cTn id="1" dur="indefinite" restart="never" nodeType="tmRoot">
+          <p:childTnLst>
+            <p:seq concurrent="1" nextAc="seek">
+              <p:cTn id="2" dur="indefinite" nodeType="mainSeq">
+                <p:childTnLst>
+                  <p:par>
+                    <p:cTn id="3" fill="hold">
+                      <p:stCondLst>
+                        <p:cond delay="indefinite"/>
+                      </p:stCondLst>
+                      <p:childTnLst>
+                        <p:par>
+                          <p:cTn id="4" fill="hold">
+                            <p:stCondLst>
+                              <p:cond delay="0"/>
+                            </p:stCondLst>
+                            <p:childTnLst>
+                              <p:par>
+                                <p:cTn id="5" presetID="1" presetClass="entr" presetSubtype="0" fill="hold" grpId="0" nodeType="clickEffect">
+                                  <p:stCondLst>
+                                    <p:cond delay="0"/>
+                                  </p:stCondLst>
+                                  <p:childTnLst>
+                                    <p:set>
+                                      <p:cBhvr>
+                                        <p:cTn id="6" dur="1" fill="hold">
+                                          <p:stCondLst>
+                                            <p:cond delay="499"/>
+                                          </p:stCondLst>
+                                        </p:cTn>
+                                        <p:tgtEl>
+                                          <p:spTgt spid="9"/>
+                                        </p:tgtEl>
+                                        <p:attrNameLst>
+                                          <p:attrName>style.visibility</p:attrName>
+                                        </p:attrNameLst>
+                                      </p:cBhvr>
+                                      <p:to>
+                                        <p:strVal val="visible"/>
+                                      </p:to>
+                                    </p:set>
+                                  </p:childTnLst>
+                                </p:cTn>
+                              </p:par>
+                            </p:childTnLst>
+                          </p:cTn>
+                        </p:par>
+                      </p:childTnLst>
+                    </p:cTn>
+                  </p:par>
+                  <p:par>
+                    <p:cTn id="7" fill="hold">
+                      <p:stCondLst>
+                        <p:cond delay="indefinite"/>
+                      </p:stCondLst>
+                      <p:childTnLst>
+                        <p:par>
+                          <p:cTn id="8" fill="hold">
+                            <p:stCondLst>
+                              <p:cond delay="0"/>
+                            </p:stCondLst>
+                            <p:childTnLst>
+                              <p:par>
+                                <p:cTn id="9" presetID="1" presetClass="entr" presetSubtype="0" fill="hold" grpId="0" nodeType="clickEffect">
+                                  <p:stCondLst>
+                                    <p:cond delay="0"/>
+                                  </p:stCondLst>
+                                  <p:childTnLst>
+                                    <p:set>
+                                      <p:cBhvr>
+                                        <p:cTn id="10" dur="1" fill="hold">
+                                          <p:stCondLst>
+                                            <p:cond delay="499"/>
+                                          </p:stCondLst>
+                                        </p:cTn>
+                                        <p:tgtEl>
+                                          <p:spTgt spid="11"/>
+                                        </p:tgtEl>
+                                        <p:attrNameLst>
+                                          <p:attrName>style.visibility</p:attrName>
+                                        </p:attrNameLst>
+                                      </p:cBhvr>
+                                      <p:to>
+                                        <p:strVal val="visible"/>
+                                      </p:to>
+                                    </p:set>
+                                  </p:childTnLst>
+                                </p:cTn>
+                              </p:par>
+                            </p:childTnLst>
+                          </p:cTn>
+                        </p:par>
+                      </p:childTnLst>
+                    </p:cTn>
+                  </p:par>
+                  <p:par>
+                    <p:cTn id="11" fill="hold">
+                      <p:stCondLst>
+                        <p:cond delay="indefinite"/>
+                      </p:stCondLst>
+                      <p:childTnLst>
+                        <p:par>
+                          <p:cTn id="12" fill="hold">
+                            <p:stCondLst>
+                              <p:cond delay="0"/>
+                            </p:stCondLst>
+                            <p:childTnLst>
+                              <p:par>
+                                <p:cTn id="13" presetID="1" presetClass="entr" presetSubtype="0" fill="hold" grpId="0" nodeType="clickEffect">
+                                  <p:stCondLst>
+                                    <p:cond delay="0"/>
+                                  </p:stCondLst>
+                                  <p:childTnLst>
+                                    <p:set>
+                                      <p:cBhvr>
+                                        <p:cTn id="14" dur="1" fill="hold">
+                                          <p:stCondLst>
+                                            <p:cond delay="499"/>
+                                          </p:stCondLst>
+                                        </p:cTn>
+                                        <p:tgtEl>
+                                          <p:spTgt spid="12"/>
+                                        </p:tgtEl>
+                                        <p:attrNameLst>
+                                          <p:attrName>style.visibility</p:attrName>
+                                        </p:attrNameLst>
+                                      </p:cBhvr>
+                                      <p:to>
+                                        <p:strVal val="visible"/>
+                                      </p:to>
+                                    </p:set>
+                                  </p:childTnLst>
+                                </p:cTn>
+                              </p:par>
+                            </p:childTnLst>
+                          </p:cTn>
+                        </p:par>
+                      </p:childTnLst>
+                    </p:cTn>
+                  </p:par>
+                  <p:par>
+                    <p:cTn id="15" fill="hold">
+                      <p:stCondLst>
+                        <p:cond delay="indefinite"/>
+                      </p:stCondLst>
+                      <p:childTnLst>
+                        <p:par>
+                          <p:cTn id="16" fill="hold">
+                            <p:stCondLst>
+                              <p:cond delay="0"/>
+                            </p:stCondLst>
+                            <p:childTnLst>
+                              <p:par>
+                                <p:cTn id="17" presetID="1" presetClass="entr" presetSubtype="0" fill="hold" grpId="0" nodeType="clickEffect">
+                                  <p:stCondLst>
+                                    <p:cond delay="0"/>
+                                  </p:stCondLst>
+                                  <p:childTnLst>
+                                    <p:set>
+                                      <p:cBhvr>
+                                        <p:cTn id="18" dur="1" fill="hold">
+                                          <p:stCondLst>
+                                            <p:cond delay="499"/>
+                                          </p:stCondLst>
+                                        </p:cTn>
+                                        <p:tgtEl>
+                                          <p:spTgt spid="13"/>
+                                        </p:tgtEl>
+                                        <p:attrNameLst>
+                                          <p:attrName>style.visibility</p:attrName>
+                                        </p:attrNameLst>
+                                      </p:cBhvr>
+                                      <p:to>
+                                        <p:strVal val="visible"/>
+                                      </p:to>
+                                    </p:set>
+                                  </p:childTnLst>
+                                </p:cTn>
+                              </p:par>
+                            </p:childTnLst>
+                          </p:cTn>
+                        </p:par>
+                      </p:childTnLst>
+                    </p:cTn>
+                  </p:par>
+                </p:childTnLst>
+              </p:cTn>
+              <p:prevCondLst>
+                <p:cond evt="onPrev" delay="0">
+                  <p:tgtEl>
+                    <p:sldTgt/>
+                  </p:tgtEl>
+                </p:cond>
+              </p:prevCondLst>
+              <p:nextCondLst>
+                <p:cond evt="onNext" delay="0">
+                  <p:tgtEl>
+                    <p:sldTgt/>
+                  </p:tgtEl>
+                </p:cond>
+              </p:nextCondLst>
+            </p:seq>
+          </p:childTnLst>
+        </p:cTn>
       </p:par>
     </p:tnLst>
+    <p:bldLst>
+      <p:bldP spid="9" grpId="0" animBg="1"/>
+      <p:bldP spid="11" grpId="0" animBg="1"/>
+      <p:bldP spid="12" grpId="0" animBg="1"/>
+      <p:bldP spid="13" grpId="0" animBg="1"/>
+    </p:bldLst>
   </p:timing>
 </p:sld>
 </file>
@@ -28035,6 +31921,83 @@
           </a:fontRef>
         </p:style>
       </p:cxnSp>
+      <p:sp>
+        <p:nvSpPr>
+          <p:cNvPr id="6" name="Rectangle 131"/>
+          <p:cNvSpPr>
+            <a:spLocks noChangeArrowheads="1"/>
+          </p:cNvSpPr>
+          <p:nvPr/>
+        </p:nvSpPr>
+        <p:spPr bwMode="auto">
+          <a:xfrm>
+            <a:off x="571472" y="1071546"/>
+            <a:ext cx="1119217" cy="369332"/>
+          </a:xfrm>
+          <a:prstGeom prst="rect">
+            <a:avLst/>
+          </a:prstGeom>
+          <a:noFill/>
+          <a:ln w="9525">
+            <a:noFill/>
+            <a:miter lim="800000"/>
+            <a:headEnd/>
+            <a:tailEnd/>
+          </a:ln>
+          <a:effectLst/>
+        </p:spPr>
+        <p:txBody>
+          <a:bodyPr wrap="none">
+            <a:spAutoFit/>
+          </a:bodyPr>
+          <a:lstStyle/>
+          <a:p>
+            <a:pPr>
+              <a:spcBef>
+                <a:spcPct val="0"/>
+              </a:spcBef>
+              <a:buClr>
+                <a:srgbClr val="FFFF99"/>
+              </a:buClr>
+              <a:buFont typeface="Wingdings" pitchFamily="2" charset="2"/>
+              <a:buChar char="q"/>
+            </a:pPr>
+            <a:r>
+              <a:rPr lang="es-ES_tradnl" sz="1800" b="1" dirty="0">
+                <a:solidFill>
+                  <a:srgbClr val="FFFF99"/>
+                </a:solidFill>
+                <a:effectLst>
+                  <a:outerShdw blurRad="38100" dist="38100" dir="2700000" algn="tl">
+                    <a:srgbClr val="000000"/>
+                  </a:outerShdw>
+                </a:effectLst>
+                <a:latin typeface="Tahoma" charset="0"/>
+              </a:rPr>
+              <a:t> </a:t>
+            </a:r>
+            <a:r>
+              <a:rPr lang="es-ES_tradnl" sz="1800" b="1" dirty="0" smtClean="0">
+                <a:effectLst>
+                  <a:outerShdw blurRad="38100" dist="38100" dir="2700000" algn="tl">
+                    <a:srgbClr val="000000"/>
+                  </a:outerShdw>
+                </a:effectLst>
+                <a:latin typeface="Tahoma" charset="0"/>
+              </a:rPr>
+              <a:t>VRML</a:t>
+            </a:r>
+            <a:endParaRPr lang="es-ES" sz="1800" b="1" dirty="0">
+              <a:effectLst>
+                <a:outerShdw blurRad="38100" dist="38100" dir="2700000" algn="tl">
+                  <a:srgbClr val="000000"/>
+                </a:outerShdw>
+              </a:effectLst>
+              <a:latin typeface="Tahoma" charset="0"/>
+            </a:endParaRPr>
+          </a:p>
+        </p:txBody>
+      </p:sp>
     </p:spTree>
   </p:cSld>
   <p:clrMapOvr>
